--- a/asset/Learn_ja/ITA-export-import_classroom_lecture.pptx
+++ b/asset/Learn_ja/ITA-export-import_classroom_lecture.pptx
@@ -312,7 +312,7 @@
               <a:rPr kumimoji="1" lang="ja-JP" altLang="en-US" smtClean="0">
                 <a:ea typeface="メイリオ" panose="020B0604030504040204" pitchFamily="50" charset="-128"/>
               </a:rPr>
-              <a:t>2020/10/21</a:t>
+              <a:t>2021/3/19</a:t>
             </a:fld>
             <a:endParaRPr kumimoji="1" lang="ja-JP" altLang="en-US" dirty="0">
               <a:ea typeface="メイリオ" panose="020B0604030504040204" pitchFamily="50" charset="-128"/>
@@ -458,7 +458,7 @@
             <a:fld id="{4B26993D-C081-44EB-B0F5-A9F467792B62}" type="datetimeFigureOut">
               <a:rPr lang="ja-JP" altLang="en-US" smtClean="0"/>
               <a:pPr/>
-              <a:t>2020/10/21</a:t>
+              <a:t>2021/3/19</a:t>
             </a:fld>
             <a:endParaRPr lang="ja-JP" altLang="en-US" dirty="0"/>
           </a:p>
@@ -993,7 +993,7 @@
           <a:bodyPr/>
           <a:lstStyle/>
           <a:p>
-            <a:endParaRPr kumimoji="1" lang="ja-JP" altLang="en-US"/>
+            <a:endParaRPr kumimoji="1" lang="ja-JP" altLang="en-US" dirty="0"/>
           </a:p>
         </p:txBody>
       </p:sp>
@@ -1625,7 +1625,7 @@
           <a:p>
             <a:fld id="{56F9016B-CCA6-43BE-8BEE-59565A35F4F7}" type="datetimeFigureOut">
               <a:rPr kumimoji="1" lang="ja-JP" altLang="en-US" smtClean="0"/>
-              <a:t>2020/10/21</a:t>
+              <a:t>2021/3/19</a:t>
             </a:fld>
             <a:endParaRPr kumimoji="1" lang="ja-JP" altLang="en-US"/>
           </a:p>
@@ -1827,7 +1827,7 @@
           <a:p>
             <a:fld id="{56F9016B-CCA6-43BE-8BEE-59565A35F4F7}" type="datetimeFigureOut">
               <a:rPr kumimoji="1" lang="ja-JP" altLang="en-US" smtClean="0"/>
-              <a:t>2020/10/21</a:t>
+              <a:t>2021/3/19</a:t>
             </a:fld>
             <a:endParaRPr kumimoji="1" lang="ja-JP" altLang="en-US"/>
           </a:p>
@@ -2073,7 +2073,7 @@
           <a:p>
             <a:fld id="{56F9016B-CCA6-43BE-8BEE-59565A35F4F7}" type="datetimeFigureOut">
               <a:rPr kumimoji="1" lang="ja-JP" altLang="en-US" smtClean="0"/>
-              <a:t>2020/10/21</a:t>
+              <a:t>2021/3/19</a:t>
             </a:fld>
             <a:endParaRPr kumimoji="1" lang="ja-JP" altLang="en-US"/>
           </a:p>
@@ -2369,7 +2369,7 @@
           <a:p>
             <a:fld id="{56F9016B-CCA6-43BE-8BEE-59565A35F4F7}" type="datetimeFigureOut">
               <a:rPr kumimoji="1" lang="ja-JP" altLang="en-US" smtClean="0"/>
-              <a:t>2020/10/21</a:t>
+              <a:t>2021/3/19</a:t>
             </a:fld>
             <a:endParaRPr kumimoji="1" lang="ja-JP" altLang="en-US"/>
           </a:p>
@@ -2800,7 +2800,7 @@
           <a:p>
             <a:fld id="{56F9016B-CCA6-43BE-8BEE-59565A35F4F7}" type="datetimeFigureOut">
               <a:rPr kumimoji="1" lang="ja-JP" altLang="en-US" smtClean="0"/>
-              <a:t>2020/10/21</a:t>
+              <a:t>2021/3/19</a:t>
             </a:fld>
             <a:endParaRPr kumimoji="1" lang="ja-JP" altLang="en-US"/>
           </a:p>
@@ -2918,7 +2918,7 @@
           <a:p>
             <a:fld id="{56F9016B-CCA6-43BE-8BEE-59565A35F4F7}" type="datetimeFigureOut">
               <a:rPr kumimoji="1" lang="ja-JP" altLang="en-US" smtClean="0"/>
-              <a:t>2020/10/21</a:t>
+              <a:t>2021/3/19</a:t>
             </a:fld>
             <a:endParaRPr kumimoji="1" lang="ja-JP" altLang="en-US"/>
           </a:p>
@@ -3013,7 +3013,7 @@
           <a:p>
             <a:fld id="{56F9016B-CCA6-43BE-8BEE-59565A35F4F7}" type="datetimeFigureOut">
               <a:rPr kumimoji="1" lang="ja-JP" altLang="en-US" smtClean="0"/>
-              <a:t>2020/10/21</a:t>
+              <a:t>2021/3/19</a:t>
             </a:fld>
             <a:endParaRPr kumimoji="1" lang="ja-JP" altLang="en-US"/>
           </a:p>
@@ -3322,7 +3322,7 @@
           <a:p>
             <a:fld id="{56F9016B-CCA6-43BE-8BEE-59565A35F4F7}" type="datetimeFigureOut">
               <a:rPr kumimoji="1" lang="ja-JP" altLang="en-US" smtClean="0"/>
-              <a:t>2020/10/21</a:t>
+              <a:t>2021/3/19</a:t>
             </a:fld>
             <a:endParaRPr kumimoji="1" lang="ja-JP" altLang="en-US"/>
           </a:p>
@@ -3575,7 +3575,7 @@
           <a:p>
             <a:fld id="{56F9016B-CCA6-43BE-8BEE-59565A35F4F7}" type="datetimeFigureOut">
               <a:rPr kumimoji="1" lang="ja-JP" altLang="en-US" smtClean="0"/>
-              <a:t>2020/10/21</a:t>
+              <a:t>2021/3/19</a:t>
             </a:fld>
             <a:endParaRPr kumimoji="1" lang="ja-JP" altLang="en-US"/>
           </a:p>
@@ -3852,7 +3852,7 @@
           <a:p>
             <a:fld id="{56F9016B-CCA6-43BE-8BEE-59565A35F4F7}" type="datetimeFigureOut">
               <a:rPr kumimoji="1" lang="ja-JP" altLang="en-US" smtClean="0"/>
-              <a:t>2020/10/21</a:t>
+              <a:t>2021/3/19</a:t>
             </a:fld>
             <a:endParaRPr kumimoji="1" lang="ja-JP" altLang="en-US"/>
           </a:p>
@@ -4064,7 +4064,7 @@
           <a:p>
             <a:fld id="{56F9016B-CCA6-43BE-8BEE-59565A35F4F7}" type="datetimeFigureOut">
               <a:rPr kumimoji="1" lang="ja-JP" altLang="en-US" smtClean="0"/>
-              <a:t>2020/10/21</a:t>
+              <a:t>2021/3/19</a:t>
             </a:fld>
             <a:endParaRPr kumimoji="1" lang="ja-JP" altLang="en-US"/>
           </a:p>
@@ -7123,7 +7123,7 @@
           <a:p>
             <a:fld id="{56F9016B-CCA6-43BE-8BEE-59565A35F4F7}" type="datetimeFigureOut">
               <a:rPr kumimoji="1" lang="ja-JP" altLang="en-US" smtClean="0"/>
-              <a:t>2020/10/21</a:t>
+              <a:t>2021/3/19</a:t>
             </a:fld>
             <a:endParaRPr kumimoji="1" lang="ja-JP" altLang="en-US"/>
           </a:p>
@@ -7556,15 +7556,15 @@
           <a:lstStyle/>
           <a:p>
             <a:r>
-              <a:rPr lang="ja-JP" altLang="en-US" smtClean="0"/>
+              <a:rPr lang="ja-JP" altLang="en-US" dirty="0" smtClean="0"/>
               <a:t>第</a:t>
             </a:r>
             <a:r>
-              <a:rPr lang="en-US" altLang="ja-JP" smtClean="0"/>
-              <a:t>1.0</a:t>
-            </a:r>
-            <a:r>
-              <a:rPr lang="ja-JP" altLang="en-US" smtClean="0"/>
+              <a:rPr lang="en-US" altLang="ja-JP" dirty="0" smtClean="0"/>
+              <a:t>1.6.1</a:t>
+            </a:r>
+            <a:r>
+              <a:rPr lang="ja-JP" altLang="en-US" dirty="0" smtClean="0"/>
               <a:t>版</a:t>
             </a:r>
             <a:endParaRPr lang="en-US" altLang="ja-JP" dirty="0" smtClean="0"/>
@@ -7748,33 +7748,32 @@
           </a:lstStyle>
           <a:p>
             <a:r>
-              <a:rPr lang="ja-JP" altLang="en-US" sz="4800" b="1" smtClean="0"/>
+              <a:rPr lang="ja-JP" altLang="en-US" sz="4800" b="1" dirty="0" smtClean="0"/>
               <a:t>エクスポート</a:t>
             </a:r>
             <a:r>
-              <a:rPr lang="en-US" altLang="ja-JP" sz="4800" b="1" smtClean="0"/>
+              <a:rPr lang="en-US" altLang="ja-JP" sz="4800" b="1" dirty="0" smtClean="0"/>
               <a:t>/</a:t>
             </a:r>
             <a:r>
-              <a:rPr lang="ja-JP" altLang="en-US" sz="4800" b="1" smtClean="0"/>
+              <a:rPr lang="ja-JP" altLang="en-US" sz="4800" b="1" dirty="0" smtClean="0"/>
               <a:t>インポート</a:t>
             </a:r>
-            <a:endParaRPr lang="en-US" altLang="ja-JP" sz="4800" b="1" smtClean="0"/>
+            <a:endParaRPr lang="en-US" altLang="ja-JP" sz="4800" b="1" dirty="0" smtClean="0"/>
           </a:p>
           <a:p>
             <a:r>
-              <a:rPr lang="en-US" altLang="ja-JP" sz="4800" b="1" kern="0" spc="-150" smtClean="0"/>
+              <a:rPr lang="en-US" altLang="ja-JP" sz="4800" b="1" kern="0" spc="-150" dirty="0" smtClean="0"/>
               <a:t>【</a:t>
             </a:r>
             <a:r>
-              <a:rPr lang="ja-JP" altLang="en-US" sz="4800" b="1" kern="0" spc="-150" smtClean="0"/>
+              <a:rPr lang="ja-JP" altLang="en-US" sz="4800" b="1" kern="0" spc="-150" dirty="0" smtClean="0"/>
               <a:t>座学編</a:t>
             </a:r>
             <a:r>
-              <a:rPr lang="en-US" altLang="ja-JP" sz="4800" b="1" kern="0" spc="-150" smtClean="0"/>
+              <a:rPr lang="en-US" altLang="ja-JP" sz="4800" b="1" kern="0" spc="-150" dirty="0" smtClean="0"/>
               <a:t>】</a:t>
             </a:r>
-            <a:endParaRPr lang="en-US" altLang="ja-JP" sz="4800" b="1" kern="0" spc="-150" dirty="0" smtClean="0"/>
           </a:p>
         </p:txBody>
       </p:sp>
@@ -8213,16 +8212,16 @@
           <a:lstStyle/>
           <a:p>
             <a:r>
-              <a:rPr kumimoji="1" lang="en-US" altLang="ja-JP" b="1" smtClean="0"/>
+              <a:rPr kumimoji="1" lang="en-US" altLang="ja-JP" b="1" dirty="0" smtClean="0"/>
               <a:t>Symphony</a:t>
             </a:r>
             <a:r>
-              <a:rPr kumimoji="1" lang="ja-JP" altLang="en-US" b="1" smtClean="0"/>
+              <a:rPr kumimoji="1" lang="ja-JP" altLang="en-US" b="1" dirty="0" smtClean="0"/>
               <a:t>エクスポート時に取得されるデータ</a:t>
             </a:r>
             <a:r>
-              <a:rPr kumimoji="1" lang="en-US" altLang="ja-JP" b="1" smtClean="0"/>
-              <a:t>(Terraform/OpenStack)</a:t>
+              <a:rPr kumimoji="1" lang="en-US" altLang="ja-JP" b="1" dirty="0" smtClean="0"/>
+              <a:t>(Terraform)</a:t>
             </a:r>
           </a:p>
           <a:p>
@@ -8230,30 +8229,22 @@
               <a:buNone/>
             </a:pPr>
             <a:r>
-              <a:rPr kumimoji="1" lang="ja-JP" altLang="en-US" smtClean="0"/>
+              <a:rPr kumimoji="1" lang="ja-JP" altLang="en-US" dirty="0" smtClean="0"/>
               <a:t>オーケストレータが</a:t>
             </a:r>
             <a:r>
-              <a:rPr kumimoji="1" lang="en-US" altLang="ja-JP" smtClean="0"/>
+              <a:rPr kumimoji="1" lang="en-US" altLang="ja-JP" dirty="0" smtClean="0"/>
               <a:t>Terraform</a:t>
             </a:r>
             <a:r>
-              <a:rPr lang="ja-JP" altLang="en-US"/>
-              <a:t>も</a:t>
-            </a:r>
-            <a:r>
-              <a:rPr lang="ja-JP" altLang="en-US" smtClean="0"/>
-              <a:t>しくは</a:t>
-            </a:r>
-            <a:r>
-              <a:rPr lang="en-US" altLang="ja-JP" smtClean="0"/>
-              <a:t>OpenStack</a:t>
-            </a:r>
-            <a:r>
-              <a:rPr lang="ja-JP" altLang="en-US" smtClean="0"/>
-              <a:t>の場合、下図のようにデータが取得されます。</a:t>
-            </a:r>
-            <a:endParaRPr kumimoji="1" lang="en-US" altLang="ja-JP" smtClean="0"/>
+              <a:rPr lang="ja-JP" altLang="en-US" dirty="0"/>
+              <a:t>の</a:t>
+            </a:r>
+            <a:r>
+              <a:rPr lang="ja-JP" altLang="en-US" dirty="0" smtClean="0"/>
+              <a:t>場合、下図のようにデータが取得されます。</a:t>
+            </a:r>
+            <a:endParaRPr kumimoji="1" lang="en-US" altLang="ja-JP" dirty="0" smtClean="0"/>
           </a:p>
         </p:txBody>
       </p:sp>
@@ -8265,7 +8256,7 @@
         </p:nvSpPr>
         <p:spPr bwMode="auto">
           <a:xfrm>
-            <a:off x="2451773" y="3639405"/>
+            <a:off x="2451773" y="2272364"/>
             <a:ext cx="1552405" cy="276789"/>
           </a:xfrm>
           <a:prstGeom prst="roundRect">
@@ -8389,7 +8380,7 @@
           <a:p>
             <a:pPr algn="ctr"/>
             <a:r>
-              <a:rPr kumimoji="1" lang="en-US" altLang="ja-JP" sz="1200" b="1" smtClean="0">
+              <a:rPr kumimoji="1" lang="en-US" altLang="ja-JP" sz="1200" b="1" dirty="0" smtClean="0">
                 <a:solidFill>
                   <a:schemeClr val="bg1"/>
                 </a:solidFill>
@@ -8398,7 +8389,7 @@
               <a:t>Movement</a:t>
             </a:r>
             <a:r>
-              <a:rPr kumimoji="1" lang="ja-JP" altLang="en-US" sz="1200" b="1" smtClean="0">
+              <a:rPr kumimoji="1" lang="ja-JP" altLang="en-US" sz="1200" b="1" dirty="0" smtClean="0">
                 <a:solidFill>
                   <a:schemeClr val="bg1"/>
                 </a:solidFill>
@@ -8406,12 +8397,6 @@
               </a:rPr>
               <a:t>詳細</a:t>
             </a:r>
-            <a:endParaRPr kumimoji="1" lang="ja-JP" altLang="en-US" sz="1200" b="1" dirty="0" smtClean="0">
-              <a:solidFill>
-                <a:schemeClr val="bg1"/>
-              </a:solidFill>
-              <a:latin typeface="+mn-ea"/>
-            </a:endParaRPr>
           </a:p>
         </p:txBody>
       </p:sp>
@@ -8423,7 +8408,7 @@
         </p:nvSpPr>
         <p:spPr bwMode="auto">
           <a:xfrm>
-            <a:off x="467430" y="3639406"/>
+            <a:off x="467430" y="2272365"/>
             <a:ext cx="1552405" cy="276789"/>
           </a:xfrm>
           <a:prstGeom prst="roundRect">
@@ -8547,7 +8532,7 @@
           <a:p>
             <a:pPr algn="ctr"/>
             <a:r>
-              <a:rPr lang="en-US" altLang="ja-JP" sz="1200" b="1" smtClean="0">
+              <a:rPr lang="en-US" altLang="ja-JP" sz="1200" b="1" dirty="0" smtClean="0">
                 <a:solidFill>
                   <a:schemeClr val="bg1"/>
                 </a:solidFill>
@@ -8556,7 +8541,7 @@
               <a:t>Movement</a:t>
             </a:r>
             <a:r>
-              <a:rPr lang="ja-JP" altLang="en-US" sz="1200" b="1" smtClean="0">
+              <a:rPr lang="ja-JP" altLang="en-US" sz="1200" b="1" dirty="0" smtClean="0">
                 <a:solidFill>
                   <a:schemeClr val="bg1"/>
                 </a:solidFill>
@@ -8581,7 +8566,7 @@
         </p:nvSpPr>
         <p:spPr bwMode="auto">
           <a:xfrm>
-            <a:off x="4279186" y="3639405"/>
+            <a:off x="4279186" y="2272364"/>
             <a:ext cx="1552405" cy="276789"/>
           </a:xfrm>
           <a:prstGeom prst="roundRect">
@@ -8739,7 +8724,7 @@
         </p:nvSpPr>
         <p:spPr bwMode="auto">
           <a:xfrm>
-            <a:off x="2451773" y="4802817"/>
+            <a:off x="2451773" y="3212970"/>
             <a:ext cx="1552405" cy="276789"/>
           </a:xfrm>
           <a:prstGeom prst="roundRect">
@@ -8863,7 +8848,7 @@
           <a:p>
             <a:pPr algn="ctr"/>
             <a:r>
-              <a:rPr lang="en-US" altLang="ja-JP" sz="1200" b="1" smtClean="0">
+              <a:rPr lang="en-US" altLang="ja-JP" sz="1200" b="1" dirty="0" smtClean="0">
                 <a:solidFill>
                   <a:schemeClr val="bg1"/>
                 </a:solidFill>
@@ -8872,7 +8857,7 @@
               <a:t>Workspaces</a:t>
             </a:r>
             <a:r>
-              <a:rPr lang="ja-JP" altLang="en-US" sz="1200" b="1" smtClean="0">
+              <a:rPr lang="ja-JP" altLang="en-US" sz="1200" b="1" dirty="0" smtClean="0">
                 <a:solidFill>
                   <a:schemeClr val="bg1"/>
                 </a:solidFill>
@@ -8897,7 +8882,7 @@
         </p:nvSpPr>
         <p:spPr bwMode="auto">
           <a:xfrm>
-            <a:off x="4279186" y="4802817"/>
+            <a:off x="4279186" y="3212970"/>
             <a:ext cx="1552405" cy="276789"/>
           </a:xfrm>
           <a:prstGeom prst="roundRect">
@@ -9021,7 +9006,7 @@
           <a:p>
             <a:pPr algn="ctr"/>
             <a:r>
-              <a:rPr lang="en-US" altLang="ja-JP" sz="1200" b="1" smtClean="0">
+              <a:rPr lang="en-US" altLang="ja-JP" sz="1200" b="1" dirty="0" smtClean="0">
                 <a:solidFill>
                   <a:schemeClr val="bg1"/>
                 </a:solidFill>
@@ -9030,7 +9015,7 @@
               <a:t>Organizations</a:t>
             </a:r>
             <a:r>
-              <a:rPr lang="ja-JP" altLang="en-US" sz="1200" b="1" smtClean="0">
+              <a:rPr lang="ja-JP" altLang="en-US" sz="1200" b="1" dirty="0" smtClean="0">
                 <a:solidFill>
                   <a:schemeClr val="bg1"/>
                 </a:solidFill>
@@ -9055,7 +9040,7 @@
         </p:nvSpPr>
         <p:spPr bwMode="auto">
           <a:xfrm>
-            <a:off x="2451773" y="5491861"/>
+            <a:off x="2451773" y="4124820"/>
             <a:ext cx="1827413" cy="428904"/>
           </a:xfrm>
           <a:prstGeom prst="roundRect">
@@ -9179,16 +9164,25 @@
           <a:p>
             <a:pPr algn="ctr"/>
             <a:r>
-              <a:rPr lang="en-US" altLang="ja-JP" sz="1200" b="1" smtClean="0">
+              <a:rPr lang="en-US" altLang="ja-JP" sz="1200" b="1" dirty="0" err="1" smtClean="0">
                 <a:solidFill>
                   <a:schemeClr val="bg1"/>
                 </a:solidFill>
                 <a:latin typeface="+mn-ea"/>
               </a:rPr>
-              <a:t>PolicySet-Workspace</a:t>
+              <a:t>PolicySet</a:t>
+            </a:r>
+            <a:r>
+              <a:rPr lang="en-US" altLang="ja-JP" sz="1200" b="1" dirty="0" smtClean="0">
+                <a:solidFill>
+                  <a:schemeClr val="bg1"/>
+                </a:solidFill>
+                <a:latin typeface="+mn-ea"/>
+              </a:rPr>
+              <a:t>-Workspace</a:t>
             </a:r>
             <a:br>
-              <a:rPr lang="en-US" altLang="ja-JP" sz="1200" b="1" smtClean="0">
+              <a:rPr lang="en-US" altLang="ja-JP" sz="1200" b="1" dirty="0" smtClean="0">
                 <a:solidFill>
                   <a:schemeClr val="bg1"/>
                 </a:solidFill>
@@ -9196,7 +9190,7 @@
               </a:rPr>
             </a:br>
             <a:r>
-              <a:rPr lang="ja-JP" altLang="en-US" sz="1200" b="1" smtClean="0">
+              <a:rPr lang="ja-JP" altLang="en-US" sz="1200" b="1" dirty="0" smtClean="0">
                 <a:solidFill>
                   <a:schemeClr val="bg1"/>
                 </a:solidFill>
@@ -9205,7 +9199,7 @@
               <a:t>紐付</a:t>
             </a:r>
             <a:r>
-              <a:rPr lang="ja-JP" altLang="en-US" sz="1200" b="1">
+              <a:rPr lang="ja-JP" altLang="en-US" sz="1200" b="1" dirty="0">
                 <a:solidFill>
                   <a:schemeClr val="bg1"/>
                 </a:solidFill>
@@ -9230,7 +9224,7 @@
         </p:nvSpPr>
         <p:spPr bwMode="auto">
           <a:xfrm>
-            <a:off x="6365627" y="5567918"/>
+            <a:off x="6365627" y="4200877"/>
             <a:ext cx="1552405" cy="276789"/>
           </a:xfrm>
           <a:prstGeom prst="roundRect">
@@ -9354,7 +9348,7 @@
           <a:p>
             <a:pPr algn="ctr"/>
             <a:r>
-              <a:rPr lang="en-US" altLang="ja-JP" sz="1200" b="1">
+              <a:rPr lang="en-US" altLang="ja-JP" sz="1200" b="1" dirty="0">
                 <a:solidFill>
                   <a:schemeClr val="bg1"/>
                 </a:solidFill>
@@ -9363,7 +9357,7 @@
               <a:t>Policies </a:t>
             </a:r>
             <a:r>
-              <a:rPr lang="ja-JP" altLang="en-US" sz="1200" b="1">
+              <a:rPr lang="ja-JP" altLang="en-US" sz="1200" b="1" dirty="0">
                 <a:solidFill>
                   <a:schemeClr val="bg1"/>
                 </a:solidFill>
@@ -9388,7 +9382,7 @@
         </p:nvSpPr>
         <p:spPr bwMode="auto">
           <a:xfrm>
-            <a:off x="4538214" y="6031462"/>
+            <a:off x="4538214" y="4664421"/>
             <a:ext cx="1552405" cy="276789"/>
           </a:xfrm>
           <a:prstGeom prst="roundRect">
@@ -9512,7 +9506,7 @@
           <a:p>
             <a:pPr algn="ctr"/>
             <a:r>
-              <a:rPr lang="en-US" altLang="ja-JP" sz="1200" b="1" smtClean="0">
+              <a:rPr lang="en-US" altLang="ja-JP" sz="1200" b="1" dirty="0" smtClean="0">
                 <a:solidFill>
                   <a:schemeClr val="bg1"/>
                 </a:solidFill>
@@ -9521,7 +9515,7 @@
               <a:t>Policy </a:t>
             </a:r>
             <a:r>
-              <a:rPr lang="en-US" altLang="ja-JP" sz="1200" b="1">
+              <a:rPr lang="en-US" altLang="ja-JP" sz="1200" b="1" dirty="0">
                 <a:solidFill>
                   <a:schemeClr val="bg1"/>
                 </a:solidFill>
@@ -9530,7 +9524,7 @@
               <a:t>Sets </a:t>
             </a:r>
             <a:r>
-              <a:rPr lang="ja-JP" altLang="en-US" sz="1200" b="1">
+              <a:rPr lang="ja-JP" altLang="en-US" sz="1200" b="1" dirty="0">
                 <a:solidFill>
                   <a:schemeClr val="bg1"/>
                 </a:solidFill>
@@ -9555,7 +9549,7 @@
         </p:nvSpPr>
         <p:spPr bwMode="auto">
           <a:xfrm>
-            <a:off x="4538214" y="5500386"/>
+            <a:off x="4538214" y="4133345"/>
             <a:ext cx="1552405" cy="429845"/>
           </a:xfrm>
           <a:prstGeom prst="roundRect">
@@ -9679,16 +9673,25 @@
           <a:p>
             <a:pPr algn="ctr"/>
             <a:r>
-              <a:rPr lang="en-US" altLang="ja-JP" sz="1200" b="1">
+              <a:rPr lang="en-US" altLang="ja-JP" sz="1200" b="1" dirty="0" err="1">
                 <a:solidFill>
                   <a:schemeClr val="bg1"/>
                 </a:solidFill>
                 <a:latin typeface="+mn-ea"/>
               </a:rPr>
-              <a:t>PolicySet-Policy </a:t>
-            </a:r>
-            <a:r>
-              <a:rPr lang="en-US" altLang="ja-JP" sz="1200" b="1" smtClean="0">
+              <a:t>PolicySet</a:t>
+            </a:r>
+            <a:r>
+              <a:rPr lang="en-US" altLang="ja-JP" sz="1200" b="1" dirty="0">
+                <a:solidFill>
+                  <a:schemeClr val="bg1"/>
+                </a:solidFill>
+                <a:latin typeface="+mn-ea"/>
+              </a:rPr>
+              <a:t>-Policy </a:t>
+            </a:r>
+            <a:r>
+              <a:rPr lang="en-US" altLang="ja-JP" sz="1200" b="1" dirty="0" smtClean="0">
                 <a:solidFill>
                   <a:schemeClr val="bg1"/>
                 </a:solidFill>
@@ -9697,7 +9700,7 @@
               <a:t/>
             </a:r>
             <a:br>
-              <a:rPr lang="en-US" altLang="ja-JP" sz="1200" b="1" smtClean="0">
+              <a:rPr lang="en-US" altLang="ja-JP" sz="1200" b="1" dirty="0" smtClean="0">
                 <a:solidFill>
                   <a:schemeClr val="bg1"/>
                 </a:solidFill>
@@ -9705,7 +9708,7 @@
               </a:rPr>
             </a:br>
             <a:r>
-              <a:rPr lang="ja-JP" altLang="en-US" sz="1200" b="1" smtClean="0">
+              <a:rPr lang="ja-JP" altLang="en-US" sz="1200" b="1" dirty="0" smtClean="0">
                 <a:solidFill>
                   <a:schemeClr val="bg1"/>
                 </a:solidFill>
@@ -9714,171 +9717,13 @@
               <a:t>紐付</a:t>
             </a:r>
             <a:r>
-              <a:rPr lang="ja-JP" altLang="en-US" sz="1200" b="1">
+              <a:rPr lang="ja-JP" altLang="en-US" sz="1200" b="1" dirty="0">
                 <a:solidFill>
                   <a:schemeClr val="bg1"/>
                 </a:solidFill>
                 <a:latin typeface="+mn-ea"/>
               </a:rPr>
               <a:t>管理</a:t>
-            </a:r>
-            <a:endParaRPr kumimoji="1" lang="ja-JP" altLang="en-US" sz="1200" b="1" dirty="0" smtClean="0">
-              <a:solidFill>
-                <a:schemeClr val="bg1"/>
-              </a:solidFill>
-              <a:latin typeface="+mn-ea"/>
-            </a:endParaRPr>
-          </a:p>
-        </p:txBody>
-      </p:sp>
-      <p:sp>
-        <p:nvSpPr>
-          <p:cNvPr id="71" name="角丸四角形 70"/>
-          <p:cNvSpPr/>
-          <p:nvPr/>
-        </p:nvSpPr>
-        <p:spPr bwMode="auto">
-          <a:xfrm>
-            <a:off x="467430" y="2635434"/>
-            <a:ext cx="1552405" cy="276789"/>
-          </a:xfrm>
-          <a:prstGeom prst="roundRect">
-            <a:avLst>
-              <a:gd name="adj" fmla="val 21076"/>
-            </a:avLst>
-          </a:prstGeom>
-          <a:solidFill>
-            <a:schemeClr val="accent4">
-              <a:lumMod val="75000"/>
-            </a:schemeClr>
-          </a:solidFill>
-          <a:ln w="12700">
-            <a:noFill/>
-          </a:ln>
-          <a:effectLst/>
-          <a:extLst/>
-        </p:spPr>
-        <p:txBody>
-          <a:bodyPr rot="0" spcFirstLastPara="0" vert="horz" wrap="none" lIns="72000" tIns="72000" rIns="72000" bIns="72000" numCol="1" spcCol="0" rtlCol="0" fromWordArt="0" anchor="ctr" anchorCtr="0" forceAA="0" compatLnSpc="1">
-            <a:prstTxWarp prst="textNoShape">
-              <a:avLst/>
-            </a:prstTxWarp>
-            <a:noAutofit/>
-          </a:bodyPr>
-          <a:lstStyle>
-            <a:defPPr>
-              <a:defRPr lang="ja-JP"/>
-            </a:defPPr>
-            <a:lvl1pPr marL="0" algn="l" defTabSz="914400" rtl="0" eaLnBrk="1" latinLnBrk="0" hangingPunct="1">
-              <a:defRPr kumimoji="1" sz="1800" kern="1200">
-                <a:solidFill>
-                  <a:schemeClr val="tx1"/>
-                </a:solidFill>
-                <a:latin typeface="+mn-lt"/>
-                <a:ea typeface="+mn-ea"/>
-                <a:cs typeface="+mn-cs"/>
-              </a:defRPr>
-            </a:lvl1pPr>
-            <a:lvl2pPr marL="457200" algn="l" defTabSz="914400" rtl="0" eaLnBrk="1" latinLnBrk="0" hangingPunct="1">
-              <a:defRPr kumimoji="1" sz="1800" kern="1200">
-                <a:solidFill>
-                  <a:schemeClr val="tx1"/>
-                </a:solidFill>
-                <a:latin typeface="+mn-lt"/>
-                <a:ea typeface="+mn-ea"/>
-                <a:cs typeface="+mn-cs"/>
-              </a:defRPr>
-            </a:lvl2pPr>
-            <a:lvl3pPr marL="914400" algn="l" defTabSz="914400" rtl="0" eaLnBrk="1" latinLnBrk="0" hangingPunct="1">
-              <a:defRPr kumimoji="1" sz="1800" kern="1200">
-                <a:solidFill>
-                  <a:schemeClr val="tx1"/>
-                </a:solidFill>
-                <a:latin typeface="+mn-lt"/>
-                <a:ea typeface="+mn-ea"/>
-                <a:cs typeface="+mn-cs"/>
-              </a:defRPr>
-            </a:lvl3pPr>
-            <a:lvl4pPr marL="1371600" algn="l" defTabSz="914400" rtl="0" eaLnBrk="1" latinLnBrk="0" hangingPunct="1">
-              <a:defRPr kumimoji="1" sz="1800" kern="1200">
-                <a:solidFill>
-                  <a:schemeClr val="tx1"/>
-                </a:solidFill>
-                <a:latin typeface="+mn-lt"/>
-                <a:ea typeface="+mn-ea"/>
-                <a:cs typeface="+mn-cs"/>
-              </a:defRPr>
-            </a:lvl4pPr>
-            <a:lvl5pPr marL="1828800" algn="l" defTabSz="914400" rtl="0" eaLnBrk="1" latinLnBrk="0" hangingPunct="1">
-              <a:defRPr kumimoji="1" sz="1800" kern="1200">
-                <a:solidFill>
-                  <a:schemeClr val="tx1"/>
-                </a:solidFill>
-                <a:latin typeface="+mn-lt"/>
-                <a:ea typeface="+mn-ea"/>
-                <a:cs typeface="+mn-cs"/>
-              </a:defRPr>
-            </a:lvl5pPr>
-            <a:lvl6pPr marL="2286000" algn="l" defTabSz="914400" rtl="0" eaLnBrk="1" latinLnBrk="0" hangingPunct="1">
-              <a:defRPr kumimoji="1" sz="1800" kern="1200">
-                <a:solidFill>
-                  <a:schemeClr val="tx1"/>
-                </a:solidFill>
-                <a:latin typeface="+mn-lt"/>
-                <a:ea typeface="+mn-ea"/>
-                <a:cs typeface="+mn-cs"/>
-              </a:defRPr>
-            </a:lvl6pPr>
-            <a:lvl7pPr marL="2743200" algn="l" defTabSz="914400" rtl="0" eaLnBrk="1" latinLnBrk="0" hangingPunct="1">
-              <a:defRPr kumimoji="1" sz="1800" kern="1200">
-                <a:solidFill>
-                  <a:schemeClr val="tx1"/>
-                </a:solidFill>
-                <a:latin typeface="+mn-lt"/>
-                <a:ea typeface="+mn-ea"/>
-                <a:cs typeface="+mn-cs"/>
-              </a:defRPr>
-            </a:lvl7pPr>
-            <a:lvl8pPr marL="3200400" algn="l" defTabSz="914400" rtl="0" eaLnBrk="1" latinLnBrk="0" hangingPunct="1">
-              <a:defRPr kumimoji="1" sz="1800" kern="1200">
-                <a:solidFill>
-                  <a:schemeClr val="tx1"/>
-                </a:solidFill>
-                <a:latin typeface="+mn-lt"/>
-                <a:ea typeface="+mn-ea"/>
-                <a:cs typeface="+mn-cs"/>
-              </a:defRPr>
-            </a:lvl8pPr>
-            <a:lvl9pPr marL="3657600" algn="l" defTabSz="914400" rtl="0" eaLnBrk="1" latinLnBrk="0" hangingPunct="1">
-              <a:defRPr kumimoji="1" sz="1800" kern="1200">
-                <a:solidFill>
-                  <a:schemeClr val="tx1"/>
-                </a:solidFill>
-                <a:latin typeface="+mn-lt"/>
-                <a:ea typeface="+mn-ea"/>
-                <a:cs typeface="+mn-cs"/>
-              </a:defRPr>
-            </a:lvl9pPr>
-          </a:lstStyle>
-          <a:p>
-            <a:pPr algn="ctr"/>
-            <a:r>
-              <a:rPr lang="en-US" altLang="ja-JP" sz="1200" b="1" smtClean="0">
-                <a:solidFill>
-                  <a:schemeClr val="bg1"/>
-                </a:solidFill>
-                <a:latin typeface="+mn-ea"/>
-              </a:rPr>
-              <a:t>Movement</a:t>
-            </a:r>
-            <a:r>
-              <a:rPr lang="ja-JP" altLang="en-US" sz="1200" b="1" smtClean="0">
-                <a:solidFill>
-                  <a:schemeClr val="bg1"/>
-                </a:solidFill>
-                <a:latin typeface="+mn-ea"/>
-              </a:rPr>
-              <a:t>一覧</a:t>
             </a:r>
             <a:endParaRPr kumimoji="1" lang="ja-JP" altLang="en-US" sz="1200" b="1" dirty="0" smtClean="0">
               <a:solidFill>
@@ -9897,54 +9742,12 @@
         </p:nvSpPr>
         <p:spPr bwMode="auto">
           <a:xfrm>
-            <a:off x="269880" y="3501011"/>
-            <a:ext cx="8478699" cy="2880399"/>
+            <a:off x="269880" y="2060810"/>
+            <a:ext cx="8478699" cy="3096430"/>
           </a:xfrm>
           <a:prstGeom prst="roundRect">
             <a:avLst>
               <a:gd name="adj" fmla="val 2963"/>
-            </a:avLst>
-          </a:prstGeom>
-          <a:noFill/>
-          <a:ln w="12700">
-            <a:solidFill>
-              <a:schemeClr val="tx1"/>
-            </a:solidFill>
-            <a:prstDash val="sysDot"/>
-          </a:ln>
-          <a:effectLst/>
-          <a:extLst/>
-        </p:spPr>
-        <p:txBody>
-          <a:bodyPr rot="0" spcFirstLastPara="0" vertOverflow="overflow" horzOverflow="overflow" vert="horz" wrap="none" lIns="72000" tIns="72000" rIns="72000" bIns="72000" numCol="1" spcCol="0" rtlCol="0" fromWordArt="0" anchor="ctr" anchorCtr="0" forceAA="0" compatLnSpc="1">
-            <a:prstTxWarp prst="textNoShape">
-              <a:avLst/>
-            </a:prstTxWarp>
-            <a:noAutofit/>
-          </a:bodyPr>
-          <a:lstStyle/>
-          <a:p>
-            <a:pPr algn="ctr"/>
-            <a:endParaRPr kumimoji="1" lang="ja-JP" altLang="en-US" b="1" dirty="0" smtClean="0">
-              <a:latin typeface="+mn-ea"/>
-            </a:endParaRPr>
-          </a:p>
-        </p:txBody>
-      </p:sp>
-      <p:sp>
-        <p:nvSpPr>
-          <p:cNvPr id="73" name="角丸四角形 72"/>
-          <p:cNvSpPr/>
-          <p:nvPr/>
-        </p:nvSpPr>
-        <p:spPr bwMode="auto">
-          <a:xfrm>
-            <a:off x="269879" y="2385784"/>
-            <a:ext cx="8478699" cy="827187"/>
-          </a:xfrm>
-          <a:prstGeom prst="roundRect">
-            <a:avLst>
-              <a:gd name="adj" fmla="val 6196"/>
             </a:avLst>
           </a:prstGeom>
           <a:noFill/>
@@ -9984,7 +9787,7 @@
         </p:nvCxnSpPr>
         <p:spPr bwMode="auto">
           <a:xfrm rot="10800000">
-            <a:off x="2019835" y="3777801"/>
+            <a:off x="2019835" y="2410760"/>
             <a:ext cx="431938" cy="1928512"/>
           </a:xfrm>
           <a:prstGeom prst="bentConnector3">
@@ -10034,7 +9837,7 @@
         </p:nvCxnSpPr>
         <p:spPr bwMode="auto">
           <a:xfrm>
-            <a:off x="4004178" y="3777800"/>
+            <a:off x="4004178" y="2410759"/>
             <a:ext cx="275008" cy="0"/>
           </a:xfrm>
           <a:prstGeom prst="line">
@@ -10080,7 +9883,7 @@
         </p:nvCxnSpPr>
         <p:spPr bwMode="auto">
           <a:xfrm flipV="1">
-            <a:off x="2019835" y="3777800"/>
+            <a:off x="2019835" y="2410759"/>
             <a:ext cx="431938" cy="1"/>
           </a:xfrm>
           <a:prstGeom prst="line">
@@ -10126,7 +9929,7 @@
         </p:nvCxnSpPr>
         <p:spPr bwMode="auto">
           <a:xfrm>
-            <a:off x="4004178" y="4941212"/>
+            <a:off x="4004178" y="3351365"/>
             <a:ext cx="275008" cy="0"/>
           </a:xfrm>
           <a:prstGeom prst="line">
@@ -10169,7 +9972,7 @@
         </p:nvCxnSpPr>
         <p:spPr bwMode="auto">
           <a:xfrm>
-            <a:off x="4279186" y="5698648"/>
+            <a:off x="4274618" y="4345675"/>
             <a:ext cx="259028" cy="9086"/>
           </a:xfrm>
           <a:prstGeom prst="line">
@@ -10215,7 +10018,7 @@
         </p:nvCxnSpPr>
         <p:spPr bwMode="auto">
           <a:xfrm flipV="1">
-            <a:off x="6090619" y="5706313"/>
+            <a:off x="6090619" y="4339272"/>
             <a:ext cx="275008" cy="8996"/>
           </a:xfrm>
           <a:prstGeom prst="line">
@@ -10252,13 +10055,13 @@
       </p:cxnSp>
       <p:sp>
         <p:nvSpPr>
-          <p:cNvPr id="90" name="テキスト ボックス 89"/>
+          <p:cNvPr id="91" name="テキスト ボックス 90"/>
           <p:cNvSpPr txBox="1"/>
           <p:nvPr/>
         </p:nvSpPr>
         <p:spPr>
           <a:xfrm>
-            <a:off x="395420" y="2253563"/>
+            <a:off x="395420" y="1897053"/>
             <a:ext cx="1152160" cy="307777"/>
           </a:xfrm>
           <a:prstGeom prst="rect">
@@ -10275,54 +10078,14 @@
           <a:lstStyle/>
           <a:p>
             <a:r>
-              <a:rPr kumimoji="1" lang="en-US" altLang="ja-JP" sz="1400" u="sng" smtClean="0">
-                <a:solidFill>
-                  <a:srgbClr val="002060"/>
-                </a:solidFill>
-              </a:rPr>
-              <a:t>OpenStack</a:t>
-            </a:r>
-            <a:endParaRPr kumimoji="1" lang="ja-JP" altLang="en-US" sz="1400" u="sng">
-              <a:solidFill>
-                <a:srgbClr val="002060"/>
-              </a:solidFill>
-            </a:endParaRPr>
-          </a:p>
-        </p:txBody>
-      </p:sp>
-      <p:sp>
-        <p:nvSpPr>
-          <p:cNvPr id="91" name="テキスト ボックス 90"/>
-          <p:cNvSpPr txBox="1"/>
-          <p:nvPr/>
-        </p:nvSpPr>
-        <p:spPr>
-          <a:xfrm>
-            <a:off x="395420" y="3347122"/>
-            <a:ext cx="1152160" cy="307777"/>
-          </a:xfrm>
-          <a:prstGeom prst="rect">
-            <a:avLst/>
-          </a:prstGeom>
-          <a:solidFill>
-            <a:schemeClr val="bg1"/>
-          </a:solidFill>
-        </p:spPr>
-        <p:txBody>
-          <a:bodyPr wrap="square" rtlCol="0">
-            <a:spAutoFit/>
-          </a:bodyPr>
-          <a:lstStyle/>
-          <a:p>
-            <a:r>
-              <a:rPr kumimoji="1" lang="en-US" altLang="ja-JP" sz="1400" u="sng" smtClean="0">
+              <a:rPr kumimoji="1" lang="en-US" altLang="ja-JP" sz="1400" u="sng" dirty="0" smtClean="0">
                 <a:solidFill>
                   <a:srgbClr val="002060"/>
                 </a:solidFill>
               </a:rPr>
               <a:t>Terraform</a:t>
             </a:r>
-            <a:endParaRPr kumimoji="1" lang="ja-JP" altLang="en-US" sz="1400" u="sng">
+            <a:endParaRPr kumimoji="1" lang="ja-JP" altLang="en-US" sz="1400" u="sng" dirty="0">
               <a:solidFill>
                 <a:srgbClr val="002060"/>
               </a:solidFill>
@@ -10332,17 +10095,17 @@
       </p:sp>
       <p:cxnSp>
         <p:nvCxnSpPr>
-          <p:cNvPr id="92" name="カギ線コネクタ 91"/>
+          <p:cNvPr id="93" name="カギ線コネクタ 92"/>
           <p:cNvCxnSpPr>
-            <a:stCxn id="65" idx="1"/>
-            <a:endCxn id="62" idx="3"/>
+            <a:stCxn id="69" idx="1"/>
+            <a:endCxn id="67" idx="3"/>
           </p:cNvCxnSpPr>
           <p:nvPr/>
         </p:nvCxnSpPr>
         <p:spPr bwMode="auto">
           <a:xfrm rot="10800000">
-            <a:off x="2019835" y="3777802"/>
-            <a:ext cx="431938" cy="1163411"/>
+            <a:off x="4279186" y="4339272"/>
+            <a:ext cx="259028" cy="463544"/>
           </a:xfrm>
           <a:prstGeom prst="bentConnector3">
             <a:avLst>
@@ -10382,53 +10145,45 @@
       </p:cxnSp>
       <p:cxnSp>
         <p:nvCxnSpPr>
-          <p:cNvPr id="93" name="カギ線コネクタ 92"/>
+          <p:cNvPr id="8" name="直線コネクタ 7"/>
           <p:cNvCxnSpPr>
-            <a:stCxn id="69" idx="1"/>
-            <a:endCxn id="67" idx="3"/>
+            <a:endCxn id="65" idx="1"/>
           </p:cNvCxnSpPr>
           <p:nvPr/>
         </p:nvCxnSpPr>
         <p:spPr bwMode="auto">
-          <a:xfrm rot="10800000">
-            <a:off x="4279186" y="5706313"/>
-            <a:ext cx="259028" cy="463544"/>
+          <a:xfrm>
+            <a:off x="2235803" y="3351364"/>
+            <a:ext cx="215970" cy="1"/>
           </a:xfrm>
-          <a:prstGeom prst="bentConnector3">
-            <a:avLst>
-              <a:gd name="adj1" fmla="val 50000"/>
-            </a:avLst>
+          <a:prstGeom prst="line">
+            <a:avLst/>
           </a:prstGeom>
-          <a:solidFill>
-            <a:schemeClr val="bg1"/>
-          </a:solidFill>
           <a:ln w="9525" cap="flat" cmpd="sng" algn="ctr">
             <a:solidFill>
-              <a:schemeClr val="accent6">
-                <a:lumMod val="75000"/>
-                <a:lumOff val="25000"/>
-              </a:schemeClr>
+              <a:srgbClr val="0000FF"/>
             </a:solidFill>
             <a:prstDash val="dash"/>
             <a:round/>
-            <a:headEnd type="oval" w="med" len="med"/>
+            <a:headEnd type="none" w="med" len="med"/>
             <a:tailEnd type="oval" w="med" len="med"/>
           </a:ln>
-          <a:effectLst/>
-          <a:extLst>
-            <a:ext uri="{AF507438-7753-43E0-B8FC-AC1667EBCBE1}">
-              <a14:hiddenEffects xmlns:a14="http://schemas.microsoft.com/office/drawing/2010/main">
-                <a:effectLst>
-                  <a:outerShdw dist="35921" dir="2700000" algn="ctr" rotWithShape="0">
-                    <a:schemeClr val="tx1">
-                      <a:alpha val="50000"/>
-                    </a:schemeClr>
-                  </a:outerShdw>
-                </a:effectLst>
-              </a14:hiddenEffects>
-            </a:ext>
-          </a:extLst>
+          <a:extLst/>
         </p:spPr>
+        <p:style>
+          <a:lnRef idx="0">
+            <a:scrgbClr r="0" g="0" b="0"/>
+          </a:lnRef>
+          <a:fillRef idx="0">
+            <a:scrgbClr r="0" g="0" b="0"/>
+          </a:fillRef>
+          <a:effectRef idx="0">
+            <a:scrgbClr r="0" g="0" b="0"/>
+          </a:effectRef>
+          <a:fontRef idx="minor">
+            <a:schemeClr val="tx1"/>
+          </a:fontRef>
+        </p:style>
       </p:cxnSp>
     </p:spTree>
     <p:extLst>
@@ -10527,39 +10282,39 @@
           <a:lstStyle/>
           <a:p>
             <a:r>
-              <a:rPr lang="ja-JP" altLang="en-US" b="1" smtClean="0"/>
+              <a:rPr lang="ja-JP" altLang="en-US" b="1" dirty="0" smtClean="0"/>
               <a:t>オペレーションエクスポート時に取得されるデータ</a:t>
             </a:r>
-            <a:endParaRPr lang="en-US" altLang="ja-JP" b="1" smtClean="0"/>
+            <a:endParaRPr lang="en-US" altLang="ja-JP" b="1" dirty="0" smtClean="0"/>
           </a:p>
           <a:p>
             <a:pPr marL="180000" lvl="1" indent="0">
               <a:buNone/>
             </a:pPr>
             <a:r>
-              <a:rPr kumimoji="1" lang="ja-JP" altLang="en-US" smtClean="0"/>
+              <a:rPr kumimoji="1" lang="ja-JP" altLang="en-US" dirty="0" smtClean="0"/>
               <a:t>オペレーション</a:t>
             </a:r>
             <a:r>
-              <a:rPr lang="ja-JP" altLang="en-US"/>
+              <a:rPr lang="ja-JP" altLang="en-US" dirty="0"/>
               <a:t>を</a:t>
             </a:r>
             <a:r>
-              <a:rPr lang="ja-JP" altLang="en-US" smtClean="0"/>
+              <a:rPr lang="ja-JP" altLang="en-US" dirty="0" smtClean="0"/>
               <a:t>エクスポートする際に取得されるデータは下図の通りです。</a:t>
             </a:r>
             <a:r>
-              <a:rPr lang="en-US" altLang="ja-JP" smtClean="0"/>
+              <a:rPr lang="en-US" altLang="ja-JP" dirty="0" smtClean="0"/>
               <a:t/>
             </a:r>
             <a:br>
-              <a:rPr lang="en-US" altLang="ja-JP" smtClean="0"/>
+              <a:rPr lang="en-US" altLang="ja-JP" dirty="0" smtClean="0"/>
             </a:br>
             <a:r>
-              <a:rPr lang="ja-JP" altLang="en-US" smtClean="0"/>
+              <a:rPr lang="ja-JP" altLang="en-US" dirty="0" smtClean="0"/>
               <a:t>代入値管理や作業対象ホストに関連するデータが取得されます。</a:t>
             </a:r>
-            <a:endParaRPr kumimoji="1" lang="ja-JP" altLang="en-US"/>
+            <a:endParaRPr kumimoji="1" lang="ja-JP" altLang="en-US" dirty="0"/>
           </a:p>
         </p:txBody>
       </p:sp>
@@ -10712,52 +10467,6 @@
           </a:p>
         </p:txBody>
       </p:sp>
-      <p:cxnSp>
-        <p:nvCxnSpPr>
-          <p:cNvPr id="8" name="直線コネクタ 7"/>
-          <p:cNvCxnSpPr>
-            <a:stCxn id="156" idx="3"/>
-            <a:endCxn id="157" idx="1"/>
-          </p:cNvCxnSpPr>
-          <p:nvPr/>
-        </p:nvCxnSpPr>
-        <p:spPr bwMode="auto">
-          <a:xfrm>
-            <a:off x="4265372" y="3135335"/>
-            <a:ext cx="194422" cy="0"/>
-          </a:xfrm>
-          <a:prstGeom prst="line">
-            <a:avLst/>
-          </a:prstGeom>
-          <a:ln w="9525" cap="flat" cmpd="sng" algn="ctr">
-            <a:solidFill>
-              <a:schemeClr val="accent6">
-                <a:lumMod val="75000"/>
-                <a:lumOff val="25000"/>
-              </a:schemeClr>
-            </a:solidFill>
-            <a:prstDash val="dash"/>
-            <a:round/>
-            <a:headEnd type="oval" w="med" len="med"/>
-            <a:tailEnd type="oval" w="med" len="med"/>
-          </a:ln>
-          <a:extLst/>
-        </p:spPr>
-        <p:style>
-          <a:lnRef idx="0">
-            <a:scrgbClr r="0" g="0" b="0"/>
-          </a:lnRef>
-          <a:fillRef idx="0">
-            <a:scrgbClr r="0" g="0" b="0"/>
-          </a:fillRef>
-          <a:effectRef idx="0">
-            <a:scrgbClr r="0" g="0" b="0"/>
-          </a:effectRef>
-          <a:fontRef idx="minor">
-            <a:schemeClr val="tx1"/>
-          </a:fontRef>
-        </p:style>
-      </p:cxnSp>
       <p:grpSp>
         <p:nvGrpSpPr>
           <p:cNvPr id="158" name="グループ化 157"/>
@@ -11114,56 +10823,6 @@
           </p:txBody>
         </p:sp>
       </p:grpSp>
-      <p:cxnSp>
-        <p:nvCxnSpPr>
-          <p:cNvPr id="152" name="カギ線コネクタ 151"/>
-          <p:cNvCxnSpPr>
-            <a:stCxn id="162" idx="1"/>
-            <a:endCxn id="6" idx="3"/>
-          </p:cNvCxnSpPr>
-          <p:nvPr/>
-        </p:nvCxnSpPr>
-        <p:spPr bwMode="auto">
-          <a:xfrm rot="10800000">
-            <a:off x="2339690" y="3212970"/>
-            <a:ext cx="373276" cy="1377406"/>
-          </a:xfrm>
-          <a:prstGeom prst="bentConnector3">
-            <a:avLst>
-              <a:gd name="adj1" fmla="val 50000"/>
-            </a:avLst>
-          </a:prstGeom>
-          <a:solidFill>
-            <a:schemeClr val="bg1"/>
-          </a:solidFill>
-          <a:ln w="9525" cap="flat" cmpd="sng" algn="ctr">
-            <a:solidFill>
-              <a:schemeClr val="accent6">
-                <a:lumMod val="75000"/>
-                <a:lumOff val="25000"/>
-              </a:schemeClr>
-            </a:solidFill>
-            <a:prstDash val="dash"/>
-            <a:round/>
-            <a:headEnd type="oval" w="med" len="med"/>
-            <a:tailEnd type="oval" w="med" len="med"/>
-          </a:ln>
-          <a:effectLst/>
-          <a:extLst>
-            <a:ext uri="{AF507438-7753-43E0-B8FC-AC1667EBCBE1}">
-              <a14:hiddenEffects xmlns:a14="http://schemas.microsoft.com/office/drawing/2010/main">
-                <a:effectLst>
-                  <a:outerShdw dist="35921" dir="2700000" algn="ctr" rotWithShape="0">
-                    <a:schemeClr val="tx1">
-                      <a:alpha val="50000"/>
-                    </a:schemeClr>
-                  </a:outerShdw>
-                </a:effectLst>
-              </a14:hiddenEffects>
-            </a:ext>
-          </a:extLst>
-        </p:spPr>
-      </p:cxnSp>
       <p:sp>
         <p:nvSpPr>
           <p:cNvPr id="155" name="角丸四角形 154"/>
@@ -11852,14 +11511,22 @@
           <a:lstStyle/>
           <a:p>
             <a:r>
-              <a:rPr lang="en-US" altLang="ja-JP" sz="900" smtClean="0"/>
-              <a:t>※Ansible-Pioneer</a:t>
-            </a:r>
-            <a:r>
-              <a:rPr lang="ja-JP" altLang="en-US" sz="900" smtClean="0"/>
+              <a:rPr lang="en-US" altLang="ja-JP" sz="900" dirty="0" smtClean="0"/>
+              <a:t>※</a:t>
+            </a:r>
+            <a:r>
+              <a:rPr lang="en-US" altLang="ja-JP" sz="900" dirty="0" err="1" smtClean="0"/>
+              <a:t>Ansible</a:t>
+            </a:r>
+            <a:r>
+              <a:rPr lang="en-US" altLang="ja-JP" sz="900" dirty="0" smtClean="0"/>
+              <a:t>-Pioneer</a:t>
+            </a:r>
+            <a:r>
+              <a:rPr lang="ja-JP" altLang="en-US" sz="900" dirty="0" smtClean="0"/>
               <a:t>のみ</a:t>
             </a:r>
-            <a:endParaRPr kumimoji="1" lang="ja-JP" altLang="en-US" sz="900"/>
+            <a:endParaRPr kumimoji="1" lang="ja-JP" altLang="en-US" sz="900" dirty="0"/>
           </a:p>
         </p:txBody>
       </p:sp>
@@ -12012,197 +11679,6 @@
           </a:p>
         </p:txBody>
       </p:sp>
-      <p:sp>
-        <p:nvSpPr>
-          <p:cNvPr id="163" name="角丸四角形 162"/>
-          <p:cNvSpPr/>
-          <p:nvPr/>
-        </p:nvSpPr>
-        <p:spPr bwMode="auto">
-          <a:xfrm>
-            <a:off x="2712706" y="5439293"/>
-            <a:ext cx="1552405" cy="276789"/>
-          </a:xfrm>
-          <a:prstGeom prst="roundRect">
-            <a:avLst>
-              <a:gd name="adj" fmla="val 21076"/>
-            </a:avLst>
-          </a:prstGeom>
-          <a:solidFill>
-            <a:schemeClr val="accent4">
-              <a:lumMod val="75000"/>
-            </a:schemeClr>
-          </a:solidFill>
-          <a:ln w="12700">
-            <a:noFill/>
-          </a:ln>
-          <a:effectLst/>
-          <a:extLst/>
-        </p:spPr>
-        <p:txBody>
-          <a:bodyPr rot="0" spcFirstLastPara="0" vert="horz" wrap="none" lIns="72000" tIns="72000" rIns="72000" bIns="72000" numCol="1" spcCol="0" rtlCol="0" fromWordArt="0" anchor="ctr" anchorCtr="0" forceAA="0" compatLnSpc="1">
-            <a:prstTxWarp prst="textNoShape">
-              <a:avLst/>
-            </a:prstTxWarp>
-            <a:noAutofit/>
-          </a:bodyPr>
-          <a:lstStyle>
-            <a:defPPr>
-              <a:defRPr lang="ja-JP"/>
-            </a:defPPr>
-            <a:lvl1pPr marL="0" algn="l" defTabSz="914400" rtl="0" eaLnBrk="1" latinLnBrk="0" hangingPunct="1">
-              <a:defRPr kumimoji="1" sz="1800" kern="1200">
-                <a:solidFill>
-                  <a:schemeClr val="tx1"/>
-                </a:solidFill>
-                <a:latin typeface="+mn-lt"/>
-                <a:ea typeface="+mn-ea"/>
-                <a:cs typeface="+mn-cs"/>
-              </a:defRPr>
-            </a:lvl1pPr>
-            <a:lvl2pPr marL="457200" algn="l" defTabSz="914400" rtl="0" eaLnBrk="1" latinLnBrk="0" hangingPunct="1">
-              <a:defRPr kumimoji="1" sz="1800" kern="1200">
-                <a:solidFill>
-                  <a:schemeClr val="tx1"/>
-                </a:solidFill>
-                <a:latin typeface="+mn-lt"/>
-                <a:ea typeface="+mn-ea"/>
-                <a:cs typeface="+mn-cs"/>
-              </a:defRPr>
-            </a:lvl2pPr>
-            <a:lvl3pPr marL="914400" algn="l" defTabSz="914400" rtl="0" eaLnBrk="1" latinLnBrk="0" hangingPunct="1">
-              <a:defRPr kumimoji="1" sz="1800" kern="1200">
-                <a:solidFill>
-                  <a:schemeClr val="tx1"/>
-                </a:solidFill>
-                <a:latin typeface="+mn-lt"/>
-                <a:ea typeface="+mn-ea"/>
-                <a:cs typeface="+mn-cs"/>
-              </a:defRPr>
-            </a:lvl3pPr>
-            <a:lvl4pPr marL="1371600" algn="l" defTabSz="914400" rtl="0" eaLnBrk="1" latinLnBrk="0" hangingPunct="1">
-              <a:defRPr kumimoji="1" sz="1800" kern="1200">
-                <a:solidFill>
-                  <a:schemeClr val="tx1"/>
-                </a:solidFill>
-                <a:latin typeface="+mn-lt"/>
-                <a:ea typeface="+mn-ea"/>
-                <a:cs typeface="+mn-cs"/>
-              </a:defRPr>
-            </a:lvl4pPr>
-            <a:lvl5pPr marL="1828800" algn="l" defTabSz="914400" rtl="0" eaLnBrk="1" latinLnBrk="0" hangingPunct="1">
-              <a:defRPr kumimoji="1" sz="1800" kern="1200">
-                <a:solidFill>
-                  <a:schemeClr val="tx1"/>
-                </a:solidFill>
-                <a:latin typeface="+mn-lt"/>
-                <a:ea typeface="+mn-ea"/>
-                <a:cs typeface="+mn-cs"/>
-              </a:defRPr>
-            </a:lvl5pPr>
-            <a:lvl6pPr marL="2286000" algn="l" defTabSz="914400" rtl="0" eaLnBrk="1" latinLnBrk="0" hangingPunct="1">
-              <a:defRPr kumimoji="1" sz="1800" kern="1200">
-                <a:solidFill>
-                  <a:schemeClr val="tx1"/>
-                </a:solidFill>
-                <a:latin typeface="+mn-lt"/>
-                <a:ea typeface="+mn-ea"/>
-                <a:cs typeface="+mn-cs"/>
-              </a:defRPr>
-            </a:lvl6pPr>
-            <a:lvl7pPr marL="2743200" algn="l" defTabSz="914400" rtl="0" eaLnBrk="1" latinLnBrk="0" hangingPunct="1">
-              <a:defRPr kumimoji="1" sz="1800" kern="1200">
-                <a:solidFill>
-                  <a:schemeClr val="tx1"/>
-                </a:solidFill>
-                <a:latin typeface="+mn-lt"/>
-                <a:ea typeface="+mn-ea"/>
-                <a:cs typeface="+mn-cs"/>
-              </a:defRPr>
-            </a:lvl7pPr>
-            <a:lvl8pPr marL="3200400" algn="l" defTabSz="914400" rtl="0" eaLnBrk="1" latinLnBrk="0" hangingPunct="1">
-              <a:defRPr kumimoji="1" sz="1800" kern="1200">
-                <a:solidFill>
-                  <a:schemeClr val="tx1"/>
-                </a:solidFill>
-                <a:latin typeface="+mn-lt"/>
-                <a:ea typeface="+mn-ea"/>
-                <a:cs typeface="+mn-cs"/>
-              </a:defRPr>
-            </a:lvl8pPr>
-            <a:lvl9pPr marL="3657600" algn="l" defTabSz="914400" rtl="0" eaLnBrk="1" latinLnBrk="0" hangingPunct="1">
-              <a:defRPr kumimoji="1" sz="1800" kern="1200">
-                <a:solidFill>
-                  <a:schemeClr val="tx1"/>
-                </a:solidFill>
-                <a:latin typeface="+mn-lt"/>
-                <a:ea typeface="+mn-ea"/>
-                <a:cs typeface="+mn-cs"/>
-              </a:defRPr>
-            </a:lvl9pPr>
-          </a:lstStyle>
-          <a:p>
-            <a:pPr algn="ctr"/>
-            <a:r>
-              <a:rPr lang="ja-JP" altLang="en-US" sz="1200" b="1" smtClean="0">
-                <a:solidFill>
-                  <a:schemeClr val="bg1"/>
-                </a:solidFill>
-                <a:latin typeface="+mn-ea"/>
-              </a:rPr>
-              <a:t>代入値管理</a:t>
-            </a:r>
-            <a:endParaRPr kumimoji="1" lang="ja-JP" altLang="en-US" sz="1200" b="1" dirty="0" smtClean="0">
-              <a:solidFill>
-                <a:schemeClr val="bg1"/>
-              </a:solidFill>
-              <a:latin typeface="+mn-ea"/>
-            </a:endParaRPr>
-          </a:p>
-        </p:txBody>
-      </p:sp>
-      <p:sp>
-        <p:nvSpPr>
-          <p:cNvPr id="164" name="角丸四角形 163"/>
-          <p:cNvSpPr/>
-          <p:nvPr/>
-        </p:nvSpPr>
-        <p:spPr bwMode="auto">
-          <a:xfrm>
-            <a:off x="2608962" y="4338676"/>
-            <a:ext cx="2988000" cy="711800"/>
-          </a:xfrm>
-          <a:prstGeom prst="roundRect">
-            <a:avLst>
-              <a:gd name="adj" fmla="val 10097"/>
-            </a:avLst>
-          </a:prstGeom>
-          <a:noFill/>
-          <a:ln w="12700">
-            <a:solidFill>
-              <a:schemeClr val="tx1"/>
-            </a:solidFill>
-            <a:prstDash val="sysDot"/>
-          </a:ln>
-          <a:effectLst/>
-          <a:extLst/>
-        </p:spPr>
-        <p:txBody>
-          <a:bodyPr rot="0" spcFirstLastPara="0" vertOverflow="overflow" horzOverflow="overflow" vert="horz" wrap="none" lIns="72000" tIns="72000" rIns="72000" bIns="72000" numCol="1" spcCol="0" rtlCol="0" fromWordArt="0" anchor="ctr" anchorCtr="0" forceAA="0" compatLnSpc="1">
-            <a:prstTxWarp prst="textNoShape">
-              <a:avLst/>
-            </a:prstTxWarp>
-            <a:noAutofit/>
-          </a:bodyPr>
-          <a:lstStyle/>
-          <a:p>
-            <a:pPr algn="ctr"/>
-            <a:endParaRPr kumimoji="1" lang="ja-JP" altLang="en-US" sz="1600" b="1" dirty="0" smtClean="0">
-              <a:latin typeface="+mn-ea"/>
-            </a:endParaRPr>
-          </a:p>
-        </p:txBody>
-      </p:sp>
       <p:pic>
         <p:nvPicPr>
           <p:cNvPr id="165" name="図 164"/>
@@ -12235,7 +11711,7 @@
         </p:nvSpPr>
         <p:spPr bwMode="auto">
           <a:xfrm>
-            <a:off x="2608962" y="5314455"/>
+            <a:off x="2628526" y="4301420"/>
             <a:ext cx="2988000" cy="711800"/>
           </a:xfrm>
           <a:prstGeom prst="roundRect">
@@ -12332,56 +11808,6 @@
           <a:xfrm rot="10800000" flipV="1">
             <a:off x="2339691" y="3135334"/>
             <a:ext cx="373277" cy="77635"/>
-          </a:xfrm>
-          <a:prstGeom prst="bentConnector3">
-            <a:avLst>
-              <a:gd name="adj1" fmla="val 50000"/>
-            </a:avLst>
-          </a:prstGeom>
-          <a:solidFill>
-            <a:schemeClr val="bg1"/>
-          </a:solidFill>
-          <a:ln w="9525" cap="flat" cmpd="sng" algn="ctr">
-            <a:solidFill>
-              <a:schemeClr val="accent6">
-                <a:lumMod val="75000"/>
-                <a:lumOff val="25000"/>
-              </a:schemeClr>
-            </a:solidFill>
-            <a:prstDash val="dash"/>
-            <a:round/>
-            <a:headEnd type="oval" w="med" len="med"/>
-            <a:tailEnd type="oval" w="med" len="med"/>
-          </a:ln>
-          <a:effectLst/>
-          <a:extLst>
-            <a:ext uri="{AF507438-7753-43E0-B8FC-AC1667EBCBE1}">
-              <a14:hiddenEffects xmlns:a14="http://schemas.microsoft.com/office/drawing/2010/main">
-                <a:effectLst>
-                  <a:outerShdw dist="35921" dir="2700000" algn="ctr" rotWithShape="0">
-                    <a:schemeClr val="tx1">
-                      <a:alpha val="50000"/>
-                    </a:schemeClr>
-                  </a:outerShdw>
-                </a:effectLst>
-              </a14:hiddenEffects>
-            </a:ext>
-          </a:extLst>
-        </p:spPr>
-      </p:cxnSp>
-      <p:cxnSp>
-        <p:nvCxnSpPr>
-          <p:cNvPr id="173" name="カギ線コネクタ 172"/>
-          <p:cNvCxnSpPr>
-            <a:stCxn id="163" idx="1"/>
-            <a:endCxn id="6" idx="3"/>
-          </p:cNvCxnSpPr>
-          <p:nvPr/>
-        </p:nvCxnSpPr>
-        <p:spPr bwMode="auto">
-          <a:xfrm rot="10800000">
-            <a:off x="2339690" y="3212970"/>
-            <a:ext cx="373016" cy="2364718"/>
           </a:xfrm>
           <a:prstGeom prst="bentConnector3">
             <a:avLst>
@@ -12540,14 +11966,22 @@
           <a:lstStyle/>
           <a:p>
             <a:r>
-              <a:rPr lang="en-US" altLang="ja-JP" sz="1400" u="sng" smtClean="0">
+              <a:rPr lang="en-US" altLang="ja-JP" sz="1400" u="sng" dirty="0" err="1" smtClean="0">
                 <a:solidFill>
                   <a:srgbClr val="002060"/>
                 </a:solidFill>
               </a:rPr>
-              <a:t>Ansible-Driver</a:t>
-            </a:r>
-            <a:endParaRPr kumimoji="1" lang="ja-JP" altLang="en-US" sz="1400" u="sng">
+              <a:t>Ansible</a:t>
+            </a:r>
+            <a:r>
+              <a:rPr lang="en-US" altLang="ja-JP" sz="1400" u="sng" dirty="0" smtClean="0">
+                <a:solidFill>
+                  <a:srgbClr val="002060"/>
+                </a:solidFill>
+              </a:rPr>
+              <a:t>-Driver</a:t>
+            </a:r>
+            <a:endParaRPr kumimoji="1" lang="ja-JP" altLang="en-US" sz="1400" u="sng" dirty="0">
               <a:solidFill>
                 <a:srgbClr val="002060"/>
               </a:solidFill>
@@ -12580,42 +12014,7 @@
           <a:lstStyle/>
           <a:p>
             <a:r>
-              <a:rPr kumimoji="1" lang="en-US" altLang="ja-JP" sz="1400" u="sng" smtClean="0">
-                <a:solidFill>
-                  <a:srgbClr val="002060"/>
-                </a:solidFill>
-              </a:rPr>
-              <a:t>OpenStack</a:t>
-            </a:r>
-          </a:p>
-        </p:txBody>
-      </p:sp>
-      <p:sp>
-        <p:nvSpPr>
-          <p:cNvPr id="195" name="テキスト ボックス 194"/>
-          <p:cNvSpPr txBox="1"/>
-          <p:nvPr/>
-        </p:nvSpPr>
-        <p:spPr>
-          <a:xfrm>
-            <a:off x="2816876" y="5101049"/>
-            <a:ext cx="1179044" cy="307777"/>
-          </a:xfrm>
-          <a:prstGeom prst="rect">
-            <a:avLst/>
-          </a:prstGeom>
-          <a:solidFill>
-            <a:schemeClr val="bg1"/>
-          </a:solidFill>
-        </p:spPr>
-        <p:txBody>
-          <a:bodyPr wrap="square" rtlCol="0">
-            <a:spAutoFit/>
-          </a:bodyPr>
-          <a:lstStyle/>
-          <a:p>
-            <a:r>
-              <a:rPr kumimoji="1" lang="en-US" altLang="ja-JP" sz="1400" u="sng" smtClean="0">
+              <a:rPr kumimoji="1" lang="en-US" altLang="ja-JP" sz="1400" u="sng" dirty="0" smtClean="0">
                 <a:solidFill>
                   <a:srgbClr val="002060"/>
                 </a:solidFill>
@@ -12708,6 +12107,96 @@
           </a:p>
         </p:txBody>
       </p:sp>
+      <p:cxnSp>
+        <p:nvCxnSpPr>
+          <p:cNvPr id="32" name="カギ線コネクタ 31"/>
+          <p:cNvCxnSpPr/>
+          <p:nvPr/>
+        </p:nvCxnSpPr>
+        <p:spPr bwMode="auto">
+          <a:xfrm rot="10800000">
+            <a:off x="2339690" y="3212970"/>
+            <a:ext cx="373276" cy="1377406"/>
+          </a:xfrm>
+          <a:prstGeom prst="bentConnector3">
+            <a:avLst>
+              <a:gd name="adj1" fmla="val 50000"/>
+            </a:avLst>
+          </a:prstGeom>
+          <a:solidFill>
+            <a:schemeClr val="bg1"/>
+          </a:solidFill>
+          <a:ln w="9525" cap="flat" cmpd="sng" algn="ctr">
+            <a:solidFill>
+              <a:schemeClr val="accent6">
+                <a:lumMod val="75000"/>
+                <a:lumOff val="25000"/>
+              </a:schemeClr>
+            </a:solidFill>
+            <a:prstDash val="dash"/>
+            <a:round/>
+            <a:headEnd type="oval" w="med" len="med"/>
+            <a:tailEnd type="oval" w="med" len="med"/>
+          </a:ln>
+          <a:effectLst/>
+          <a:extLst>
+            <a:ext uri="{AF507438-7753-43E0-B8FC-AC1667EBCBE1}">
+              <a14:hiddenEffects xmlns:a14="http://schemas.microsoft.com/office/drawing/2010/main">
+                <a:effectLst>
+                  <a:outerShdw dist="35921" dir="2700000" algn="ctr" rotWithShape="0">
+                    <a:schemeClr val="tx1">
+                      <a:alpha val="50000"/>
+                    </a:schemeClr>
+                  </a:outerShdw>
+                </a:effectLst>
+              </a14:hiddenEffects>
+            </a:ext>
+          </a:extLst>
+        </p:spPr>
+      </p:cxnSp>
+      <p:cxnSp>
+        <p:nvCxnSpPr>
+          <p:cNvPr id="33" name="直線コネクタ 32"/>
+          <p:cNvCxnSpPr/>
+          <p:nvPr/>
+        </p:nvCxnSpPr>
+        <p:spPr bwMode="auto">
+          <a:xfrm>
+            <a:off x="4265372" y="3135335"/>
+            <a:ext cx="194422" cy="0"/>
+          </a:xfrm>
+          <a:prstGeom prst="line">
+            <a:avLst/>
+          </a:prstGeom>
+          <a:ln w="9525" cap="flat" cmpd="sng" algn="ctr">
+            <a:solidFill>
+              <a:schemeClr val="accent6">
+                <a:lumMod val="75000"/>
+                <a:lumOff val="25000"/>
+              </a:schemeClr>
+            </a:solidFill>
+            <a:prstDash val="dash"/>
+            <a:round/>
+            <a:headEnd type="oval" w="med" len="med"/>
+            <a:tailEnd type="oval" w="med" len="med"/>
+          </a:ln>
+          <a:extLst/>
+        </p:spPr>
+        <p:style>
+          <a:lnRef idx="0">
+            <a:scrgbClr r="0" g="0" b="0"/>
+          </a:lnRef>
+          <a:fillRef idx="0">
+            <a:scrgbClr r="0" g="0" b="0"/>
+          </a:fillRef>
+          <a:effectRef idx="0">
+            <a:scrgbClr r="0" g="0" b="0"/>
+          </a:effectRef>
+          <a:fontRef idx="minor">
+            <a:schemeClr val="tx1"/>
+          </a:fontRef>
+        </p:style>
+      </p:cxnSp>
     </p:spTree>
     <p:extLst>
       <p:ext uri="{BB962C8B-B14F-4D97-AF65-F5344CB8AC3E}">
@@ -12946,40 +12435,40 @@
           <a:lstStyle/>
           <a:p>
             <a:r>
-              <a:rPr lang="ja-JP" altLang="en-US" b="1" smtClean="0"/>
+              <a:rPr lang="ja-JP" altLang="en-US" b="1" dirty="0" smtClean="0"/>
               <a:t>メニュー</a:t>
             </a:r>
             <a:r>
-              <a:rPr lang="ja-JP" altLang="en-US" b="1"/>
+              <a:rPr lang="ja-JP" altLang="en-US" b="1" dirty="0"/>
               <a:t>概要</a:t>
             </a:r>
             <a:r>
-              <a:rPr lang="en-US" altLang="ja-JP" sz="1600" b="1" smtClean="0"/>
+              <a:rPr lang="en-US" altLang="ja-JP" sz="1600" b="1" dirty="0" smtClean="0"/>
               <a:t/>
             </a:r>
             <a:br>
-              <a:rPr lang="en-US" altLang="ja-JP" sz="1600" b="1" smtClean="0"/>
+              <a:rPr lang="en-US" altLang="ja-JP" sz="1600" b="1" dirty="0" smtClean="0"/>
             </a:br>
             <a:r>
-              <a:rPr lang="ja-JP" altLang="en-US" sz="1600" smtClean="0"/>
+              <a:rPr lang="ja-JP" altLang="en-US" sz="1600" dirty="0" smtClean="0"/>
               <a:t>エクスポート</a:t>
             </a:r>
             <a:r>
-              <a:rPr lang="en-US" altLang="ja-JP" sz="1600" smtClean="0"/>
+              <a:rPr lang="en-US" altLang="ja-JP" sz="1600" dirty="0" smtClean="0"/>
               <a:t>/</a:t>
             </a:r>
             <a:r>
-              <a:rPr lang="ja-JP" altLang="en-US" sz="1600" smtClean="0"/>
+              <a:rPr lang="ja-JP" altLang="en-US" sz="1600" dirty="0" smtClean="0"/>
               <a:t>インポート機能について、各メニューの機能を紹介します。</a:t>
             </a:r>
             <a:r>
-              <a:rPr lang="en-US" altLang="ja-JP" smtClean="0"/>
+              <a:rPr lang="en-US" altLang="ja-JP" dirty="0" smtClean="0"/>
               <a:t/>
             </a:r>
             <a:br>
-              <a:rPr lang="en-US" altLang="ja-JP" smtClean="0"/>
+              <a:rPr lang="en-US" altLang="ja-JP" dirty="0" smtClean="0"/>
             </a:br>
-            <a:endParaRPr kumimoji="1" lang="en-US" altLang="ja-JP" smtClean="0"/>
+            <a:endParaRPr kumimoji="1" lang="en-US" altLang="ja-JP" dirty="0" smtClean="0"/>
           </a:p>
         </p:txBody>
       </p:sp>
@@ -14014,7 +13503,7 @@
           <a:lstStyle/>
           <a:p>
             <a:r>
-              <a:rPr lang="en-US" altLang="ja-JP" b="1">
+              <a:rPr lang="en-US" altLang="ja-JP" b="1" dirty="0">
                 <a:solidFill>
                   <a:schemeClr val="bg1"/>
                 </a:solidFill>
@@ -14023,7 +13512,7 @@
               <a:t>2</a:t>
             </a:r>
             <a:r>
-              <a:rPr kumimoji="1" lang="en-US" altLang="ja-JP" b="1" smtClean="0">
+              <a:rPr kumimoji="1" lang="en-US" altLang="ja-JP" b="1" dirty="0" smtClean="0">
                 <a:solidFill>
                   <a:schemeClr val="bg1"/>
                 </a:solidFill>
@@ -14032,7 +13521,7 @@
               <a:t>. </a:t>
             </a:r>
             <a:r>
-              <a:rPr lang="en-US" altLang="ja-JP" b="1" smtClean="0">
+              <a:rPr lang="en-US" altLang="ja-JP" b="1" dirty="0" err="1" smtClean="0">
                 <a:solidFill>
                   <a:schemeClr val="bg1"/>
                 </a:solidFill>
@@ -14041,7 +13530,7 @@
               <a:t>kym</a:t>
             </a:r>
             <a:r>
-              <a:rPr lang="ja-JP" altLang="en-US" b="1" smtClean="0">
+              <a:rPr lang="ja-JP" altLang="en-US" b="1" dirty="0" smtClean="0">
                 <a:solidFill>
                   <a:schemeClr val="bg1"/>
                 </a:solidFill>
@@ -14629,36 +14118,6 @@
           <a:chExt cx="0" cy="0"/>
         </a:xfrm>
       </p:grpSpPr>
-      <p:pic>
-        <p:nvPicPr>
-          <p:cNvPr id="12" name="図 11"/>
-          <p:cNvPicPr>
-            <a:picLocks noChangeAspect="1"/>
-          </p:cNvPicPr>
-          <p:nvPr/>
-        </p:nvPicPr>
-        <p:blipFill>
-          <a:blip r:embed="rId3">
-            <a:extLst>
-              <a:ext uri="{28A0092B-C50C-407E-A947-70E740481C1C}">
-                <a14:useLocalDpi xmlns:a14="http://schemas.microsoft.com/office/drawing/2010/main" val="0"/>
-              </a:ext>
-            </a:extLst>
-          </a:blip>
-          <a:stretch>
-            <a:fillRect/>
-          </a:stretch>
-        </p:blipFill>
-        <p:spPr>
-          <a:xfrm>
-            <a:off x="179512" y="2370692"/>
-            <a:ext cx="7020340" cy="3948941"/>
-          </a:xfrm>
-          <a:prstGeom prst="rect">
-            <a:avLst/>
-          </a:prstGeom>
-        </p:spPr>
-      </p:pic>
       <p:sp>
         <p:nvSpPr>
           <p:cNvPr id="2" name="タイトル 1"/>
@@ -14677,30 +14136,30 @@
           <a:lstStyle/>
           <a:p>
             <a:r>
-              <a:rPr lang="en-US" altLang="ja-JP" smtClean="0"/>
+              <a:rPr lang="en-US" altLang="ja-JP" dirty="0" smtClean="0"/>
               <a:t>2</a:t>
             </a:r>
             <a:r>
-              <a:rPr kumimoji="1" lang="en-US" altLang="ja-JP" smtClean="0"/>
+              <a:rPr kumimoji="1" lang="en-US" altLang="ja-JP" dirty="0" smtClean="0"/>
               <a:t>.7 </a:t>
             </a:r>
             <a:r>
-              <a:rPr lang="ja-JP" altLang="en-US" smtClean="0"/>
+              <a:rPr lang="ja-JP" altLang="en-US" dirty="0" smtClean="0"/>
               <a:t>各メニュー</a:t>
             </a:r>
             <a:r>
-              <a:rPr lang="ja-JP" altLang="en-US"/>
+              <a:rPr lang="ja-JP" altLang="en-US" dirty="0"/>
               <a:t>の</a:t>
             </a:r>
             <a:r>
-              <a:rPr lang="ja-JP" altLang="en-US" smtClean="0"/>
+              <a:rPr lang="ja-JP" altLang="en-US" dirty="0" smtClean="0"/>
               <a:t>説明</a:t>
             </a:r>
             <a:r>
-              <a:rPr lang="en-US" altLang="ja-JP" smtClean="0"/>
+              <a:rPr lang="en-US" altLang="ja-JP" dirty="0" smtClean="0"/>
               <a:t>(1/6)</a:t>
             </a:r>
-            <a:endParaRPr kumimoji="1" lang="ja-JP" altLang="en-US"/>
+            <a:endParaRPr kumimoji="1" lang="ja-JP" altLang="en-US" dirty="0"/>
           </a:p>
         </p:txBody>
       </p:sp>
@@ -14720,55 +14179,178 @@
           <a:lstStyle/>
           <a:p>
             <a:r>
-              <a:rPr kumimoji="1" lang="ja-JP" altLang="en-US" b="1" smtClean="0"/>
+              <a:rPr kumimoji="1" lang="ja-JP" altLang="en-US" b="1" dirty="0" smtClean="0"/>
               <a:t>メニューエクスポート</a:t>
             </a:r>
-            <a:endParaRPr lang="en-US" altLang="ja-JP" b="1" smtClean="0"/>
+            <a:endParaRPr lang="en-US" altLang="ja-JP" b="1" dirty="0" smtClean="0"/>
           </a:p>
           <a:p>
             <a:pPr marL="180000" lvl="1" indent="0">
               <a:buNone/>
             </a:pPr>
             <a:r>
-              <a:rPr kumimoji="1" lang="ja-JP" altLang="en-US" smtClean="0"/>
+              <a:rPr kumimoji="1" lang="ja-JP" altLang="en-US" sz="1400" dirty="0" smtClean="0"/>
               <a:t>メニューが一覧で表示され</a:t>
             </a:r>
             <a:r>
-              <a:rPr lang="ja-JP" altLang="en-US" smtClean="0"/>
+              <a:rPr lang="ja-JP" altLang="en-US" sz="1400" dirty="0" smtClean="0"/>
               <a:t>ており、</a:t>
             </a:r>
             <a:r>
-              <a:rPr lang="en-US" altLang="ja-JP" smtClean="0"/>
+              <a:rPr kumimoji="1" lang="ja-JP" altLang="en-US" sz="1400" dirty="0" smtClean="0"/>
+              <a:t>必要なメニューを選択してエクスポートできます</a:t>
+            </a:r>
+            <a:r>
+              <a:rPr kumimoji="1" lang="ja-JP" altLang="en-US" sz="1400" dirty="0" smtClean="0"/>
+              <a:t>。</a:t>
+            </a:r>
+            <a:r>
+              <a:rPr lang="en-US" altLang="ja-JP" sz="1400" dirty="0"/>
               <a:t/>
             </a:r>
             <a:br>
-              <a:rPr lang="en-US" altLang="ja-JP" smtClean="0"/>
+              <a:rPr lang="en-US" altLang="ja-JP" sz="1400" dirty="0"/>
             </a:br>
             <a:r>
-              <a:rPr kumimoji="1" lang="ja-JP" altLang="en-US" smtClean="0"/>
-              <a:t>必要なメニューを選択してエクスポートできます。</a:t>
-            </a:r>
-            <a:endParaRPr kumimoji="1" lang="en-US" altLang="ja-JP" smtClean="0"/>
+              <a:rPr lang="ja-JP" altLang="en-US" sz="1400" dirty="0" smtClean="0"/>
+              <a:t>「</a:t>
+            </a:r>
+            <a:r>
+              <a:rPr lang="ja-JP" altLang="ja-JP" sz="1400" dirty="0" smtClean="0"/>
+              <a:t>モード</a:t>
+            </a:r>
+            <a:r>
+              <a:rPr lang="ja-JP" altLang="en-US" sz="1400" dirty="0" smtClean="0"/>
+              <a:t>」はインポートする際に</a:t>
+            </a:r>
+            <a:r>
+              <a:rPr lang="ja-JP" altLang="ja-JP" sz="1400" dirty="0" smtClean="0"/>
+              <a:t>既存</a:t>
+            </a:r>
+            <a:r>
+              <a:rPr lang="ja-JP" altLang="ja-JP" sz="1400" dirty="0"/>
+              <a:t>データをすべて削除してデータを</a:t>
+            </a:r>
+            <a:r>
+              <a:rPr lang="ja-JP" altLang="ja-JP" sz="1400" dirty="0" smtClean="0"/>
+              <a:t>上書き</a:t>
+            </a:r>
+            <a:r>
+              <a:rPr lang="ja-JP" altLang="en-US" sz="1400" dirty="0" smtClean="0"/>
+              <a:t>するか</a:t>
+            </a:r>
+            <a:r>
+              <a:rPr lang="ja-JP" altLang="ja-JP" sz="1400" dirty="0" smtClean="0"/>
+              <a:t>差分</a:t>
+            </a:r>
+            <a:r>
+              <a:rPr lang="ja-JP" altLang="ja-JP" sz="1400" dirty="0"/>
+              <a:t>のみ</a:t>
+            </a:r>
+            <a:r>
+              <a:rPr lang="ja-JP" altLang="ja-JP" sz="1400" dirty="0" smtClean="0"/>
+              <a:t>追加</a:t>
+            </a:r>
+            <a:r>
+              <a:rPr lang="ja-JP" altLang="en-US" sz="1400" dirty="0" smtClean="0"/>
+              <a:t>するか指定します</a:t>
+            </a:r>
+            <a:r>
+              <a:rPr lang="ja-JP" altLang="ja-JP" sz="1400" dirty="0" smtClean="0"/>
+              <a:t>。</a:t>
+            </a:r>
+            <a:r>
+              <a:rPr lang="en-US" altLang="ja-JP" sz="1400" dirty="0" smtClean="0"/>
+              <a:t/>
+            </a:r>
+            <a:br>
+              <a:rPr lang="en-US" altLang="ja-JP" sz="1400" dirty="0" smtClean="0"/>
+            </a:br>
+            <a:r>
+              <a:rPr lang="ja-JP" altLang="en-US" sz="1400" dirty="0" smtClean="0"/>
+              <a:t>「</a:t>
+            </a:r>
+            <a:r>
+              <a:rPr lang="ja-JP" altLang="ja-JP" sz="1400" dirty="0"/>
+              <a:t>廃止情報</a:t>
+            </a:r>
+            <a:r>
+              <a:rPr lang="ja-JP" altLang="en-US" sz="1400" dirty="0" smtClean="0"/>
+              <a:t>」は上記「モード」でインポートする際に、</a:t>
+            </a:r>
+            <a:r>
+              <a:rPr lang="ja-JP" altLang="ja-JP" sz="1400" dirty="0" smtClean="0"/>
+              <a:t>廃止</a:t>
+            </a:r>
+            <a:r>
+              <a:rPr lang="ja-JP" altLang="ja-JP" sz="1400" dirty="0"/>
+              <a:t>状態のデータを含むすべての</a:t>
+            </a:r>
+            <a:r>
+              <a:rPr lang="ja-JP" altLang="ja-JP" sz="1400" dirty="0" smtClean="0"/>
+              <a:t>データ</a:t>
+            </a:r>
+            <a:r>
+              <a:rPr lang="ja-JP" altLang="en-US" sz="1400" dirty="0" smtClean="0"/>
+              <a:t>でインポートするかと</a:t>
+            </a:r>
+            <a:r>
+              <a:rPr lang="ja-JP" altLang="ja-JP" sz="1400" dirty="0"/>
+              <a:t>除いた</a:t>
+            </a:r>
+            <a:r>
+              <a:rPr lang="ja-JP" altLang="ja-JP" sz="1400" dirty="0" smtClean="0"/>
+              <a:t>データ</a:t>
+            </a:r>
+            <a:r>
+              <a:rPr lang="ja-JP" altLang="en-US" sz="1400" dirty="0" smtClean="0"/>
+              <a:t>でインポートするか指定します。</a:t>
+            </a:r>
+            <a:endParaRPr kumimoji="1" lang="en-US" altLang="ja-JP" sz="1400" dirty="0" smtClean="0"/>
           </a:p>
         </p:txBody>
       </p:sp>
+      <p:pic>
+        <p:nvPicPr>
+          <p:cNvPr id="4" name="図 3"/>
+          <p:cNvPicPr>
+            <a:picLocks noChangeAspect="1"/>
+          </p:cNvPicPr>
+          <p:nvPr/>
+        </p:nvPicPr>
+        <p:blipFill>
+          <a:blip r:embed="rId3"/>
+          <a:stretch>
+            <a:fillRect/>
+          </a:stretch>
+        </p:blipFill>
+        <p:spPr>
+          <a:xfrm>
+            <a:off x="205713" y="2336675"/>
+            <a:ext cx="8710292" cy="4338604"/>
+          </a:xfrm>
+          <a:prstGeom prst="rect">
+            <a:avLst/>
+          </a:prstGeom>
+        </p:spPr>
+      </p:pic>
       <p:sp>
         <p:nvSpPr>
-          <p:cNvPr id="11" name="線吹き出し 1 (枠付き) 10"/>
+          <p:cNvPr id="25" name="線吹き出し 1 (枠付き) 24"/>
           <p:cNvSpPr/>
           <p:nvPr/>
         </p:nvSpPr>
         <p:spPr bwMode="auto">
           <a:xfrm>
-            <a:off x="6463147" y="3841093"/>
+            <a:off x="6712408" y="4637748"/>
             <a:ext cx="2278281" cy="504070"/>
           </a:xfrm>
           <a:prstGeom prst="borderCallout1">
             <a:avLst>
               <a:gd name="adj1" fmla="val 42937"/>
               <a:gd name="adj2" fmla="val 289"/>
-              <a:gd name="adj3" fmla="val 118547"/>
-              <a:gd name="adj4" fmla="val -23335"/>
+              <a:gd name="adj3" fmla="val 128972"/>
+              <a:gd name="adj4" fmla="val -21951"/>
             </a:avLst>
           </a:prstGeom>
           <a:ln>
@@ -14801,7 +14383,7 @@
           <a:lstStyle/>
           <a:p>
             <a:r>
-              <a:rPr lang="ja-JP" altLang="en-US" sz="1100">
+              <a:rPr lang="ja-JP" altLang="en-US" sz="1100" dirty="0">
                 <a:solidFill>
                   <a:schemeClr val="tx1"/>
                 </a:solidFill>
@@ -14810,7 +14392,7 @@
               <a:t>エクスポート対象のメニューを</a:t>
             </a:r>
             <a:r>
-              <a:rPr lang="en-US" altLang="ja-JP" sz="1100">
+              <a:rPr lang="en-US" altLang="ja-JP" sz="1100" dirty="0">
                 <a:solidFill>
                   <a:schemeClr val="tx1"/>
                 </a:solidFill>
@@ -14819,7 +14401,7 @@
               <a:t/>
             </a:r>
             <a:br>
-              <a:rPr lang="en-US" altLang="ja-JP" sz="1100">
+              <a:rPr lang="en-US" altLang="ja-JP" sz="1100" dirty="0">
                 <a:solidFill>
                   <a:schemeClr val="tx1"/>
                 </a:solidFill>
@@ -14827,7 +14409,7 @@
               </a:rPr>
             </a:br>
             <a:r>
-              <a:rPr lang="ja-JP" altLang="en-US" sz="1100">
+              <a:rPr lang="ja-JP" altLang="en-US" sz="1100" dirty="0">
                 <a:solidFill>
                   <a:schemeClr val="tx1"/>
                 </a:solidFill>
@@ -14835,7 +14417,7 @@
               </a:rPr>
               <a:t>チェックボックスで選択できます。</a:t>
             </a:r>
-            <a:endParaRPr lang="en-US" altLang="ja-JP" sz="1100">
+            <a:endParaRPr lang="en-US" altLang="ja-JP" sz="1100" dirty="0">
               <a:solidFill>
                 <a:schemeClr val="tx1"/>
               </a:solidFill>
@@ -14846,7 +14428,7 @@
       </p:sp>
       <p:pic>
         <p:nvPicPr>
-          <p:cNvPr id="14" name="図 13"/>
+          <p:cNvPr id="26" name="図 25"/>
           <p:cNvPicPr>
             <a:picLocks noChangeAspect="1"/>
           </p:cNvPicPr>
@@ -14860,7 +14442,7 @@
         </p:blipFill>
         <p:spPr>
           <a:xfrm>
-            <a:off x="3275820" y="5595724"/>
+            <a:off x="3763500" y="5889229"/>
             <a:ext cx="4913070" cy="924241"/>
           </a:xfrm>
           <a:prstGeom prst="rect">
@@ -14875,14 +14457,14 @@
       </p:pic>
       <p:sp>
         <p:nvSpPr>
-          <p:cNvPr id="15" name="正方形/長方形 14"/>
+          <p:cNvPr id="27" name="正方形/長方形 26"/>
           <p:cNvSpPr/>
           <p:nvPr/>
         </p:nvSpPr>
         <p:spPr bwMode="auto">
           <a:xfrm>
-            <a:off x="4067929" y="5949350"/>
-            <a:ext cx="936131" cy="216030"/>
+            <a:off x="4543816" y="6177269"/>
+            <a:ext cx="936131" cy="359818"/>
           </a:xfrm>
           <a:prstGeom prst="rect">
             <a:avLst/>
@@ -15008,21 +14590,21 @@
       </p:sp>
       <p:sp>
         <p:nvSpPr>
-          <p:cNvPr id="16" name="線吹き出し 1 (枠付き) 15"/>
+          <p:cNvPr id="28" name="線吹き出し 1 (枠付き) 27"/>
           <p:cNvSpPr/>
           <p:nvPr/>
         </p:nvSpPr>
         <p:spPr bwMode="auto">
           <a:xfrm>
-            <a:off x="5416090" y="5596917"/>
+            <a:off x="6084210" y="5960660"/>
             <a:ext cx="2396360" cy="352433"/>
           </a:xfrm>
           <a:prstGeom prst="borderCallout1">
             <a:avLst>
               <a:gd name="adj1" fmla="val 42937"/>
               <a:gd name="adj2" fmla="val 289"/>
-              <a:gd name="adj3" fmla="val 119673"/>
-              <a:gd name="adj4" fmla="val -18801"/>
+              <a:gd name="adj3" fmla="val 113709"/>
+              <a:gd name="adj4" fmla="val -26696"/>
             </a:avLst>
           </a:prstGeom>
           <a:ln>
@@ -15125,22 +14707,22 @@
           <a:lstStyle/>
           <a:p>
             <a:r>
-              <a:rPr lang="en-US" altLang="ja-JP" smtClean="0"/>
+              <a:rPr lang="en-US" altLang="ja-JP" dirty="0" smtClean="0"/>
               <a:t>2.7 </a:t>
             </a:r>
             <a:r>
-              <a:rPr lang="ja-JP" altLang="en-US"/>
+              <a:rPr lang="ja-JP" altLang="en-US" dirty="0"/>
               <a:t>各メニューの説明</a:t>
             </a:r>
             <a:r>
-              <a:rPr lang="en-US" altLang="ja-JP" smtClean="0"/>
+              <a:rPr lang="en-US" altLang="ja-JP" dirty="0" smtClean="0"/>
               <a:t>(2/6</a:t>
             </a:r>
             <a:r>
-              <a:rPr lang="en-US" altLang="ja-JP"/>
+              <a:rPr lang="en-US" altLang="ja-JP" dirty="0"/>
               <a:t>)</a:t>
             </a:r>
-            <a:endParaRPr kumimoji="1" lang="ja-JP" altLang="en-US"/>
+            <a:endParaRPr kumimoji="1" lang="ja-JP" altLang="en-US" dirty="0"/>
           </a:p>
         </p:txBody>
       </p:sp>
@@ -15160,213 +14742,79 @@
           <a:lstStyle/>
           <a:p>
             <a:r>
-              <a:rPr lang="ja-JP" altLang="en-US" b="1" smtClean="0"/>
+              <a:rPr lang="ja-JP" altLang="en-US" b="1" dirty="0" smtClean="0"/>
               <a:t>メニューインポート</a:t>
             </a:r>
-            <a:endParaRPr lang="en-US" altLang="ja-JP" b="1" smtClean="0"/>
+            <a:endParaRPr lang="en-US" altLang="ja-JP" b="1" dirty="0" smtClean="0"/>
           </a:p>
           <a:p>
             <a:pPr marL="180000" lvl="1" indent="0">
               <a:buNone/>
             </a:pPr>
             <a:r>
-              <a:rPr lang="ja-JP" altLang="en-US" smtClean="0"/>
+              <a:rPr lang="ja-JP" altLang="en-US" dirty="0" smtClean="0"/>
               <a:t>「メニューエクスポート」メニューでエクスポートしたデータをアップロードして、</a:t>
             </a:r>
             <a:r>
-              <a:rPr lang="en-US" altLang="ja-JP" smtClean="0"/>
+              <a:rPr lang="en-US" altLang="ja-JP" dirty="0" smtClean="0"/>
               <a:t/>
             </a:r>
             <a:br>
-              <a:rPr lang="en-US" altLang="ja-JP" smtClean="0"/>
+              <a:rPr lang="en-US" altLang="ja-JP" dirty="0" smtClean="0"/>
             </a:br>
             <a:r>
-              <a:rPr lang="ja-JP" altLang="en-US" smtClean="0"/>
+              <a:rPr lang="ja-JP" altLang="en-US" dirty="0" smtClean="0"/>
               <a:t>必要なメニューをインポートできます。</a:t>
             </a:r>
             <a:r>
-              <a:rPr lang="en-US" altLang="ja-JP" smtClean="0"/>
+              <a:rPr lang="en-US" altLang="ja-JP" dirty="0" smtClean="0"/>
               <a:t/>
             </a:r>
             <a:br>
-              <a:rPr lang="en-US" altLang="ja-JP" smtClean="0"/>
+              <a:rPr lang="en-US" altLang="ja-JP" dirty="0" smtClean="0"/>
             </a:br>
-            <a:endParaRPr lang="ja-JP" altLang="en-US"/>
+            <a:endParaRPr lang="ja-JP" altLang="en-US" dirty="0"/>
           </a:p>
         </p:txBody>
       </p:sp>
       <p:pic>
         <p:nvPicPr>
-          <p:cNvPr id="5" name="図 4"/>
-          <p:cNvPicPr>
-            <a:picLocks noChangeAspect="1"/>
-          </p:cNvPicPr>
+          <p:cNvPr id="10" name="図 9"/>
+          <p:cNvPicPr/>
           <p:nvPr/>
         </p:nvPicPr>
-        <p:blipFill>
-          <a:blip r:embed="rId3">
-            <a:extLst>
-              <a:ext uri="{28A0092B-C50C-407E-A947-70E740481C1C}">
-                <a14:useLocalDpi xmlns:a14="http://schemas.microsoft.com/office/drawing/2010/main" val="0"/>
-              </a:ext>
-            </a:extLst>
-          </a:blip>
-          <a:stretch>
-            <a:fillRect/>
-          </a:stretch>
+        <p:blipFill rotWithShape="1">
+          <a:blip r:embed="rId3"/>
+          <a:srcRect l="-778" t="8024" r="228" b="12286"/>
+          <a:stretch/>
         </p:blipFill>
-        <p:spPr>
+        <p:spPr bwMode="auto">
           <a:xfrm>
-            <a:off x="251400" y="2348870"/>
-            <a:ext cx="7279000" cy="4094438"/>
+            <a:off x="397390" y="2054906"/>
+            <a:ext cx="8089190" cy="2680795"/>
           </a:xfrm>
           <a:prstGeom prst="rect">
             <a:avLst/>
           </a:prstGeom>
+          <a:ln>
+            <a:noFill/>
+          </a:ln>
+          <a:extLst>
+            <a:ext uri="{53640926-AAD7-44D8-BBD7-CCE9431645EC}">
+              <a14:shadowObscured xmlns:a14="http://schemas.microsoft.com/office/drawing/2010/main"/>
+            </a:ext>
+          </a:extLst>
         </p:spPr>
       </p:pic>
       <p:sp>
         <p:nvSpPr>
-          <p:cNvPr id="12" name="正方形/長方形 11"/>
+          <p:cNvPr id="20" name="線吹き出し 1 (枠付き) 19"/>
           <p:cNvSpPr/>
           <p:nvPr/>
         </p:nvSpPr>
         <p:spPr bwMode="auto">
           <a:xfrm>
-            <a:off x="1353759" y="5771420"/>
-            <a:ext cx="2216091" cy="237462"/>
-          </a:xfrm>
-          <a:prstGeom prst="rect">
-            <a:avLst/>
-          </a:prstGeom>
-          <a:noFill/>
-          <a:ln w="28575">
-            <a:solidFill>
-              <a:srgbClr val="FF0000"/>
-            </a:solidFill>
-          </a:ln>
-          <a:effectLst/>
-          <a:extLst/>
-        </p:spPr>
-        <p:txBody>
-          <a:bodyPr rot="0" spcFirstLastPara="0" vert="horz" wrap="none" lIns="72000" tIns="72000" rIns="72000" bIns="72000" numCol="1" spcCol="0" rtlCol="0" fromWordArt="0" anchor="ctr" anchorCtr="0" forceAA="0" compatLnSpc="1">
-            <a:prstTxWarp prst="textNoShape">
-              <a:avLst/>
-            </a:prstTxWarp>
-            <a:noAutofit/>
-          </a:bodyPr>
-          <a:lstStyle>
-            <a:defPPr>
-              <a:defRPr lang="ja-JP"/>
-            </a:defPPr>
-            <a:lvl1pPr marL="0" algn="l" defTabSz="914400" rtl="0" eaLnBrk="1" latinLnBrk="0" hangingPunct="1">
-              <a:defRPr kumimoji="1" sz="1800" kern="1200">
-                <a:solidFill>
-                  <a:schemeClr val="tx1"/>
-                </a:solidFill>
-                <a:latin typeface="+mn-lt"/>
-                <a:ea typeface="+mn-ea"/>
-                <a:cs typeface="+mn-cs"/>
-              </a:defRPr>
-            </a:lvl1pPr>
-            <a:lvl2pPr marL="457200" algn="l" defTabSz="914400" rtl="0" eaLnBrk="1" latinLnBrk="0" hangingPunct="1">
-              <a:defRPr kumimoji="1" sz="1800" kern="1200">
-                <a:solidFill>
-                  <a:schemeClr val="tx1"/>
-                </a:solidFill>
-                <a:latin typeface="+mn-lt"/>
-                <a:ea typeface="+mn-ea"/>
-                <a:cs typeface="+mn-cs"/>
-              </a:defRPr>
-            </a:lvl2pPr>
-            <a:lvl3pPr marL="914400" algn="l" defTabSz="914400" rtl="0" eaLnBrk="1" latinLnBrk="0" hangingPunct="1">
-              <a:defRPr kumimoji="1" sz="1800" kern="1200">
-                <a:solidFill>
-                  <a:schemeClr val="tx1"/>
-                </a:solidFill>
-                <a:latin typeface="+mn-lt"/>
-                <a:ea typeface="+mn-ea"/>
-                <a:cs typeface="+mn-cs"/>
-              </a:defRPr>
-            </a:lvl3pPr>
-            <a:lvl4pPr marL="1371600" algn="l" defTabSz="914400" rtl="0" eaLnBrk="1" latinLnBrk="0" hangingPunct="1">
-              <a:defRPr kumimoji="1" sz="1800" kern="1200">
-                <a:solidFill>
-                  <a:schemeClr val="tx1"/>
-                </a:solidFill>
-                <a:latin typeface="+mn-lt"/>
-                <a:ea typeface="+mn-ea"/>
-                <a:cs typeface="+mn-cs"/>
-              </a:defRPr>
-            </a:lvl4pPr>
-            <a:lvl5pPr marL="1828800" algn="l" defTabSz="914400" rtl="0" eaLnBrk="1" latinLnBrk="0" hangingPunct="1">
-              <a:defRPr kumimoji="1" sz="1800" kern="1200">
-                <a:solidFill>
-                  <a:schemeClr val="tx1"/>
-                </a:solidFill>
-                <a:latin typeface="+mn-lt"/>
-                <a:ea typeface="+mn-ea"/>
-                <a:cs typeface="+mn-cs"/>
-              </a:defRPr>
-            </a:lvl5pPr>
-            <a:lvl6pPr marL="2286000" algn="l" defTabSz="914400" rtl="0" eaLnBrk="1" latinLnBrk="0" hangingPunct="1">
-              <a:defRPr kumimoji="1" sz="1800" kern="1200">
-                <a:solidFill>
-                  <a:schemeClr val="tx1"/>
-                </a:solidFill>
-                <a:latin typeface="+mn-lt"/>
-                <a:ea typeface="+mn-ea"/>
-                <a:cs typeface="+mn-cs"/>
-              </a:defRPr>
-            </a:lvl6pPr>
-            <a:lvl7pPr marL="2743200" algn="l" defTabSz="914400" rtl="0" eaLnBrk="1" latinLnBrk="0" hangingPunct="1">
-              <a:defRPr kumimoji="1" sz="1800" kern="1200">
-                <a:solidFill>
-                  <a:schemeClr val="tx1"/>
-                </a:solidFill>
-                <a:latin typeface="+mn-lt"/>
-                <a:ea typeface="+mn-ea"/>
-                <a:cs typeface="+mn-cs"/>
-              </a:defRPr>
-            </a:lvl7pPr>
-            <a:lvl8pPr marL="3200400" algn="l" defTabSz="914400" rtl="0" eaLnBrk="1" latinLnBrk="0" hangingPunct="1">
-              <a:defRPr kumimoji="1" sz="1800" kern="1200">
-                <a:solidFill>
-                  <a:schemeClr val="tx1"/>
-                </a:solidFill>
-                <a:latin typeface="+mn-lt"/>
-                <a:ea typeface="+mn-ea"/>
-                <a:cs typeface="+mn-cs"/>
-              </a:defRPr>
-            </a:lvl8pPr>
-            <a:lvl9pPr marL="3657600" algn="l" defTabSz="914400" rtl="0" eaLnBrk="1" latinLnBrk="0" hangingPunct="1">
-              <a:defRPr kumimoji="1" sz="1800" kern="1200">
-                <a:solidFill>
-                  <a:schemeClr val="tx1"/>
-                </a:solidFill>
-                <a:latin typeface="+mn-lt"/>
-                <a:ea typeface="+mn-ea"/>
-                <a:cs typeface="+mn-cs"/>
-              </a:defRPr>
-            </a:lvl9pPr>
-          </a:lstStyle>
-          <a:p>
-            <a:pPr algn="ctr"/>
-            <a:endParaRPr kumimoji="1" lang="ja-JP" altLang="en-US" b="1" dirty="0" smtClean="0">
-              <a:latin typeface="+mn-ea"/>
-            </a:endParaRPr>
-          </a:p>
-        </p:txBody>
-      </p:sp>
-      <p:sp>
-        <p:nvSpPr>
-          <p:cNvPr id="13" name="線吹き出し 1 (枠付き) 12"/>
-          <p:cNvSpPr/>
-          <p:nvPr/>
-        </p:nvSpPr>
-        <p:spPr bwMode="auto">
-          <a:xfrm>
-            <a:off x="6463147" y="3841093"/>
+            <a:off x="6758339" y="3440597"/>
             <a:ext cx="2278281" cy="504070"/>
           </a:xfrm>
           <a:prstGeom prst="borderCallout1">
@@ -15452,21 +14900,154 @@
       </p:sp>
       <p:sp>
         <p:nvSpPr>
-          <p:cNvPr id="14" name="線吹き出し 1 (枠付き) 13"/>
+          <p:cNvPr id="22" name="正方形/長方形 21"/>
           <p:cNvSpPr/>
           <p:nvPr/>
         </p:nvSpPr>
         <p:spPr bwMode="auto">
           <a:xfrm>
-            <a:off x="3641738" y="5890151"/>
-            <a:ext cx="3528490" cy="504070"/>
+            <a:off x="1501609" y="2588074"/>
+            <a:ext cx="1296180" cy="624896"/>
+          </a:xfrm>
+          <a:prstGeom prst="rect">
+            <a:avLst/>
+          </a:prstGeom>
+          <a:noFill/>
+          <a:ln w="28575">
+            <a:solidFill>
+              <a:srgbClr val="FF0000"/>
+            </a:solidFill>
+          </a:ln>
+          <a:effectLst/>
+          <a:extLst/>
+        </p:spPr>
+        <p:txBody>
+          <a:bodyPr rot="0" spcFirstLastPara="0" vert="horz" wrap="none" lIns="72000" tIns="72000" rIns="72000" bIns="72000" numCol="1" spcCol="0" rtlCol="0" fromWordArt="0" anchor="ctr" anchorCtr="0" forceAA="0" compatLnSpc="1">
+            <a:prstTxWarp prst="textNoShape">
+              <a:avLst/>
+            </a:prstTxWarp>
+            <a:noAutofit/>
+          </a:bodyPr>
+          <a:lstStyle>
+            <a:defPPr>
+              <a:defRPr lang="ja-JP"/>
+            </a:defPPr>
+            <a:lvl1pPr marL="0" algn="l" defTabSz="914400" rtl="0" eaLnBrk="1" latinLnBrk="0" hangingPunct="1">
+              <a:defRPr kumimoji="1" sz="1800" kern="1200">
+                <a:solidFill>
+                  <a:schemeClr val="tx1"/>
+                </a:solidFill>
+                <a:latin typeface="+mn-lt"/>
+                <a:ea typeface="+mn-ea"/>
+                <a:cs typeface="+mn-cs"/>
+              </a:defRPr>
+            </a:lvl1pPr>
+            <a:lvl2pPr marL="457200" algn="l" defTabSz="914400" rtl="0" eaLnBrk="1" latinLnBrk="0" hangingPunct="1">
+              <a:defRPr kumimoji="1" sz="1800" kern="1200">
+                <a:solidFill>
+                  <a:schemeClr val="tx1"/>
+                </a:solidFill>
+                <a:latin typeface="+mn-lt"/>
+                <a:ea typeface="+mn-ea"/>
+                <a:cs typeface="+mn-cs"/>
+              </a:defRPr>
+            </a:lvl2pPr>
+            <a:lvl3pPr marL="914400" algn="l" defTabSz="914400" rtl="0" eaLnBrk="1" latinLnBrk="0" hangingPunct="1">
+              <a:defRPr kumimoji="1" sz="1800" kern="1200">
+                <a:solidFill>
+                  <a:schemeClr val="tx1"/>
+                </a:solidFill>
+                <a:latin typeface="+mn-lt"/>
+                <a:ea typeface="+mn-ea"/>
+                <a:cs typeface="+mn-cs"/>
+              </a:defRPr>
+            </a:lvl3pPr>
+            <a:lvl4pPr marL="1371600" algn="l" defTabSz="914400" rtl="0" eaLnBrk="1" latinLnBrk="0" hangingPunct="1">
+              <a:defRPr kumimoji="1" sz="1800" kern="1200">
+                <a:solidFill>
+                  <a:schemeClr val="tx1"/>
+                </a:solidFill>
+                <a:latin typeface="+mn-lt"/>
+                <a:ea typeface="+mn-ea"/>
+                <a:cs typeface="+mn-cs"/>
+              </a:defRPr>
+            </a:lvl4pPr>
+            <a:lvl5pPr marL="1828800" algn="l" defTabSz="914400" rtl="0" eaLnBrk="1" latinLnBrk="0" hangingPunct="1">
+              <a:defRPr kumimoji="1" sz="1800" kern="1200">
+                <a:solidFill>
+                  <a:schemeClr val="tx1"/>
+                </a:solidFill>
+                <a:latin typeface="+mn-lt"/>
+                <a:ea typeface="+mn-ea"/>
+                <a:cs typeface="+mn-cs"/>
+              </a:defRPr>
+            </a:lvl5pPr>
+            <a:lvl6pPr marL="2286000" algn="l" defTabSz="914400" rtl="0" eaLnBrk="1" latinLnBrk="0" hangingPunct="1">
+              <a:defRPr kumimoji="1" sz="1800" kern="1200">
+                <a:solidFill>
+                  <a:schemeClr val="tx1"/>
+                </a:solidFill>
+                <a:latin typeface="+mn-lt"/>
+                <a:ea typeface="+mn-ea"/>
+                <a:cs typeface="+mn-cs"/>
+              </a:defRPr>
+            </a:lvl6pPr>
+            <a:lvl7pPr marL="2743200" algn="l" defTabSz="914400" rtl="0" eaLnBrk="1" latinLnBrk="0" hangingPunct="1">
+              <a:defRPr kumimoji="1" sz="1800" kern="1200">
+                <a:solidFill>
+                  <a:schemeClr val="tx1"/>
+                </a:solidFill>
+                <a:latin typeface="+mn-lt"/>
+                <a:ea typeface="+mn-ea"/>
+                <a:cs typeface="+mn-cs"/>
+              </a:defRPr>
+            </a:lvl7pPr>
+            <a:lvl8pPr marL="3200400" algn="l" defTabSz="914400" rtl="0" eaLnBrk="1" latinLnBrk="0" hangingPunct="1">
+              <a:defRPr kumimoji="1" sz="1800" kern="1200">
+                <a:solidFill>
+                  <a:schemeClr val="tx1"/>
+                </a:solidFill>
+                <a:latin typeface="+mn-lt"/>
+                <a:ea typeface="+mn-ea"/>
+                <a:cs typeface="+mn-cs"/>
+              </a:defRPr>
+            </a:lvl8pPr>
+            <a:lvl9pPr marL="3657600" algn="l" defTabSz="914400" rtl="0" eaLnBrk="1" latinLnBrk="0" hangingPunct="1">
+              <a:defRPr kumimoji="1" sz="1800" kern="1200">
+                <a:solidFill>
+                  <a:schemeClr val="tx1"/>
+                </a:solidFill>
+                <a:latin typeface="+mn-lt"/>
+                <a:ea typeface="+mn-ea"/>
+                <a:cs typeface="+mn-cs"/>
+              </a:defRPr>
+            </a:lvl9pPr>
+          </a:lstStyle>
+          <a:p>
+            <a:pPr algn="ctr"/>
+            <a:endParaRPr kumimoji="1" lang="ja-JP" altLang="en-US" b="1" dirty="0" smtClean="0">
+              <a:latin typeface="+mn-ea"/>
+            </a:endParaRPr>
+          </a:p>
+        </p:txBody>
+      </p:sp>
+      <p:sp>
+        <p:nvSpPr>
+          <p:cNvPr id="23" name="線吹き出し 1 (枠付き) 22"/>
+          <p:cNvSpPr/>
+          <p:nvPr/>
+        </p:nvSpPr>
+        <p:spPr bwMode="auto">
+          <a:xfrm>
+            <a:off x="3147887" y="2967525"/>
+            <a:ext cx="2736380" cy="347239"/>
           </a:xfrm>
           <a:prstGeom prst="borderCallout1">
             <a:avLst>
               <a:gd name="adj1" fmla="val 42937"/>
               <a:gd name="adj2" fmla="val 289"/>
-              <a:gd name="adj3" fmla="val 9705"/>
-              <a:gd name="adj4" fmla="val -4013"/>
+              <a:gd name="adj3" fmla="val -13072"/>
+              <a:gd name="adj4" fmla="val -14500"/>
             </a:avLst>
           </a:prstGeom>
           <a:ln>
@@ -15499,59 +15080,24 @@
           <a:lstStyle/>
           <a:p>
             <a:r>
-              <a:rPr lang="ja-JP" altLang="en-US" sz="1100" smtClean="0">
+              <a:rPr lang="en-US" altLang="ja-JP" sz="1100" dirty="0" err="1" smtClean="0">
                 <a:solidFill>
                   <a:schemeClr val="tx1"/>
                 </a:solidFill>
                 <a:latin typeface="+mn-ea"/>
               </a:rPr>
-              <a:t>押下してインポート</a:t>
-            </a:r>
-            <a:r>
-              <a:rPr lang="ja-JP" altLang="en-US" sz="1100">
+              <a:t>kym</a:t>
+            </a:r>
+            <a:r>
+              <a:rPr lang="ja-JP" altLang="en-US" sz="1100" dirty="0" smtClean="0">
                 <a:solidFill>
                   <a:schemeClr val="tx1"/>
                 </a:solidFill>
                 <a:latin typeface="+mn-ea"/>
               </a:rPr>
-              <a:t>を</a:t>
-            </a:r>
-            <a:r>
-              <a:rPr lang="ja-JP" altLang="en-US" sz="1100" smtClean="0">
-                <a:solidFill>
-                  <a:schemeClr val="tx1"/>
-                </a:solidFill>
-                <a:latin typeface="+mn-ea"/>
-              </a:rPr>
-              <a:t>実行します。</a:t>
-            </a:r>
-            <a:r>
-              <a:rPr lang="en-US" altLang="ja-JP" sz="1100">
-                <a:solidFill>
-                  <a:schemeClr val="tx1"/>
-                </a:solidFill>
-                <a:latin typeface="+mn-ea"/>
-              </a:rPr>
-              <a:t/>
-            </a:r>
-            <a:br>
-              <a:rPr lang="en-US" altLang="ja-JP" sz="1100">
-                <a:solidFill>
-                  <a:schemeClr val="tx1"/>
-                </a:solidFill>
-                <a:latin typeface="+mn-ea"/>
-              </a:rPr>
-            </a:br>
-            <a:r>
-              <a:rPr lang="ja-JP" altLang="en-US" sz="1100">
-                <a:solidFill>
-                  <a:schemeClr val="tx1"/>
-                </a:solidFill>
-                <a:latin typeface="+mn-ea"/>
-              </a:rPr>
-              <a:t>廃止データを除いてインポートすることもできます。</a:t>
-            </a:r>
-            <a:endParaRPr lang="en-US" altLang="ja-JP" sz="1100">
+              <a:t>ファイルをアップロードできます。</a:t>
+            </a:r>
+            <a:endParaRPr lang="en-US" altLang="ja-JP" sz="1100" dirty="0">
               <a:solidFill>
                 <a:schemeClr val="tx1"/>
               </a:solidFill>
@@ -15560,16 +15106,45 @@
           </a:p>
         </p:txBody>
       </p:sp>
+      <p:pic>
+        <p:nvPicPr>
+          <p:cNvPr id="12" name="図 11"/>
+          <p:cNvPicPr/>
+          <p:nvPr/>
+        </p:nvPicPr>
+        <p:blipFill rotWithShape="1">
+          <a:blip r:embed="rId4"/>
+          <a:srcRect t="51743" b="4538"/>
+          <a:stretch/>
+        </p:blipFill>
+        <p:spPr bwMode="auto">
+          <a:xfrm>
+            <a:off x="467430" y="4862678"/>
+            <a:ext cx="8019150" cy="1685874"/>
+          </a:xfrm>
+          <a:prstGeom prst="rect">
+            <a:avLst/>
+          </a:prstGeom>
+          <a:ln>
+            <a:noFill/>
+          </a:ln>
+          <a:extLst>
+            <a:ext uri="{53640926-AAD7-44D8-BBD7-CCE9431645EC}">
+              <a14:shadowObscured xmlns:a14="http://schemas.microsoft.com/office/drawing/2010/main"/>
+            </a:ext>
+          </a:extLst>
+        </p:spPr>
+      </p:pic>
       <p:sp>
         <p:nvSpPr>
-          <p:cNvPr id="17" name="正方形/長方形 16"/>
+          <p:cNvPr id="14" name="正方形/長方形 13"/>
           <p:cNvSpPr/>
           <p:nvPr/>
         </p:nvSpPr>
         <p:spPr bwMode="auto">
           <a:xfrm>
-            <a:off x="1311876" y="3020134"/>
-            <a:ext cx="1243844" cy="408866"/>
+            <a:off x="1475570" y="5890150"/>
+            <a:ext cx="1322219" cy="203219"/>
           </a:xfrm>
           <a:prstGeom prst="rect">
             <a:avLst/>
@@ -15701,15 +15276,15 @@
         </p:nvSpPr>
         <p:spPr bwMode="auto">
           <a:xfrm>
-            <a:off x="2771750" y="2780910"/>
-            <a:ext cx="2736380" cy="347239"/>
+            <a:off x="3229849" y="5945244"/>
+            <a:ext cx="2422301" cy="504070"/>
           </a:xfrm>
           <a:prstGeom prst="borderCallout1">
             <a:avLst>
               <a:gd name="adj1" fmla="val 42937"/>
               <a:gd name="adj2" fmla="val 289"/>
-              <a:gd name="adj3" fmla="val 77733"/>
-              <a:gd name="adj4" fmla="val -12195"/>
+              <a:gd name="adj3" fmla="val 9705"/>
+              <a:gd name="adj4" fmla="val -19787"/>
             </a:avLst>
           </a:prstGeom>
           <a:ln>
@@ -15742,24 +15317,33 @@
           <a:lstStyle/>
           <a:p>
             <a:r>
-              <a:rPr lang="en-US" altLang="ja-JP" sz="1100" smtClean="0">
+              <a:rPr lang="ja-JP" altLang="en-US" sz="1100" dirty="0" smtClean="0">
                 <a:solidFill>
                   <a:schemeClr val="tx1"/>
                 </a:solidFill>
                 <a:latin typeface="+mn-ea"/>
               </a:rPr>
-              <a:t>kym</a:t>
-            </a:r>
-            <a:r>
-              <a:rPr lang="ja-JP" altLang="en-US" sz="1100" smtClean="0">
+              <a:t>押下してインポート</a:t>
+            </a:r>
+            <a:r>
+              <a:rPr lang="ja-JP" altLang="en-US" sz="1100" dirty="0">
                 <a:solidFill>
                   <a:schemeClr val="tx1"/>
                 </a:solidFill>
                 <a:latin typeface="+mn-ea"/>
               </a:rPr>
-              <a:t>ファイルをアップロードできます。</a:t>
-            </a:r>
-            <a:endParaRPr lang="en-US" altLang="ja-JP" sz="1100">
+              <a:t>を</a:t>
+            </a:r>
+            <a:r>
+              <a:rPr lang="ja-JP" altLang="en-US" sz="1100" dirty="0" smtClean="0">
+                <a:solidFill>
+                  <a:schemeClr val="tx1"/>
+                </a:solidFill>
+                <a:latin typeface="+mn-ea"/>
+              </a:rPr>
+              <a:t>実行します。</a:t>
+            </a:r>
+            <a:endParaRPr lang="en-US" altLang="ja-JP" sz="1100" dirty="0">
               <a:solidFill>
                 <a:schemeClr val="tx1"/>
               </a:solidFill>
@@ -15768,6 +15352,42 @@
           </a:p>
         </p:txBody>
       </p:sp>
+      <p:pic>
+        <p:nvPicPr>
+          <p:cNvPr id="17" name="図 16" descr="C:\Users\113414A009FT8\Desktop\20160220131903.png"/>
+          <p:cNvPicPr/>
+          <p:nvPr/>
+        </p:nvPicPr>
+        <p:blipFill rotWithShape="1">
+          <a:blip r:embed="rId5" cstate="print">
+            <a:extLst>
+              <a:ext uri="{28A0092B-C50C-407E-A947-70E740481C1C}">
+                <a14:useLocalDpi xmlns:a14="http://schemas.microsoft.com/office/drawing/2010/main" val="0"/>
+              </a:ext>
+            </a:extLst>
+          </a:blip>
+          <a:srcRect/>
+          <a:stretch/>
+        </p:blipFill>
+        <p:spPr bwMode="auto">
+          <a:xfrm>
+            <a:off x="1" y="4564865"/>
+            <a:ext cx="8963512" cy="341672"/>
+          </a:xfrm>
+          <a:prstGeom prst="rect">
+            <a:avLst/>
+          </a:prstGeom>
+          <a:noFill/>
+          <a:ln>
+            <a:noFill/>
+          </a:ln>
+          <a:extLst>
+            <a:ext uri="{53640926-AAD7-44D8-BBD7-CCE9431645EC}">
+              <a14:shadowObscured xmlns:a14="http://schemas.microsoft.com/office/drawing/2010/main"/>
+            </a:ext>
+          </a:extLst>
+        </p:spPr>
+      </p:pic>
     </p:spTree>
     <p:extLst>
       <p:ext uri="{BB962C8B-B14F-4D97-AF65-F5344CB8AC3E}">
@@ -15821,22 +15441,22 @@
           <a:lstStyle/>
           <a:p>
             <a:r>
-              <a:rPr lang="en-US" altLang="ja-JP" smtClean="0"/>
+              <a:rPr lang="en-US" altLang="ja-JP" dirty="0" smtClean="0"/>
               <a:t>2.7 </a:t>
             </a:r>
             <a:r>
-              <a:rPr lang="ja-JP" altLang="en-US"/>
+              <a:rPr lang="ja-JP" altLang="en-US" dirty="0"/>
               <a:t>各メニューの説明</a:t>
             </a:r>
             <a:r>
-              <a:rPr lang="en-US" altLang="ja-JP" smtClean="0"/>
+              <a:rPr lang="en-US" altLang="ja-JP" dirty="0" smtClean="0"/>
               <a:t>(3/6</a:t>
             </a:r>
             <a:r>
-              <a:rPr lang="en-US" altLang="ja-JP"/>
+              <a:rPr lang="en-US" altLang="ja-JP" dirty="0"/>
               <a:t>)</a:t>
             </a:r>
-            <a:endParaRPr kumimoji="1" lang="ja-JP" altLang="en-US"/>
+            <a:endParaRPr kumimoji="1" lang="ja-JP" altLang="en-US" dirty="0"/>
           </a:p>
         </p:txBody>
       </p:sp>
@@ -15856,81 +15476,82 @@
           <a:lstStyle/>
           <a:p>
             <a:r>
-              <a:rPr lang="ja-JP" altLang="en-US" b="1"/>
+              <a:rPr lang="ja-JP" altLang="en-US" b="1" dirty="0"/>
               <a:t>エクスポート</a:t>
             </a:r>
             <a:r>
-              <a:rPr lang="en-US" altLang="ja-JP" b="1"/>
+              <a:rPr lang="en-US" altLang="ja-JP" b="1" dirty="0"/>
               <a:t>/</a:t>
             </a:r>
             <a:r>
-              <a:rPr lang="ja-JP" altLang="en-US" b="1" smtClean="0"/>
+              <a:rPr lang="ja-JP" altLang="en-US" b="1" dirty="0" smtClean="0"/>
               <a:t>インポート管理</a:t>
             </a:r>
-            <a:endParaRPr lang="en-US" altLang="ja-JP" b="1"/>
+            <a:endParaRPr lang="en-US" altLang="ja-JP" b="1" dirty="0"/>
           </a:p>
           <a:p>
             <a:pPr marL="180000" lvl="1" indent="0">
               <a:buNone/>
             </a:pPr>
             <a:r>
-              <a:rPr lang="ja-JP" altLang="en-US" smtClean="0"/>
+              <a:rPr lang="ja-JP" altLang="en-US" dirty="0" smtClean="0"/>
               <a:t>実行したエクスポート</a:t>
             </a:r>
             <a:r>
-              <a:rPr lang="en-US" altLang="ja-JP" smtClean="0"/>
+              <a:rPr lang="en-US" altLang="ja-JP" dirty="0" smtClean="0"/>
               <a:t>/</a:t>
             </a:r>
             <a:r>
-              <a:rPr lang="ja-JP" altLang="en-US" smtClean="0"/>
+              <a:rPr lang="ja-JP" altLang="en-US" dirty="0" smtClean="0"/>
               <a:t>インポートの情報を確認できます。</a:t>
             </a:r>
             <a:r>
-              <a:rPr lang="en-US" altLang="ja-JP" smtClean="0"/>
+              <a:rPr lang="en-US" altLang="ja-JP" dirty="0" smtClean="0"/>
               <a:t/>
             </a:r>
             <a:br>
-              <a:rPr lang="en-US" altLang="ja-JP" smtClean="0"/>
+              <a:rPr lang="en-US" altLang="ja-JP" dirty="0" smtClean="0"/>
             </a:br>
             <a:r>
-              <a:rPr lang="ja-JP" altLang="en-US" smtClean="0"/>
+              <a:rPr lang="ja-JP" altLang="en-US" dirty="0" smtClean="0"/>
               <a:t>作業の進行ステータスの確認や、移行データのダウンロードができます。</a:t>
             </a:r>
             <a:r>
-              <a:rPr lang="en-US" altLang="ja-JP" smtClean="0"/>
+              <a:rPr lang="en-US" altLang="ja-JP" dirty="0" smtClean="0"/>
               <a:t/>
             </a:r>
             <a:br>
-              <a:rPr lang="en-US" altLang="ja-JP" smtClean="0"/>
+              <a:rPr lang="en-US" altLang="ja-JP" dirty="0" smtClean="0"/>
             </a:br>
-            <a:endParaRPr lang="en-US" altLang="ja-JP" sz="2000" b="1" smtClean="0"/>
+            <a:r>
+              <a:rPr lang="en-US" altLang="ja-JP" dirty="0" smtClean="0"/>
+              <a:t/>
+            </a:r>
+            <a:br>
+              <a:rPr lang="en-US" altLang="ja-JP" dirty="0" smtClean="0"/>
+            </a:br>
+            <a:endParaRPr lang="en-US" altLang="ja-JP" sz="2000" b="1" dirty="0" smtClean="0"/>
           </a:p>
         </p:txBody>
       </p:sp>
       <p:pic>
         <p:nvPicPr>
-          <p:cNvPr id="5" name="図 4"/>
+          <p:cNvPr id="9" name="図 8"/>
           <p:cNvPicPr>
             <a:picLocks noChangeAspect="1"/>
           </p:cNvPicPr>
           <p:nvPr/>
         </p:nvPicPr>
         <p:blipFill>
-          <a:blip r:embed="rId3">
-            <a:extLst>
-              <a:ext uri="{28A0092B-C50C-407E-A947-70E740481C1C}">
-                <a14:useLocalDpi xmlns:a14="http://schemas.microsoft.com/office/drawing/2010/main" val="0"/>
-              </a:ext>
-            </a:extLst>
-          </a:blip>
+          <a:blip r:embed="rId3"/>
           <a:stretch>
             <a:fillRect/>
           </a:stretch>
         </p:blipFill>
         <p:spPr>
           <a:xfrm>
-            <a:off x="179512" y="2310306"/>
-            <a:ext cx="7200878" cy="4050494"/>
+            <a:off x="395420" y="2060810"/>
+            <a:ext cx="8065120" cy="4373098"/>
           </a:xfrm>
           <a:prstGeom prst="rect">
             <a:avLst/>
@@ -15939,424 +15560,21 @@
       </p:pic>
       <p:sp>
         <p:nvSpPr>
-          <p:cNvPr id="6" name="正方形/長方形 5"/>
+          <p:cNvPr id="16" name="線吹き出し 1 (枠付き) 15"/>
           <p:cNvSpPr/>
           <p:nvPr/>
         </p:nvSpPr>
         <p:spPr bwMode="auto">
           <a:xfrm>
-            <a:off x="1675092" y="4725180"/>
-            <a:ext cx="419354" cy="661390"/>
-          </a:xfrm>
-          <a:prstGeom prst="rect">
-            <a:avLst/>
-          </a:prstGeom>
-          <a:noFill/>
-          <a:ln w="9525">
-            <a:solidFill>
-              <a:srgbClr val="FF0000"/>
-            </a:solidFill>
-          </a:ln>
-          <a:effectLst/>
-          <a:extLst/>
-        </p:spPr>
-        <p:txBody>
-          <a:bodyPr rot="0" spcFirstLastPara="0" vert="horz" wrap="none" lIns="72000" tIns="72000" rIns="72000" bIns="72000" numCol="1" spcCol="0" rtlCol="0" fromWordArt="0" anchor="ctr" anchorCtr="0" forceAA="0" compatLnSpc="1">
-            <a:prstTxWarp prst="textNoShape">
-              <a:avLst/>
-            </a:prstTxWarp>
-            <a:noAutofit/>
-          </a:bodyPr>
-          <a:lstStyle>
-            <a:defPPr>
-              <a:defRPr lang="ja-JP"/>
-            </a:defPPr>
-            <a:lvl1pPr marL="0" algn="l" defTabSz="914400" rtl="0" eaLnBrk="1" latinLnBrk="0" hangingPunct="1">
-              <a:defRPr kumimoji="1" sz="1800" kern="1200">
-                <a:solidFill>
-                  <a:schemeClr val="tx1"/>
-                </a:solidFill>
-                <a:latin typeface="+mn-lt"/>
-                <a:ea typeface="+mn-ea"/>
-                <a:cs typeface="+mn-cs"/>
-              </a:defRPr>
-            </a:lvl1pPr>
-            <a:lvl2pPr marL="457200" algn="l" defTabSz="914400" rtl="0" eaLnBrk="1" latinLnBrk="0" hangingPunct="1">
-              <a:defRPr kumimoji="1" sz="1800" kern="1200">
-                <a:solidFill>
-                  <a:schemeClr val="tx1"/>
-                </a:solidFill>
-                <a:latin typeface="+mn-lt"/>
-                <a:ea typeface="+mn-ea"/>
-                <a:cs typeface="+mn-cs"/>
-              </a:defRPr>
-            </a:lvl2pPr>
-            <a:lvl3pPr marL="914400" algn="l" defTabSz="914400" rtl="0" eaLnBrk="1" latinLnBrk="0" hangingPunct="1">
-              <a:defRPr kumimoji="1" sz="1800" kern="1200">
-                <a:solidFill>
-                  <a:schemeClr val="tx1"/>
-                </a:solidFill>
-                <a:latin typeface="+mn-lt"/>
-                <a:ea typeface="+mn-ea"/>
-                <a:cs typeface="+mn-cs"/>
-              </a:defRPr>
-            </a:lvl3pPr>
-            <a:lvl4pPr marL="1371600" algn="l" defTabSz="914400" rtl="0" eaLnBrk="1" latinLnBrk="0" hangingPunct="1">
-              <a:defRPr kumimoji="1" sz="1800" kern="1200">
-                <a:solidFill>
-                  <a:schemeClr val="tx1"/>
-                </a:solidFill>
-                <a:latin typeface="+mn-lt"/>
-                <a:ea typeface="+mn-ea"/>
-                <a:cs typeface="+mn-cs"/>
-              </a:defRPr>
-            </a:lvl4pPr>
-            <a:lvl5pPr marL="1828800" algn="l" defTabSz="914400" rtl="0" eaLnBrk="1" latinLnBrk="0" hangingPunct="1">
-              <a:defRPr kumimoji="1" sz="1800" kern="1200">
-                <a:solidFill>
-                  <a:schemeClr val="tx1"/>
-                </a:solidFill>
-                <a:latin typeface="+mn-lt"/>
-                <a:ea typeface="+mn-ea"/>
-                <a:cs typeface="+mn-cs"/>
-              </a:defRPr>
-            </a:lvl5pPr>
-            <a:lvl6pPr marL="2286000" algn="l" defTabSz="914400" rtl="0" eaLnBrk="1" latinLnBrk="0" hangingPunct="1">
-              <a:defRPr kumimoji="1" sz="1800" kern="1200">
-                <a:solidFill>
-                  <a:schemeClr val="tx1"/>
-                </a:solidFill>
-                <a:latin typeface="+mn-lt"/>
-                <a:ea typeface="+mn-ea"/>
-                <a:cs typeface="+mn-cs"/>
-              </a:defRPr>
-            </a:lvl6pPr>
-            <a:lvl7pPr marL="2743200" algn="l" defTabSz="914400" rtl="0" eaLnBrk="1" latinLnBrk="0" hangingPunct="1">
-              <a:defRPr kumimoji="1" sz="1800" kern="1200">
-                <a:solidFill>
-                  <a:schemeClr val="tx1"/>
-                </a:solidFill>
-                <a:latin typeface="+mn-lt"/>
-                <a:ea typeface="+mn-ea"/>
-                <a:cs typeface="+mn-cs"/>
-              </a:defRPr>
-            </a:lvl7pPr>
-            <a:lvl8pPr marL="3200400" algn="l" defTabSz="914400" rtl="0" eaLnBrk="1" latinLnBrk="0" hangingPunct="1">
-              <a:defRPr kumimoji="1" sz="1800" kern="1200">
-                <a:solidFill>
-                  <a:schemeClr val="tx1"/>
-                </a:solidFill>
-                <a:latin typeface="+mn-lt"/>
-                <a:ea typeface="+mn-ea"/>
-                <a:cs typeface="+mn-cs"/>
-              </a:defRPr>
-            </a:lvl8pPr>
-            <a:lvl9pPr marL="3657600" algn="l" defTabSz="914400" rtl="0" eaLnBrk="1" latinLnBrk="0" hangingPunct="1">
-              <a:defRPr kumimoji="1" sz="1800" kern="1200">
-                <a:solidFill>
-                  <a:schemeClr val="tx1"/>
-                </a:solidFill>
-                <a:latin typeface="+mn-lt"/>
-                <a:ea typeface="+mn-ea"/>
-                <a:cs typeface="+mn-cs"/>
-              </a:defRPr>
-            </a:lvl9pPr>
-          </a:lstStyle>
-          <a:p>
-            <a:pPr algn="ctr"/>
-            <a:endParaRPr kumimoji="1" lang="ja-JP" altLang="en-US" b="1" dirty="0" smtClean="0">
-              <a:latin typeface="+mn-ea"/>
-            </a:endParaRPr>
-          </a:p>
-        </p:txBody>
-      </p:sp>
-      <p:sp>
-        <p:nvSpPr>
-          <p:cNvPr id="7" name="正方形/長方形 6"/>
-          <p:cNvSpPr/>
-          <p:nvPr/>
-        </p:nvSpPr>
-        <p:spPr bwMode="auto">
-          <a:xfrm>
-            <a:off x="3059790" y="4725180"/>
-            <a:ext cx="1224170" cy="661390"/>
-          </a:xfrm>
-          <a:prstGeom prst="rect">
-            <a:avLst/>
-          </a:prstGeom>
-          <a:noFill/>
-          <a:ln w="9525">
-            <a:solidFill>
-              <a:srgbClr val="FF0000"/>
-            </a:solidFill>
-          </a:ln>
-          <a:effectLst/>
-          <a:extLst/>
-        </p:spPr>
-        <p:txBody>
-          <a:bodyPr rot="0" spcFirstLastPara="0" vert="horz" wrap="none" lIns="72000" tIns="72000" rIns="72000" bIns="72000" numCol="1" spcCol="0" rtlCol="0" fromWordArt="0" anchor="ctr" anchorCtr="0" forceAA="0" compatLnSpc="1">
-            <a:prstTxWarp prst="textNoShape">
-              <a:avLst/>
-            </a:prstTxWarp>
-            <a:noAutofit/>
-          </a:bodyPr>
-          <a:lstStyle>
-            <a:defPPr>
-              <a:defRPr lang="ja-JP"/>
-            </a:defPPr>
-            <a:lvl1pPr marL="0" algn="l" defTabSz="914400" rtl="0" eaLnBrk="1" latinLnBrk="0" hangingPunct="1">
-              <a:defRPr kumimoji="1" sz="1800" kern="1200">
-                <a:solidFill>
-                  <a:schemeClr val="tx1"/>
-                </a:solidFill>
-                <a:latin typeface="+mn-lt"/>
-                <a:ea typeface="+mn-ea"/>
-                <a:cs typeface="+mn-cs"/>
-              </a:defRPr>
-            </a:lvl1pPr>
-            <a:lvl2pPr marL="457200" algn="l" defTabSz="914400" rtl="0" eaLnBrk="1" latinLnBrk="0" hangingPunct="1">
-              <a:defRPr kumimoji="1" sz="1800" kern="1200">
-                <a:solidFill>
-                  <a:schemeClr val="tx1"/>
-                </a:solidFill>
-                <a:latin typeface="+mn-lt"/>
-                <a:ea typeface="+mn-ea"/>
-                <a:cs typeface="+mn-cs"/>
-              </a:defRPr>
-            </a:lvl2pPr>
-            <a:lvl3pPr marL="914400" algn="l" defTabSz="914400" rtl="0" eaLnBrk="1" latinLnBrk="0" hangingPunct="1">
-              <a:defRPr kumimoji="1" sz="1800" kern="1200">
-                <a:solidFill>
-                  <a:schemeClr val="tx1"/>
-                </a:solidFill>
-                <a:latin typeface="+mn-lt"/>
-                <a:ea typeface="+mn-ea"/>
-                <a:cs typeface="+mn-cs"/>
-              </a:defRPr>
-            </a:lvl3pPr>
-            <a:lvl4pPr marL="1371600" algn="l" defTabSz="914400" rtl="0" eaLnBrk="1" latinLnBrk="0" hangingPunct="1">
-              <a:defRPr kumimoji="1" sz="1800" kern="1200">
-                <a:solidFill>
-                  <a:schemeClr val="tx1"/>
-                </a:solidFill>
-                <a:latin typeface="+mn-lt"/>
-                <a:ea typeface="+mn-ea"/>
-                <a:cs typeface="+mn-cs"/>
-              </a:defRPr>
-            </a:lvl4pPr>
-            <a:lvl5pPr marL="1828800" algn="l" defTabSz="914400" rtl="0" eaLnBrk="1" latinLnBrk="0" hangingPunct="1">
-              <a:defRPr kumimoji="1" sz="1800" kern="1200">
-                <a:solidFill>
-                  <a:schemeClr val="tx1"/>
-                </a:solidFill>
-                <a:latin typeface="+mn-lt"/>
-                <a:ea typeface="+mn-ea"/>
-                <a:cs typeface="+mn-cs"/>
-              </a:defRPr>
-            </a:lvl5pPr>
-            <a:lvl6pPr marL="2286000" algn="l" defTabSz="914400" rtl="0" eaLnBrk="1" latinLnBrk="0" hangingPunct="1">
-              <a:defRPr kumimoji="1" sz="1800" kern="1200">
-                <a:solidFill>
-                  <a:schemeClr val="tx1"/>
-                </a:solidFill>
-                <a:latin typeface="+mn-lt"/>
-                <a:ea typeface="+mn-ea"/>
-                <a:cs typeface="+mn-cs"/>
-              </a:defRPr>
-            </a:lvl6pPr>
-            <a:lvl7pPr marL="2743200" algn="l" defTabSz="914400" rtl="0" eaLnBrk="1" latinLnBrk="0" hangingPunct="1">
-              <a:defRPr kumimoji="1" sz="1800" kern="1200">
-                <a:solidFill>
-                  <a:schemeClr val="tx1"/>
-                </a:solidFill>
-                <a:latin typeface="+mn-lt"/>
-                <a:ea typeface="+mn-ea"/>
-                <a:cs typeface="+mn-cs"/>
-              </a:defRPr>
-            </a:lvl7pPr>
-            <a:lvl8pPr marL="3200400" algn="l" defTabSz="914400" rtl="0" eaLnBrk="1" latinLnBrk="0" hangingPunct="1">
-              <a:defRPr kumimoji="1" sz="1800" kern="1200">
-                <a:solidFill>
-                  <a:schemeClr val="tx1"/>
-                </a:solidFill>
-                <a:latin typeface="+mn-lt"/>
-                <a:ea typeface="+mn-ea"/>
-                <a:cs typeface="+mn-cs"/>
-              </a:defRPr>
-            </a:lvl8pPr>
-            <a:lvl9pPr marL="3657600" algn="l" defTabSz="914400" rtl="0" eaLnBrk="1" latinLnBrk="0" hangingPunct="1">
-              <a:defRPr kumimoji="1" sz="1800" kern="1200">
-                <a:solidFill>
-                  <a:schemeClr val="tx1"/>
-                </a:solidFill>
-                <a:latin typeface="+mn-lt"/>
-                <a:ea typeface="+mn-ea"/>
-                <a:cs typeface="+mn-cs"/>
-              </a:defRPr>
-            </a:lvl9pPr>
-          </a:lstStyle>
-          <a:p>
-            <a:pPr algn="ctr"/>
-            <a:endParaRPr kumimoji="1" lang="ja-JP" altLang="en-US" b="1" dirty="0" smtClean="0">
-              <a:latin typeface="+mn-ea"/>
-            </a:endParaRPr>
-          </a:p>
-        </p:txBody>
-      </p:sp>
-      <p:sp>
-        <p:nvSpPr>
-          <p:cNvPr id="12" name="線吹き出し 1 (枠付き) 11"/>
-          <p:cNvSpPr/>
-          <p:nvPr/>
-        </p:nvSpPr>
-        <p:spPr bwMode="auto">
-          <a:xfrm>
-            <a:off x="4355970" y="5221446"/>
-            <a:ext cx="2667213" cy="504070"/>
-          </a:xfrm>
-          <a:prstGeom prst="borderCallout1">
-            <a:avLst>
-              <a:gd name="adj1" fmla="val 42937"/>
-              <a:gd name="adj2" fmla="val 289"/>
-              <a:gd name="adj3" fmla="val 18775"/>
-              <a:gd name="adj4" fmla="val -6907"/>
-            </a:avLst>
-          </a:prstGeom>
-          <a:ln>
-            <a:headEnd type="oval" w="med" len="med"/>
-            <a:tailEnd type="oval" w="med" len="med"/>
-          </a:ln>
-          <a:extLst/>
-        </p:spPr>
-        <p:style>
-          <a:lnRef idx="2">
-            <a:schemeClr val="accent6"/>
-          </a:lnRef>
-          <a:fillRef idx="1">
-            <a:schemeClr val="lt1"/>
-          </a:fillRef>
-          <a:effectRef idx="0">
-            <a:schemeClr val="accent6"/>
-          </a:effectRef>
-          <a:fontRef idx="minor">
-            <a:schemeClr val="dk1"/>
-          </a:fontRef>
-        </p:style>
-        <p:txBody>
-          <a:bodyPr rot="0" spcFirstLastPara="0" vertOverflow="overflow" horzOverflow="overflow" vert="horz" wrap="none" lIns="72000" tIns="72000" rIns="72000" bIns="72000" numCol="1" spcCol="0" rtlCol="0" fromWordArt="0" anchor="ctr" anchorCtr="0" forceAA="0" compatLnSpc="1">
-            <a:prstTxWarp prst="textNoShape">
-              <a:avLst/>
-            </a:prstTxWarp>
-            <a:noAutofit/>
-          </a:bodyPr>
-          <a:lstStyle/>
-          <a:p>
-            <a:r>
-              <a:rPr lang="ja-JP" altLang="en-US" sz="1100">
-                <a:solidFill>
-                  <a:schemeClr val="tx1"/>
-                </a:solidFill>
-                <a:latin typeface="+mn-ea"/>
-              </a:rPr>
-              <a:t>エクスポート</a:t>
-            </a:r>
-            <a:r>
-              <a:rPr lang="en-US" altLang="ja-JP" sz="1100">
-                <a:solidFill>
-                  <a:schemeClr val="tx1"/>
-                </a:solidFill>
-                <a:latin typeface="+mn-ea"/>
-              </a:rPr>
-              <a:t>/</a:t>
-            </a:r>
-            <a:r>
-              <a:rPr lang="ja-JP" altLang="en-US" sz="1100">
-                <a:solidFill>
-                  <a:schemeClr val="tx1"/>
-                </a:solidFill>
-                <a:latin typeface="+mn-ea"/>
-              </a:rPr>
-              <a:t>インポートした</a:t>
-            </a:r>
-            <a:r>
-              <a:rPr lang="en-US" altLang="ja-JP" sz="1100">
-                <a:solidFill>
-                  <a:schemeClr val="tx1"/>
-                </a:solidFill>
-                <a:latin typeface="+mn-ea"/>
-              </a:rPr>
-              <a:t/>
-            </a:r>
-            <a:br>
-              <a:rPr lang="en-US" altLang="ja-JP" sz="1100">
-                <a:solidFill>
-                  <a:schemeClr val="tx1"/>
-                </a:solidFill>
-                <a:latin typeface="+mn-ea"/>
-              </a:rPr>
-            </a:br>
-            <a:r>
-              <a:rPr lang="ja-JP" altLang="en-US" sz="1100">
-                <a:solidFill>
-                  <a:schemeClr val="tx1"/>
-                </a:solidFill>
-                <a:latin typeface="+mn-ea"/>
-              </a:rPr>
-              <a:t>ファイルを確認</a:t>
-            </a:r>
-            <a:r>
-              <a:rPr lang="en-US" altLang="ja-JP" sz="1100">
-                <a:solidFill>
-                  <a:schemeClr val="tx1"/>
-                </a:solidFill>
-                <a:latin typeface="+mn-ea"/>
-              </a:rPr>
-              <a:t>/</a:t>
-            </a:r>
-            <a:r>
-              <a:rPr lang="ja-JP" altLang="en-US" sz="1100">
-                <a:solidFill>
-                  <a:schemeClr val="tx1"/>
-                </a:solidFill>
-                <a:latin typeface="+mn-ea"/>
-              </a:rPr>
-              <a:t>ダウンロードできます</a:t>
-            </a:r>
-            <a:r>
-              <a:rPr lang="ja-JP" altLang="en-US" sz="1100" smtClean="0">
-                <a:solidFill>
-                  <a:schemeClr val="tx1"/>
-                </a:solidFill>
-                <a:latin typeface="+mn-ea"/>
-              </a:rPr>
-              <a:t>。</a:t>
-            </a:r>
-            <a:endParaRPr lang="en-US" altLang="ja-JP" sz="1100">
-              <a:solidFill>
-                <a:schemeClr val="tx1"/>
-              </a:solidFill>
-              <a:latin typeface="+mn-ea"/>
-            </a:endParaRPr>
-          </a:p>
-        </p:txBody>
-      </p:sp>
-      <p:sp>
-        <p:nvSpPr>
-          <p:cNvPr id="14" name="線吹き出し 1 (枠付き) 13"/>
-          <p:cNvSpPr/>
-          <p:nvPr/>
-        </p:nvSpPr>
-        <p:spPr bwMode="auto">
-          <a:xfrm>
-            <a:off x="2111206" y="4094354"/>
+            <a:off x="2070861" y="4149100"/>
             <a:ext cx="3384470" cy="504070"/>
           </a:xfrm>
           <a:prstGeom prst="borderCallout1">
             <a:avLst>
               <a:gd name="adj1" fmla="val 42937"/>
               <a:gd name="adj2" fmla="val 289"/>
-              <a:gd name="adj3" fmla="val 138199"/>
-              <a:gd name="adj4" fmla="val -2933"/>
+              <a:gd name="adj3" fmla="val 129457"/>
+              <a:gd name="adj4" fmla="val -6514"/>
             </a:avLst>
           </a:prstGeom>
           <a:ln>
@@ -16392,7 +15610,7 @@
               <a:defRPr/>
             </a:pPr>
             <a:r>
-              <a:rPr lang="ja-JP" altLang="en-US" sz="1100">
+              <a:rPr lang="ja-JP" altLang="en-US" sz="1100" dirty="0">
                 <a:solidFill>
                   <a:schemeClr val="tx1"/>
                 </a:solidFill>
@@ -16401,7 +15619,7 @@
               <a:t>作業ステータスを確認できます。</a:t>
             </a:r>
             <a:r>
-              <a:rPr lang="en-US" altLang="ja-JP" sz="1100">
+              <a:rPr lang="en-US" altLang="ja-JP" sz="1100" dirty="0">
                 <a:solidFill>
                   <a:schemeClr val="tx1"/>
                 </a:solidFill>
@@ -16410,7 +15628,7 @@
               <a:t/>
             </a:r>
             <a:br>
-              <a:rPr lang="en-US" altLang="ja-JP" sz="1100">
+              <a:rPr lang="en-US" altLang="ja-JP" sz="1100" dirty="0">
                 <a:solidFill>
                   <a:schemeClr val="tx1"/>
                 </a:solidFill>
@@ -16418,7 +15636,7 @@
               </a:rPr>
             </a:br>
             <a:r>
-              <a:rPr lang="ja-JP" altLang="en-US" sz="1100">
+              <a:rPr lang="ja-JP" altLang="en-US" sz="1100" dirty="0">
                 <a:solidFill>
                   <a:schemeClr val="tx1"/>
                 </a:solidFill>
@@ -16426,7 +15644,7 @@
               </a:rPr>
               <a:t>「未実行」「実行中」「完了」の順に遷移します。</a:t>
             </a:r>
-            <a:endParaRPr lang="en-US" altLang="ja-JP" sz="1100">
+            <a:endParaRPr lang="en-US" altLang="ja-JP" sz="1100" dirty="0">
               <a:solidFill>
                 <a:schemeClr val="tx1"/>
               </a:solidFill>
@@ -16435,6 +15653,843 @@
           </a:p>
         </p:txBody>
       </p:sp>
+      <p:sp>
+        <p:nvSpPr>
+          <p:cNvPr id="25" name="正方形/長方形 24"/>
+          <p:cNvSpPr/>
+          <p:nvPr/>
+        </p:nvSpPr>
+        <p:spPr bwMode="auto">
+          <a:xfrm>
+            <a:off x="1763610" y="4923742"/>
+            <a:ext cx="397103" cy="665558"/>
+          </a:xfrm>
+          <a:prstGeom prst="rect">
+            <a:avLst/>
+          </a:prstGeom>
+          <a:noFill/>
+          <a:ln w="28575">
+            <a:solidFill>
+              <a:srgbClr val="FF0000"/>
+            </a:solidFill>
+          </a:ln>
+          <a:effectLst/>
+          <a:extLst/>
+        </p:spPr>
+        <p:txBody>
+          <a:bodyPr rot="0" spcFirstLastPara="0" vert="horz" wrap="none" lIns="72000" tIns="72000" rIns="72000" bIns="72000" numCol="1" spcCol="0" rtlCol="0" fromWordArt="0" anchor="ctr" anchorCtr="0" forceAA="0" compatLnSpc="1">
+            <a:prstTxWarp prst="textNoShape">
+              <a:avLst/>
+            </a:prstTxWarp>
+            <a:noAutofit/>
+          </a:bodyPr>
+          <a:lstStyle>
+            <a:defPPr>
+              <a:defRPr lang="ja-JP"/>
+            </a:defPPr>
+            <a:lvl1pPr marL="0" algn="l" defTabSz="914400" rtl="0" eaLnBrk="1" latinLnBrk="0" hangingPunct="1">
+              <a:defRPr kumimoji="1" sz="1800" kern="1200">
+                <a:solidFill>
+                  <a:schemeClr val="tx1"/>
+                </a:solidFill>
+                <a:latin typeface="+mn-lt"/>
+                <a:ea typeface="+mn-ea"/>
+                <a:cs typeface="+mn-cs"/>
+              </a:defRPr>
+            </a:lvl1pPr>
+            <a:lvl2pPr marL="457200" algn="l" defTabSz="914400" rtl="0" eaLnBrk="1" latinLnBrk="0" hangingPunct="1">
+              <a:defRPr kumimoji="1" sz="1800" kern="1200">
+                <a:solidFill>
+                  <a:schemeClr val="tx1"/>
+                </a:solidFill>
+                <a:latin typeface="+mn-lt"/>
+                <a:ea typeface="+mn-ea"/>
+                <a:cs typeface="+mn-cs"/>
+              </a:defRPr>
+            </a:lvl2pPr>
+            <a:lvl3pPr marL="914400" algn="l" defTabSz="914400" rtl="0" eaLnBrk="1" latinLnBrk="0" hangingPunct="1">
+              <a:defRPr kumimoji="1" sz="1800" kern="1200">
+                <a:solidFill>
+                  <a:schemeClr val="tx1"/>
+                </a:solidFill>
+                <a:latin typeface="+mn-lt"/>
+                <a:ea typeface="+mn-ea"/>
+                <a:cs typeface="+mn-cs"/>
+              </a:defRPr>
+            </a:lvl3pPr>
+            <a:lvl4pPr marL="1371600" algn="l" defTabSz="914400" rtl="0" eaLnBrk="1" latinLnBrk="0" hangingPunct="1">
+              <a:defRPr kumimoji="1" sz="1800" kern="1200">
+                <a:solidFill>
+                  <a:schemeClr val="tx1"/>
+                </a:solidFill>
+                <a:latin typeface="+mn-lt"/>
+                <a:ea typeface="+mn-ea"/>
+                <a:cs typeface="+mn-cs"/>
+              </a:defRPr>
+            </a:lvl4pPr>
+            <a:lvl5pPr marL="1828800" algn="l" defTabSz="914400" rtl="0" eaLnBrk="1" latinLnBrk="0" hangingPunct="1">
+              <a:defRPr kumimoji="1" sz="1800" kern="1200">
+                <a:solidFill>
+                  <a:schemeClr val="tx1"/>
+                </a:solidFill>
+                <a:latin typeface="+mn-lt"/>
+                <a:ea typeface="+mn-ea"/>
+                <a:cs typeface="+mn-cs"/>
+              </a:defRPr>
+            </a:lvl5pPr>
+            <a:lvl6pPr marL="2286000" algn="l" defTabSz="914400" rtl="0" eaLnBrk="1" latinLnBrk="0" hangingPunct="1">
+              <a:defRPr kumimoji="1" sz="1800" kern="1200">
+                <a:solidFill>
+                  <a:schemeClr val="tx1"/>
+                </a:solidFill>
+                <a:latin typeface="+mn-lt"/>
+                <a:ea typeface="+mn-ea"/>
+                <a:cs typeface="+mn-cs"/>
+              </a:defRPr>
+            </a:lvl6pPr>
+            <a:lvl7pPr marL="2743200" algn="l" defTabSz="914400" rtl="0" eaLnBrk="1" latinLnBrk="0" hangingPunct="1">
+              <a:defRPr kumimoji="1" sz="1800" kern="1200">
+                <a:solidFill>
+                  <a:schemeClr val="tx1"/>
+                </a:solidFill>
+                <a:latin typeface="+mn-lt"/>
+                <a:ea typeface="+mn-ea"/>
+                <a:cs typeface="+mn-cs"/>
+              </a:defRPr>
+            </a:lvl7pPr>
+            <a:lvl8pPr marL="3200400" algn="l" defTabSz="914400" rtl="0" eaLnBrk="1" latinLnBrk="0" hangingPunct="1">
+              <a:defRPr kumimoji="1" sz="1800" kern="1200">
+                <a:solidFill>
+                  <a:schemeClr val="tx1"/>
+                </a:solidFill>
+                <a:latin typeface="+mn-lt"/>
+                <a:ea typeface="+mn-ea"/>
+                <a:cs typeface="+mn-cs"/>
+              </a:defRPr>
+            </a:lvl8pPr>
+            <a:lvl9pPr marL="3657600" algn="l" defTabSz="914400" rtl="0" eaLnBrk="1" latinLnBrk="0" hangingPunct="1">
+              <a:defRPr kumimoji="1" sz="1800" kern="1200">
+                <a:solidFill>
+                  <a:schemeClr val="tx1"/>
+                </a:solidFill>
+                <a:latin typeface="+mn-lt"/>
+                <a:ea typeface="+mn-ea"/>
+                <a:cs typeface="+mn-cs"/>
+              </a:defRPr>
+            </a:lvl9pPr>
+          </a:lstStyle>
+          <a:p>
+            <a:pPr algn="ctr"/>
+            <a:endParaRPr kumimoji="1" lang="ja-JP" altLang="en-US" b="1" dirty="0" smtClean="0">
+              <a:latin typeface="+mn-ea"/>
+            </a:endParaRPr>
+          </a:p>
+        </p:txBody>
+      </p:sp>
+      <p:sp>
+        <p:nvSpPr>
+          <p:cNvPr id="26" name="正方形/長方形 25"/>
+          <p:cNvSpPr/>
+          <p:nvPr/>
+        </p:nvSpPr>
+        <p:spPr bwMode="auto">
+          <a:xfrm>
+            <a:off x="2387724" y="4921806"/>
+            <a:ext cx="397103" cy="665558"/>
+          </a:xfrm>
+          <a:prstGeom prst="rect">
+            <a:avLst/>
+          </a:prstGeom>
+          <a:noFill/>
+          <a:ln w="28575">
+            <a:solidFill>
+              <a:srgbClr val="FF0000"/>
+            </a:solidFill>
+          </a:ln>
+          <a:effectLst/>
+          <a:extLst/>
+        </p:spPr>
+        <p:txBody>
+          <a:bodyPr rot="0" spcFirstLastPara="0" vert="horz" wrap="none" lIns="72000" tIns="72000" rIns="72000" bIns="72000" numCol="1" spcCol="0" rtlCol="0" fromWordArt="0" anchor="ctr" anchorCtr="0" forceAA="0" compatLnSpc="1">
+            <a:prstTxWarp prst="textNoShape">
+              <a:avLst/>
+            </a:prstTxWarp>
+            <a:noAutofit/>
+          </a:bodyPr>
+          <a:lstStyle>
+            <a:defPPr>
+              <a:defRPr lang="ja-JP"/>
+            </a:defPPr>
+            <a:lvl1pPr marL="0" algn="l" defTabSz="914400" rtl="0" eaLnBrk="1" latinLnBrk="0" hangingPunct="1">
+              <a:defRPr kumimoji="1" sz="1800" kern="1200">
+                <a:solidFill>
+                  <a:schemeClr val="tx1"/>
+                </a:solidFill>
+                <a:latin typeface="+mn-lt"/>
+                <a:ea typeface="+mn-ea"/>
+                <a:cs typeface="+mn-cs"/>
+              </a:defRPr>
+            </a:lvl1pPr>
+            <a:lvl2pPr marL="457200" algn="l" defTabSz="914400" rtl="0" eaLnBrk="1" latinLnBrk="0" hangingPunct="1">
+              <a:defRPr kumimoji="1" sz="1800" kern="1200">
+                <a:solidFill>
+                  <a:schemeClr val="tx1"/>
+                </a:solidFill>
+                <a:latin typeface="+mn-lt"/>
+                <a:ea typeface="+mn-ea"/>
+                <a:cs typeface="+mn-cs"/>
+              </a:defRPr>
+            </a:lvl2pPr>
+            <a:lvl3pPr marL="914400" algn="l" defTabSz="914400" rtl="0" eaLnBrk="1" latinLnBrk="0" hangingPunct="1">
+              <a:defRPr kumimoji="1" sz="1800" kern="1200">
+                <a:solidFill>
+                  <a:schemeClr val="tx1"/>
+                </a:solidFill>
+                <a:latin typeface="+mn-lt"/>
+                <a:ea typeface="+mn-ea"/>
+                <a:cs typeface="+mn-cs"/>
+              </a:defRPr>
+            </a:lvl3pPr>
+            <a:lvl4pPr marL="1371600" algn="l" defTabSz="914400" rtl="0" eaLnBrk="1" latinLnBrk="0" hangingPunct="1">
+              <a:defRPr kumimoji="1" sz="1800" kern="1200">
+                <a:solidFill>
+                  <a:schemeClr val="tx1"/>
+                </a:solidFill>
+                <a:latin typeface="+mn-lt"/>
+                <a:ea typeface="+mn-ea"/>
+                <a:cs typeface="+mn-cs"/>
+              </a:defRPr>
+            </a:lvl4pPr>
+            <a:lvl5pPr marL="1828800" algn="l" defTabSz="914400" rtl="0" eaLnBrk="1" latinLnBrk="0" hangingPunct="1">
+              <a:defRPr kumimoji="1" sz="1800" kern="1200">
+                <a:solidFill>
+                  <a:schemeClr val="tx1"/>
+                </a:solidFill>
+                <a:latin typeface="+mn-lt"/>
+                <a:ea typeface="+mn-ea"/>
+                <a:cs typeface="+mn-cs"/>
+              </a:defRPr>
+            </a:lvl5pPr>
+            <a:lvl6pPr marL="2286000" algn="l" defTabSz="914400" rtl="0" eaLnBrk="1" latinLnBrk="0" hangingPunct="1">
+              <a:defRPr kumimoji="1" sz="1800" kern="1200">
+                <a:solidFill>
+                  <a:schemeClr val="tx1"/>
+                </a:solidFill>
+                <a:latin typeface="+mn-lt"/>
+                <a:ea typeface="+mn-ea"/>
+                <a:cs typeface="+mn-cs"/>
+              </a:defRPr>
+            </a:lvl6pPr>
+            <a:lvl7pPr marL="2743200" algn="l" defTabSz="914400" rtl="0" eaLnBrk="1" latinLnBrk="0" hangingPunct="1">
+              <a:defRPr kumimoji="1" sz="1800" kern="1200">
+                <a:solidFill>
+                  <a:schemeClr val="tx1"/>
+                </a:solidFill>
+                <a:latin typeface="+mn-lt"/>
+                <a:ea typeface="+mn-ea"/>
+                <a:cs typeface="+mn-cs"/>
+              </a:defRPr>
+            </a:lvl7pPr>
+            <a:lvl8pPr marL="3200400" algn="l" defTabSz="914400" rtl="0" eaLnBrk="1" latinLnBrk="0" hangingPunct="1">
+              <a:defRPr kumimoji="1" sz="1800" kern="1200">
+                <a:solidFill>
+                  <a:schemeClr val="tx1"/>
+                </a:solidFill>
+                <a:latin typeface="+mn-lt"/>
+                <a:ea typeface="+mn-ea"/>
+                <a:cs typeface="+mn-cs"/>
+              </a:defRPr>
+            </a:lvl8pPr>
+            <a:lvl9pPr marL="3657600" algn="l" defTabSz="914400" rtl="0" eaLnBrk="1" latinLnBrk="0" hangingPunct="1">
+              <a:defRPr kumimoji="1" sz="1800" kern="1200">
+                <a:solidFill>
+                  <a:schemeClr val="tx1"/>
+                </a:solidFill>
+                <a:latin typeface="+mn-lt"/>
+                <a:ea typeface="+mn-ea"/>
+                <a:cs typeface="+mn-cs"/>
+              </a:defRPr>
+            </a:lvl9pPr>
+          </a:lstStyle>
+          <a:p>
+            <a:pPr algn="ctr"/>
+            <a:endParaRPr kumimoji="1" lang="ja-JP" altLang="en-US" b="1" dirty="0" smtClean="0">
+              <a:latin typeface="+mn-ea"/>
+            </a:endParaRPr>
+          </a:p>
+        </p:txBody>
+      </p:sp>
+      <p:sp>
+        <p:nvSpPr>
+          <p:cNvPr id="27" name="正方形/長方形 26"/>
+          <p:cNvSpPr/>
+          <p:nvPr/>
+        </p:nvSpPr>
+        <p:spPr bwMode="auto">
+          <a:xfrm>
+            <a:off x="2770350" y="4921806"/>
+            <a:ext cx="397103" cy="665558"/>
+          </a:xfrm>
+          <a:prstGeom prst="rect">
+            <a:avLst/>
+          </a:prstGeom>
+          <a:noFill/>
+          <a:ln w="28575">
+            <a:solidFill>
+              <a:srgbClr val="FF0000"/>
+            </a:solidFill>
+          </a:ln>
+          <a:effectLst/>
+          <a:extLst/>
+        </p:spPr>
+        <p:txBody>
+          <a:bodyPr rot="0" spcFirstLastPara="0" vert="horz" wrap="none" lIns="72000" tIns="72000" rIns="72000" bIns="72000" numCol="1" spcCol="0" rtlCol="0" fromWordArt="0" anchor="ctr" anchorCtr="0" forceAA="0" compatLnSpc="1">
+            <a:prstTxWarp prst="textNoShape">
+              <a:avLst/>
+            </a:prstTxWarp>
+            <a:noAutofit/>
+          </a:bodyPr>
+          <a:lstStyle>
+            <a:defPPr>
+              <a:defRPr lang="ja-JP"/>
+            </a:defPPr>
+            <a:lvl1pPr marL="0" algn="l" defTabSz="914400" rtl="0" eaLnBrk="1" latinLnBrk="0" hangingPunct="1">
+              <a:defRPr kumimoji="1" sz="1800" kern="1200">
+                <a:solidFill>
+                  <a:schemeClr val="tx1"/>
+                </a:solidFill>
+                <a:latin typeface="+mn-lt"/>
+                <a:ea typeface="+mn-ea"/>
+                <a:cs typeface="+mn-cs"/>
+              </a:defRPr>
+            </a:lvl1pPr>
+            <a:lvl2pPr marL="457200" algn="l" defTabSz="914400" rtl="0" eaLnBrk="1" latinLnBrk="0" hangingPunct="1">
+              <a:defRPr kumimoji="1" sz="1800" kern="1200">
+                <a:solidFill>
+                  <a:schemeClr val="tx1"/>
+                </a:solidFill>
+                <a:latin typeface="+mn-lt"/>
+                <a:ea typeface="+mn-ea"/>
+                <a:cs typeface="+mn-cs"/>
+              </a:defRPr>
+            </a:lvl2pPr>
+            <a:lvl3pPr marL="914400" algn="l" defTabSz="914400" rtl="0" eaLnBrk="1" latinLnBrk="0" hangingPunct="1">
+              <a:defRPr kumimoji="1" sz="1800" kern="1200">
+                <a:solidFill>
+                  <a:schemeClr val="tx1"/>
+                </a:solidFill>
+                <a:latin typeface="+mn-lt"/>
+                <a:ea typeface="+mn-ea"/>
+                <a:cs typeface="+mn-cs"/>
+              </a:defRPr>
+            </a:lvl3pPr>
+            <a:lvl4pPr marL="1371600" algn="l" defTabSz="914400" rtl="0" eaLnBrk="1" latinLnBrk="0" hangingPunct="1">
+              <a:defRPr kumimoji="1" sz="1800" kern="1200">
+                <a:solidFill>
+                  <a:schemeClr val="tx1"/>
+                </a:solidFill>
+                <a:latin typeface="+mn-lt"/>
+                <a:ea typeface="+mn-ea"/>
+                <a:cs typeface="+mn-cs"/>
+              </a:defRPr>
+            </a:lvl4pPr>
+            <a:lvl5pPr marL="1828800" algn="l" defTabSz="914400" rtl="0" eaLnBrk="1" latinLnBrk="0" hangingPunct="1">
+              <a:defRPr kumimoji="1" sz="1800" kern="1200">
+                <a:solidFill>
+                  <a:schemeClr val="tx1"/>
+                </a:solidFill>
+                <a:latin typeface="+mn-lt"/>
+                <a:ea typeface="+mn-ea"/>
+                <a:cs typeface="+mn-cs"/>
+              </a:defRPr>
+            </a:lvl5pPr>
+            <a:lvl6pPr marL="2286000" algn="l" defTabSz="914400" rtl="0" eaLnBrk="1" latinLnBrk="0" hangingPunct="1">
+              <a:defRPr kumimoji="1" sz="1800" kern="1200">
+                <a:solidFill>
+                  <a:schemeClr val="tx1"/>
+                </a:solidFill>
+                <a:latin typeface="+mn-lt"/>
+                <a:ea typeface="+mn-ea"/>
+                <a:cs typeface="+mn-cs"/>
+              </a:defRPr>
+            </a:lvl6pPr>
+            <a:lvl7pPr marL="2743200" algn="l" defTabSz="914400" rtl="0" eaLnBrk="1" latinLnBrk="0" hangingPunct="1">
+              <a:defRPr kumimoji="1" sz="1800" kern="1200">
+                <a:solidFill>
+                  <a:schemeClr val="tx1"/>
+                </a:solidFill>
+                <a:latin typeface="+mn-lt"/>
+                <a:ea typeface="+mn-ea"/>
+                <a:cs typeface="+mn-cs"/>
+              </a:defRPr>
+            </a:lvl7pPr>
+            <a:lvl8pPr marL="3200400" algn="l" defTabSz="914400" rtl="0" eaLnBrk="1" latinLnBrk="0" hangingPunct="1">
+              <a:defRPr kumimoji="1" sz="1800" kern="1200">
+                <a:solidFill>
+                  <a:schemeClr val="tx1"/>
+                </a:solidFill>
+                <a:latin typeface="+mn-lt"/>
+                <a:ea typeface="+mn-ea"/>
+                <a:cs typeface="+mn-cs"/>
+              </a:defRPr>
+            </a:lvl8pPr>
+            <a:lvl9pPr marL="3657600" algn="l" defTabSz="914400" rtl="0" eaLnBrk="1" latinLnBrk="0" hangingPunct="1">
+              <a:defRPr kumimoji="1" sz="1800" kern="1200">
+                <a:solidFill>
+                  <a:schemeClr val="tx1"/>
+                </a:solidFill>
+                <a:latin typeface="+mn-lt"/>
+                <a:ea typeface="+mn-ea"/>
+                <a:cs typeface="+mn-cs"/>
+              </a:defRPr>
+            </a:lvl9pPr>
+          </a:lstStyle>
+          <a:p>
+            <a:pPr algn="ctr"/>
+            <a:endParaRPr kumimoji="1" lang="ja-JP" altLang="en-US" b="1" dirty="0" smtClean="0">
+              <a:latin typeface="+mn-ea"/>
+            </a:endParaRPr>
+          </a:p>
+        </p:txBody>
+      </p:sp>
+      <p:sp>
+        <p:nvSpPr>
+          <p:cNvPr id="28" name="正方形/長方形 27"/>
+          <p:cNvSpPr/>
+          <p:nvPr/>
+        </p:nvSpPr>
+        <p:spPr bwMode="auto">
+          <a:xfrm>
+            <a:off x="3166261" y="4923742"/>
+            <a:ext cx="1020270" cy="665558"/>
+          </a:xfrm>
+          <a:prstGeom prst="rect">
+            <a:avLst/>
+          </a:prstGeom>
+          <a:noFill/>
+          <a:ln w="28575">
+            <a:solidFill>
+              <a:srgbClr val="FF0000"/>
+            </a:solidFill>
+          </a:ln>
+          <a:effectLst/>
+          <a:extLst/>
+        </p:spPr>
+        <p:txBody>
+          <a:bodyPr rot="0" spcFirstLastPara="0" vert="horz" wrap="none" lIns="72000" tIns="72000" rIns="72000" bIns="72000" numCol="1" spcCol="0" rtlCol="0" fromWordArt="0" anchor="ctr" anchorCtr="0" forceAA="0" compatLnSpc="1">
+            <a:prstTxWarp prst="textNoShape">
+              <a:avLst/>
+            </a:prstTxWarp>
+            <a:noAutofit/>
+          </a:bodyPr>
+          <a:lstStyle>
+            <a:defPPr>
+              <a:defRPr lang="ja-JP"/>
+            </a:defPPr>
+            <a:lvl1pPr marL="0" algn="l" defTabSz="914400" rtl="0" eaLnBrk="1" latinLnBrk="0" hangingPunct="1">
+              <a:defRPr kumimoji="1" sz="1800" kern="1200">
+                <a:solidFill>
+                  <a:schemeClr val="tx1"/>
+                </a:solidFill>
+                <a:latin typeface="+mn-lt"/>
+                <a:ea typeface="+mn-ea"/>
+                <a:cs typeface="+mn-cs"/>
+              </a:defRPr>
+            </a:lvl1pPr>
+            <a:lvl2pPr marL="457200" algn="l" defTabSz="914400" rtl="0" eaLnBrk="1" latinLnBrk="0" hangingPunct="1">
+              <a:defRPr kumimoji="1" sz="1800" kern="1200">
+                <a:solidFill>
+                  <a:schemeClr val="tx1"/>
+                </a:solidFill>
+                <a:latin typeface="+mn-lt"/>
+                <a:ea typeface="+mn-ea"/>
+                <a:cs typeface="+mn-cs"/>
+              </a:defRPr>
+            </a:lvl2pPr>
+            <a:lvl3pPr marL="914400" algn="l" defTabSz="914400" rtl="0" eaLnBrk="1" latinLnBrk="0" hangingPunct="1">
+              <a:defRPr kumimoji="1" sz="1800" kern="1200">
+                <a:solidFill>
+                  <a:schemeClr val="tx1"/>
+                </a:solidFill>
+                <a:latin typeface="+mn-lt"/>
+                <a:ea typeface="+mn-ea"/>
+                <a:cs typeface="+mn-cs"/>
+              </a:defRPr>
+            </a:lvl3pPr>
+            <a:lvl4pPr marL="1371600" algn="l" defTabSz="914400" rtl="0" eaLnBrk="1" latinLnBrk="0" hangingPunct="1">
+              <a:defRPr kumimoji="1" sz="1800" kern="1200">
+                <a:solidFill>
+                  <a:schemeClr val="tx1"/>
+                </a:solidFill>
+                <a:latin typeface="+mn-lt"/>
+                <a:ea typeface="+mn-ea"/>
+                <a:cs typeface="+mn-cs"/>
+              </a:defRPr>
+            </a:lvl4pPr>
+            <a:lvl5pPr marL="1828800" algn="l" defTabSz="914400" rtl="0" eaLnBrk="1" latinLnBrk="0" hangingPunct="1">
+              <a:defRPr kumimoji="1" sz="1800" kern="1200">
+                <a:solidFill>
+                  <a:schemeClr val="tx1"/>
+                </a:solidFill>
+                <a:latin typeface="+mn-lt"/>
+                <a:ea typeface="+mn-ea"/>
+                <a:cs typeface="+mn-cs"/>
+              </a:defRPr>
+            </a:lvl5pPr>
+            <a:lvl6pPr marL="2286000" algn="l" defTabSz="914400" rtl="0" eaLnBrk="1" latinLnBrk="0" hangingPunct="1">
+              <a:defRPr kumimoji="1" sz="1800" kern="1200">
+                <a:solidFill>
+                  <a:schemeClr val="tx1"/>
+                </a:solidFill>
+                <a:latin typeface="+mn-lt"/>
+                <a:ea typeface="+mn-ea"/>
+                <a:cs typeface="+mn-cs"/>
+              </a:defRPr>
+            </a:lvl6pPr>
+            <a:lvl7pPr marL="2743200" algn="l" defTabSz="914400" rtl="0" eaLnBrk="1" latinLnBrk="0" hangingPunct="1">
+              <a:defRPr kumimoji="1" sz="1800" kern="1200">
+                <a:solidFill>
+                  <a:schemeClr val="tx1"/>
+                </a:solidFill>
+                <a:latin typeface="+mn-lt"/>
+                <a:ea typeface="+mn-ea"/>
+                <a:cs typeface="+mn-cs"/>
+              </a:defRPr>
+            </a:lvl7pPr>
+            <a:lvl8pPr marL="3200400" algn="l" defTabSz="914400" rtl="0" eaLnBrk="1" latinLnBrk="0" hangingPunct="1">
+              <a:defRPr kumimoji="1" sz="1800" kern="1200">
+                <a:solidFill>
+                  <a:schemeClr val="tx1"/>
+                </a:solidFill>
+                <a:latin typeface="+mn-lt"/>
+                <a:ea typeface="+mn-ea"/>
+                <a:cs typeface="+mn-cs"/>
+              </a:defRPr>
+            </a:lvl8pPr>
+            <a:lvl9pPr marL="3657600" algn="l" defTabSz="914400" rtl="0" eaLnBrk="1" latinLnBrk="0" hangingPunct="1">
+              <a:defRPr kumimoji="1" sz="1800" kern="1200">
+                <a:solidFill>
+                  <a:schemeClr val="tx1"/>
+                </a:solidFill>
+                <a:latin typeface="+mn-lt"/>
+                <a:ea typeface="+mn-ea"/>
+                <a:cs typeface="+mn-cs"/>
+              </a:defRPr>
+            </a:lvl9pPr>
+          </a:lstStyle>
+          <a:p>
+            <a:pPr algn="ctr"/>
+            <a:endParaRPr kumimoji="1" lang="ja-JP" altLang="en-US" b="1" dirty="0" smtClean="0">
+              <a:latin typeface="+mn-ea"/>
+            </a:endParaRPr>
+          </a:p>
+        </p:txBody>
+      </p:sp>
+      <p:sp>
+        <p:nvSpPr>
+          <p:cNvPr id="29" name="線吹き出し 1 (枠付き) 28"/>
+          <p:cNvSpPr/>
+          <p:nvPr/>
+        </p:nvSpPr>
+        <p:spPr bwMode="auto">
+          <a:xfrm>
+            <a:off x="4569157" y="5229250"/>
+            <a:ext cx="2667213" cy="504070"/>
+          </a:xfrm>
+          <a:prstGeom prst="borderCallout1">
+            <a:avLst>
+              <a:gd name="adj1" fmla="val 42937"/>
+              <a:gd name="adj2" fmla="val 289"/>
+              <a:gd name="adj3" fmla="val 51559"/>
+              <a:gd name="adj4" fmla="val -15168"/>
+            </a:avLst>
+          </a:prstGeom>
+          <a:ln>
+            <a:headEnd type="oval" w="med" len="med"/>
+            <a:tailEnd type="oval" w="med" len="med"/>
+          </a:ln>
+          <a:extLst/>
+        </p:spPr>
+        <p:style>
+          <a:lnRef idx="2">
+            <a:schemeClr val="accent6"/>
+          </a:lnRef>
+          <a:fillRef idx="1">
+            <a:schemeClr val="lt1"/>
+          </a:fillRef>
+          <a:effectRef idx="0">
+            <a:schemeClr val="accent6"/>
+          </a:effectRef>
+          <a:fontRef idx="minor">
+            <a:schemeClr val="dk1"/>
+          </a:fontRef>
+        </p:style>
+        <p:txBody>
+          <a:bodyPr rot="0" spcFirstLastPara="0" vertOverflow="overflow" horzOverflow="overflow" vert="horz" wrap="none" lIns="72000" tIns="72000" rIns="72000" bIns="72000" numCol="1" spcCol="0" rtlCol="0" fromWordArt="0" anchor="ctr" anchorCtr="0" forceAA="0" compatLnSpc="1">
+            <a:prstTxWarp prst="textNoShape">
+              <a:avLst/>
+            </a:prstTxWarp>
+            <a:noAutofit/>
+          </a:bodyPr>
+          <a:lstStyle/>
+          <a:p>
+            <a:r>
+              <a:rPr lang="ja-JP" altLang="en-US" sz="1100" dirty="0">
+                <a:solidFill>
+                  <a:schemeClr val="tx1"/>
+                </a:solidFill>
+                <a:latin typeface="+mn-ea"/>
+              </a:rPr>
+              <a:t>エクスポート</a:t>
+            </a:r>
+            <a:r>
+              <a:rPr lang="en-US" altLang="ja-JP" sz="1100" dirty="0">
+                <a:solidFill>
+                  <a:schemeClr val="tx1"/>
+                </a:solidFill>
+                <a:latin typeface="+mn-ea"/>
+              </a:rPr>
+              <a:t>/</a:t>
+            </a:r>
+            <a:r>
+              <a:rPr lang="ja-JP" altLang="en-US" sz="1100" dirty="0">
+                <a:solidFill>
+                  <a:schemeClr val="tx1"/>
+                </a:solidFill>
+                <a:latin typeface="+mn-ea"/>
+              </a:rPr>
+              <a:t>インポートした</a:t>
+            </a:r>
+            <a:r>
+              <a:rPr lang="en-US" altLang="ja-JP" sz="1100" dirty="0">
+                <a:solidFill>
+                  <a:schemeClr val="tx1"/>
+                </a:solidFill>
+                <a:latin typeface="+mn-ea"/>
+              </a:rPr>
+              <a:t/>
+            </a:r>
+            <a:br>
+              <a:rPr lang="en-US" altLang="ja-JP" sz="1100" dirty="0">
+                <a:solidFill>
+                  <a:schemeClr val="tx1"/>
+                </a:solidFill>
+                <a:latin typeface="+mn-ea"/>
+              </a:rPr>
+            </a:br>
+            <a:r>
+              <a:rPr lang="ja-JP" altLang="en-US" sz="1100" dirty="0">
+                <a:solidFill>
+                  <a:schemeClr val="tx1"/>
+                </a:solidFill>
+                <a:latin typeface="+mn-ea"/>
+              </a:rPr>
+              <a:t>ファイルを確認</a:t>
+            </a:r>
+            <a:r>
+              <a:rPr lang="en-US" altLang="ja-JP" sz="1100" dirty="0">
+                <a:solidFill>
+                  <a:schemeClr val="tx1"/>
+                </a:solidFill>
+                <a:latin typeface="+mn-ea"/>
+              </a:rPr>
+              <a:t>/</a:t>
+            </a:r>
+            <a:r>
+              <a:rPr lang="ja-JP" altLang="en-US" sz="1100" dirty="0">
+                <a:solidFill>
+                  <a:schemeClr val="tx1"/>
+                </a:solidFill>
+                <a:latin typeface="+mn-ea"/>
+              </a:rPr>
+              <a:t>ダウンロードできます</a:t>
+            </a:r>
+            <a:r>
+              <a:rPr lang="ja-JP" altLang="en-US" sz="1100" dirty="0" smtClean="0">
+                <a:solidFill>
+                  <a:schemeClr val="tx1"/>
+                </a:solidFill>
+                <a:latin typeface="+mn-ea"/>
+              </a:rPr>
+              <a:t>。</a:t>
+            </a:r>
+            <a:endParaRPr lang="en-US" altLang="ja-JP" sz="1100" dirty="0">
+              <a:solidFill>
+                <a:schemeClr val="tx1"/>
+              </a:solidFill>
+              <a:latin typeface="+mn-ea"/>
+            </a:endParaRPr>
+          </a:p>
+        </p:txBody>
+      </p:sp>
+      <p:sp>
+        <p:nvSpPr>
+          <p:cNvPr id="30" name="線吹き出し 1 (枠付き) 29"/>
+          <p:cNvSpPr/>
+          <p:nvPr/>
+        </p:nvSpPr>
+        <p:spPr bwMode="auto">
+          <a:xfrm>
+            <a:off x="2950354" y="5856000"/>
+            <a:ext cx="2504978" cy="504070"/>
+          </a:xfrm>
+          <a:prstGeom prst="borderCallout1">
+            <a:avLst>
+              <a:gd name="adj1" fmla="val 42937"/>
+              <a:gd name="adj2" fmla="val 289"/>
+              <a:gd name="adj3" fmla="val -55535"/>
+              <a:gd name="adj4" fmla="val -16793"/>
+            </a:avLst>
+          </a:prstGeom>
+          <a:ln>
+            <a:headEnd type="oval" w="med" len="med"/>
+            <a:tailEnd type="oval" w="med" len="med"/>
+          </a:ln>
+          <a:extLst/>
+        </p:spPr>
+        <p:style>
+          <a:lnRef idx="2">
+            <a:schemeClr val="accent6"/>
+          </a:lnRef>
+          <a:fillRef idx="1">
+            <a:schemeClr val="lt1"/>
+          </a:fillRef>
+          <a:effectRef idx="0">
+            <a:schemeClr val="accent6"/>
+          </a:effectRef>
+          <a:fontRef idx="minor">
+            <a:schemeClr val="dk1"/>
+          </a:fontRef>
+        </p:style>
+        <p:txBody>
+          <a:bodyPr rot="0" spcFirstLastPara="0" vertOverflow="overflow" horzOverflow="overflow" vert="horz" wrap="none" lIns="72000" tIns="72000" rIns="72000" bIns="72000" numCol="1" spcCol="0" rtlCol="0" fromWordArt="0" anchor="ctr" anchorCtr="0" forceAA="0" compatLnSpc="1">
+            <a:prstTxWarp prst="textNoShape">
+              <a:avLst/>
+            </a:prstTxWarp>
+            <a:noAutofit/>
+          </a:bodyPr>
+          <a:lstStyle/>
+          <a:p>
+            <a:endParaRPr lang="en-US" altLang="ja-JP" sz="1100" dirty="0" smtClean="0"/>
+          </a:p>
+          <a:p>
+            <a:r>
+              <a:rPr lang="ja-JP" altLang="en-US" sz="1100" dirty="0" smtClean="0"/>
+              <a:t>モードと</a:t>
+            </a:r>
+            <a:r>
+              <a:rPr lang="ja-JP" altLang="en-US" sz="1100" dirty="0"/>
+              <a:t>廃止</a:t>
+            </a:r>
+            <a:r>
+              <a:rPr lang="ja-JP" altLang="en-US" sz="1100" dirty="0" smtClean="0"/>
+              <a:t>情報</a:t>
+            </a:r>
+            <a:r>
+              <a:rPr lang="ja-JP" altLang="en-US" sz="1100" dirty="0">
+                <a:solidFill>
+                  <a:schemeClr val="tx1"/>
+                </a:solidFill>
+                <a:latin typeface="+mn-ea"/>
+              </a:rPr>
+              <a:t>ステータスを</a:t>
+            </a:r>
+            <a:r>
+              <a:rPr lang="ja-JP" altLang="en-US" sz="1100" dirty="0" smtClean="0">
+                <a:solidFill>
+                  <a:schemeClr val="tx1"/>
+                </a:solidFill>
+                <a:latin typeface="+mn-ea"/>
+              </a:rPr>
+              <a:t>確認</a:t>
+            </a:r>
+            <a:endParaRPr lang="en-US" altLang="ja-JP" sz="1100" dirty="0" smtClean="0">
+              <a:solidFill>
+                <a:schemeClr val="tx1"/>
+              </a:solidFill>
+              <a:latin typeface="+mn-ea"/>
+            </a:endParaRPr>
+          </a:p>
+          <a:p>
+            <a:r>
+              <a:rPr lang="ja-JP" altLang="en-US" sz="1100" dirty="0" smtClean="0">
+                <a:solidFill>
+                  <a:schemeClr val="tx1"/>
+                </a:solidFill>
+                <a:latin typeface="+mn-ea"/>
+              </a:rPr>
+              <a:t>できます</a:t>
+            </a:r>
+            <a:r>
+              <a:rPr lang="ja-JP" altLang="en-US" sz="1100" dirty="0">
+                <a:solidFill>
+                  <a:schemeClr val="tx1"/>
+                </a:solidFill>
+                <a:latin typeface="+mn-ea"/>
+              </a:rPr>
+              <a:t>。</a:t>
+            </a:r>
+            <a:r>
+              <a:rPr lang="en-US" altLang="ja-JP" sz="1100" dirty="0">
+                <a:solidFill>
+                  <a:schemeClr val="tx1"/>
+                </a:solidFill>
+                <a:latin typeface="+mn-ea"/>
+              </a:rPr>
+              <a:t/>
+            </a:r>
+            <a:br>
+              <a:rPr lang="en-US" altLang="ja-JP" sz="1100" dirty="0">
+                <a:solidFill>
+                  <a:schemeClr val="tx1"/>
+                </a:solidFill>
+                <a:latin typeface="+mn-ea"/>
+              </a:rPr>
+            </a:br>
+            <a:endParaRPr lang="en-US" altLang="ja-JP" sz="1100" dirty="0">
+              <a:solidFill>
+                <a:schemeClr val="tx1"/>
+              </a:solidFill>
+              <a:latin typeface="+mn-ea"/>
+            </a:endParaRPr>
+          </a:p>
+        </p:txBody>
+      </p:sp>
+      <p:cxnSp>
+        <p:nvCxnSpPr>
+          <p:cNvPr id="31" name="直線コネクタ 30"/>
+          <p:cNvCxnSpPr/>
+          <p:nvPr/>
+        </p:nvCxnSpPr>
+        <p:spPr bwMode="auto">
+          <a:xfrm>
+            <a:off x="2851440" y="5589300"/>
+            <a:ext cx="98913" cy="481253"/>
+          </a:xfrm>
+          <a:prstGeom prst="line">
+            <a:avLst/>
+          </a:prstGeom>
+          <a:ln w="25400">
+            <a:headEnd type="oval" w="med" len="med"/>
+            <a:tailEnd type="oval" w="med" len="med"/>
+          </a:ln>
+          <a:extLst/>
+        </p:spPr>
+        <p:style>
+          <a:lnRef idx="1">
+            <a:schemeClr val="accent6"/>
+          </a:lnRef>
+          <a:fillRef idx="0">
+            <a:schemeClr val="accent6"/>
+          </a:fillRef>
+          <a:effectRef idx="0">
+            <a:schemeClr val="accent6"/>
+          </a:effectRef>
+          <a:fontRef idx="minor">
+            <a:schemeClr val="tx1"/>
+          </a:fontRef>
+        </p:style>
+      </p:cxnSp>
     </p:spTree>
     <p:extLst>
       <p:ext uri="{BB962C8B-B14F-4D97-AF65-F5344CB8AC3E}">
@@ -16472,36 +16527,6 @@
           <a:chExt cx="0" cy="0"/>
         </a:xfrm>
       </p:grpSpPr>
-      <p:pic>
-        <p:nvPicPr>
-          <p:cNvPr id="10" name="図 9"/>
-          <p:cNvPicPr>
-            <a:picLocks noChangeAspect="1"/>
-          </p:cNvPicPr>
-          <p:nvPr/>
-        </p:nvPicPr>
-        <p:blipFill>
-          <a:blip r:embed="rId2">
-            <a:extLst>
-              <a:ext uri="{28A0092B-C50C-407E-A947-70E740481C1C}">
-                <a14:useLocalDpi xmlns:a14="http://schemas.microsoft.com/office/drawing/2010/main" val="0"/>
-              </a:ext>
-            </a:extLst>
-          </a:blip>
-          <a:stretch>
-            <a:fillRect/>
-          </a:stretch>
-        </p:blipFill>
-        <p:spPr>
-          <a:xfrm>
-            <a:off x="293907" y="2289681"/>
-            <a:ext cx="7308380" cy="4110964"/>
-          </a:xfrm>
-          <a:prstGeom prst="rect">
-            <a:avLst/>
-          </a:prstGeom>
-        </p:spPr>
-      </p:pic>
       <p:sp>
         <p:nvSpPr>
           <p:cNvPr id="2" name="タイトル 1"/>
@@ -16553,87 +16578,111 @@
           <a:lstStyle/>
           <a:p>
             <a:r>
-              <a:rPr lang="en-US" altLang="ja-JP" b="1" smtClean="0"/>
+              <a:rPr lang="en-US" altLang="ja-JP" b="1" dirty="0" smtClean="0"/>
               <a:t>Symphony</a:t>
             </a:r>
             <a:r>
-              <a:rPr lang="en-US" altLang="ja-JP" b="1"/>
+              <a:rPr lang="en-US" altLang="ja-JP" b="1" dirty="0"/>
               <a:t>/</a:t>
             </a:r>
             <a:r>
-              <a:rPr lang="ja-JP" altLang="en-US" b="1" smtClean="0"/>
+              <a:rPr lang="ja-JP" altLang="en-US" b="1" dirty="0" smtClean="0"/>
               <a:t>オペレーションエクスポート</a:t>
             </a:r>
-            <a:endParaRPr lang="en-US" altLang="ja-JP" b="1" smtClean="0"/>
+            <a:endParaRPr lang="en-US" altLang="ja-JP" b="1" dirty="0" smtClean="0"/>
           </a:p>
           <a:p>
             <a:pPr marL="180000" lvl="1" indent="0">
               <a:buNone/>
             </a:pPr>
             <a:r>
-              <a:rPr lang="en-US" altLang="ja-JP" smtClean="0"/>
+              <a:rPr lang="en-US" altLang="ja-JP" dirty="0" smtClean="0"/>
               <a:t>Symphony</a:t>
             </a:r>
             <a:r>
-              <a:rPr lang="ja-JP" altLang="en-US" smtClean="0"/>
+              <a:rPr lang="ja-JP" altLang="en-US" dirty="0" smtClean="0"/>
               <a:t>とオペレーション</a:t>
             </a:r>
             <a:r>
-              <a:rPr lang="ja-JP" altLang="en-US"/>
+              <a:rPr lang="ja-JP" altLang="en-US" dirty="0"/>
               <a:t>が一覧で表示されており、</a:t>
             </a:r>
             <a:r>
-              <a:rPr lang="en-US" altLang="ja-JP"/>
+              <a:rPr lang="en-US" altLang="ja-JP" dirty="0"/>
               <a:t/>
             </a:r>
             <a:br>
-              <a:rPr lang="en-US" altLang="ja-JP"/>
+              <a:rPr lang="en-US" altLang="ja-JP" dirty="0"/>
             </a:br>
             <a:r>
-              <a:rPr lang="ja-JP" altLang="en-US"/>
+              <a:rPr lang="ja-JP" altLang="en-US" dirty="0"/>
               <a:t>必要</a:t>
             </a:r>
             <a:r>
-              <a:rPr lang="ja-JP" altLang="en-US" smtClean="0"/>
+              <a:rPr lang="ja-JP" altLang="en-US" dirty="0" smtClean="0"/>
               <a:t>なも</a:t>
             </a:r>
             <a:r>
-              <a:rPr lang="ja-JP" altLang="en-US"/>
+              <a:rPr lang="ja-JP" altLang="en-US" dirty="0"/>
               <a:t>の</a:t>
             </a:r>
             <a:r>
-              <a:rPr lang="ja-JP" altLang="en-US" smtClean="0"/>
+              <a:rPr lang="ja-JP" altLang="en-US" dirty="0" smtClean="0"/>
               <a:t>を</a:t>
             </a:r>
             <a:r>
-              <a:rPr lang="ja-JP" altLang="en-US"/>
+              <a:rPr lang="ja-JP" altLang="en-US" dirty="0"/>
               <a:t>選択してエクスポートできます</a:t>
             </a:r>
             <a:r>
-              <a:rPr lang="ja-JP" altLang="en-US" smtClean="0"/>
+              <a:rPr lang="ja-JP" altLang="en-US" dirty="0" smtClean="0"/>
               <a:t>。</a:t>
             </a:r>
-            <a:endParaRPr lang="en-US" altLang="ja-JP"/>
+            <a:endParaRPr lang="en-US" altLang="ja-JP" dirty="0"/>
           </a:p>
         </p:txBody>
       </p:sp>
+      <p:pic>
+        <p:nvPicPr>
+          <p:cNvPr id="9" name="図 8"/>
+          <p:cNvPicPr>
+            <a:picLocks noChangeAspect="1"/>
+          </p:cNvPicPr>
+          <p:nvPr/>
+        </p:nvPicPr>
+        <p:blipFill>
+          <a:blip r:embed="rId2"/>
+          <a:stretch>
+            <a:fillRect/>
+          </a:stretch>
+        </p:blipFill>
+        <p:spPr>
+          <a:xfrm>
+            <a:off x="395420" y="1988800"/>
+            <a:ext cx="8432888" cy="4248590"/>
+          </a:xfrm>
+          <a:prstGeom prst="rect">
+            <a:avLst/>
+          </a:prstGeom>
+        </p:spPr>
+      </p:pic>
       <p:sp>
         <p:nvSpPr>
-          <p:cNvPr id="6" name="線吹き出し 1 (枠付き) 5"/>
+          <p:cNvPr id="13" name="線吹き出し 1 (枠付き) 12"/>
           <p:cNvSpPr/>
           <p:nvPr/>
         </p:nvSpPr>
         <p:spPr bwMode="auto">
           <a:xfrm>
-            <a:off x="2843760" y="4093128"/>
+            <a:off x="2411700" y="4149949"/>
             <a:ext cx="2278281" cy="504070"/>
           </a:xfrm>
           <a:prstGeom prst="borderCallout1">
             <a:avLst>
               <a:gd name="adj1" fmla="val 42937"/>
               <a:gd name="adj2" fmla="val 289"/>
-              <a:gd name="adj3" fmla="val 165410"/>
-              <a:gd name="adj4" fmla="val -43068"/>
+              <a:gd name="adj3" fmla="val 152297"/>
+              <a:gd name="adj4" fmla="val -27111"/>
             </a:avLst>
           </a:prstGeom>
           <a:ln>
@@ -16729,13 +16778,13 @@
       </p:sp>
       <p:sp>
         <p:nvSpPr>
-          <p:cNvPr id="11" name="正方形/長方形 10"/>
+          <p:cNvPr id="14" name="正方形/長方形 13"/>
           <p:cNvSpPr/>
           <p:nvPr/>
         </p:nvSpPr>
         <p:spPr bwMode="auto">
           <a:xfrm>
-            <a:off x="1527906" y="5972544"/>
+            <a:off x="1331550" y="5815713"/>
             <a:ext cx="1243844" cy="264846"/>
           </a:xfrm>
           <a:prstGeom prst="rect">
@@ -16862,13 +16911,13 @@
       </p:sp>
       <p:sp>
         <p:nvSpPr>
-          <p:cNvPr id="7" name="線吹き出し 1 (枠付き) 6"/>
+          <p:cNvPr id="15" name="線吹き出し 1 (枠付き) 14"/>
           <p:cNvSpPr/>
           <p:nvPr/>
         </p:nvSpPr>
         <p:spPr bwMode="auto">
           <a:xfrm>
-            <a:off x="2987780" y="5733320"/>
+            <a:off x="2843760" y="5733320"/>
             <a:ext cx="2514482" cy="347239"/>
           </a:xfrm>
           <a:prstGeom prst="borderCallout1">
@@ -17014,79 +17063,79 @@
           <a:lstStyle/>
           <a:p>
             <a:r>
-              <a:rPr lang="en-US" altLang="ja-JP" b="1"/>
+              <a:rPr lang="en-US" altLang="ja-JP" b="1" dirty="0"/>
               <a:t>Symphony/</a:t>
             </a:r>
             <a:r>
-              <a:rPr lang="ja-JP" altLang="en-US" b="1" smtClean="0"/>
+              <a:rPr lang="ja-JP" altLang="en-US" b="1" dirty="0" smtClean="0"/>
               <a:t>オペレーション　インポート</a:t>
             </a:r>
-            <a:endParaRPr lang="en-US" altLang="ja-JP" b="1"/>
+            <a:endParaRPr lang="en-US" altLang="ja-JP" b="1" dirty="0"/>
           </a:p>
           <a:p>
             <a:pPr marL="180000" lvl="1" indent="0">
               <a:buNone/>
             </a:pPr>
             <a:r>
-              <a:rPr lang="ja-JP" altLang="en-US" smtClean="0"/>
+              <a:rPr lang="ja-JP" altLang="en-US" dirty="0" smtClean="0"/>
               <a:t>「</a:t>
             </a:r>
             <a:r>
-              <a:rPr lang="en-US" altLang="ja-JP"/>
+              <a:rPr lang="en-US" altLang="ja-JP" dirty="0"/>
               <a:t>Symphony/</a:t>
             </a:r>
             <a:r>
-              <a:rPr lang="ja-JP" altLang="en-US"/>
+              <a:rPr lang="ja-JP" altLang="en-US" dirty="0"/>
               <a:t>オペレーションエクスポート</a:t>
             </a:r>
             <a:r>
-              <a:rPr lang="ja-JP" altLang="en-US" smtClean="0"/>
+              <a:rPr lang="ja-JP" altLang="en-US" dirty="0" smtClean="0"/>
               <a:t>」メニューで</a:t>
             </a:r>
             <a:r>
-              <a:rPr lang="ja-JP" altLang="en-US"/>
+              <a:rPr lang="ja-JP" altLang="en-US" dirty="0"/>
               <a:t>エクスポートしたデータ</a:t>
             </a:r>
             <a:r>
-              <a:rPr lang="ja-JP" altLang="en-US" smtClean="0"/>
+              <a:rPr lang="ja-JP" altLang="en-US" dirty="0" smtClean="0"/>
               <a:t>を</a:t>
             </a:r>
             <a:r>
-              <a:rPr lang="en-US" altLang="ja-JP" smtClean="0"/>
+              <a:rPr lang="en-US" altLang="ja-JP" dirty="0" smtClean="0"/>
               <a:t/>
             </a:r>
             <a:br>
-              <a:rPr lang="en-US" altLang="ja-JP" smtClean="0"/>
+              <a:rPr lang="en-US" altLang="ja-JP" dirty="0" smtClean="0"/>
             </a:br>
             <a:r>
-              <a:rPr lang="ja-JP" altLang="en-US" smtClean="0"/>
+              <a:rPr lang="ja-JP" altLang="en-US" dirty="0" smtClean="0"/>
               <a:t>アップロード</a:t>
             </a:r>
             <a:r>
-              <a:rPr lang="ja-JP" altLang="en-US"/>
+              <a:rPr lang="ja-JP" altLang="en-US" dirty="0"/>
               <a:t>して</a:t>
             </a:r>
             <a:r>
-              <a:rPr lang="ja-JP" altLang="en-US" smtClean="0"/>
+              <a:rPr lang="ja-JP" altLang="en-US" dirty="0" smtClean="0"/>
               <a:t>、必要</a:t>
             </a:r>
             <a:r>
-              <a:rPr lang="ja-JP" altLang="en-US"/>
+              <a:rPr lang="ja-JP" altLang="en-US" dirty="0"/>
               <a:t>なメニューをインポートできます</a:t>
             </a:r>
             <a:r>
-              <a:rPr lang="ja-JP" altLang="en-US" smtClean="0"/>
+              <a:rPr lang="ja-JP" altLang="en-US" dirty="0" smtClean="0"/>
               <a:t>。</a:t>
             </a:r>
-            <a:endParaRPr lang="ja-JP" altLang="en-US"/>
+            <a:endParaRPr lang="ja-JP" altLang="en-US" dirty="0"/>
           </a:p>
         </p:txBody>
       </p:sp>
       <p:pic>
         <p:nvPicPr>
-          <p:cNvPr id="7" name="図 6"/>
+          <p:cNvPr id="13" name="図 12"/>
           <p:cNvPicPr>
-            <a:picLocks noChangeAspect="1"/>
+            <a:picLocks noChangeAspect="1" noChangeArrowheads="1"/>
           </p:cNvPicPr>
           <p:nvPr/>
         </p:nvPicPr>
@@ -17098,30 +17147,41 @@
               </a:ext>
             </a:extLst>
           </a:blip>
+          <a:srcRect/>
           <a:stretch>
             <a:fillRect/>
           </a:stretch>
         </p:blipFill>
-        <p:spPr>
+        <p:spPr bwMode="auto">
           <a:xfrm>
-            <a:off x="323410" y="2481261"/>
-            <a:ext cx="6768940" cy="3807529"/>
+            <a:off x="395420" y="2060810"/>
+            <a:ext cx="7791450" cy="4217316"/>
           </a:xfrm>
           <a:prstGeom prst="rect">
             <a:avLst/>
           </a:prstGeom>
+          <a:noFill/>
+          <a:extLst>
+            <a:ext uri="{909E8E84-426E-40DD-AFC4-6F175D3DCCD1}">
+              <a14:hiddenFill xmlns:a14="http://schemas.microsoft.com/office/drawing/2010/main">
+                <a:solidFill>
+                  <a:srgbClr val="FFFFFF"/>
+                </a:solidFill>
+              </a14:hiddenFill>
+            </a:ext>
+          </a:extLst>
         </p:spPr>
       </p:pic>
       <p:sp>
         <p:nvSpPr>
-          <p:cNvPr id="8" name="正方形/長方形 7"/>
+          <p:cNvPr id="15" name="正方形/長方形 14"/>
           <p:cNvSpPr/>
           <p:nvPr/>
         </p:nvSpPr>
         <p:spPr bwMode="auto">
           <a:xfrm>
-            <a:off x="1421561" y="5570618"/>
-            <a:ext cx="1188166" cy="215295"/>
+            <a:off x="1677230" y="5619134"/>
+            <a:ext cx="1382560" cy="330216"/>
           </a:xfrm>
           <a:prstGeom prst="rect">
             <a:avLst/>
@@ -17247,21 +17307,21 @@
       </p:sp>
       <p:sp>
         <p:nvSpPr>
-          <p:cNvPr id="9" name="線吹き出し 1 (枠付き) 8"/>
+          <p:cNvPr id="16" name="線吹き出し 1 (枠付き) 15"/>
           <p:cNvSpPr/>
           <p:nvPr/>
         </p:nvSpPr>
         <p:spPr bwMode="auto">
           <a:xfrm>
-            <a:off x="3203810" y="3874534"/>
+            <a:off x="3563860" y="3968093"/>
             <a:ext cx="2278281" cy="504070"/>
           </a:xfrm>
           <a:prstGeom prst="borderCallout1">
             <a:avLst>
               <a:gd name="adj1" fmla="val 42937"/>
               <a:gd name="adj2" fmla="val 289"/>
-              <a:gd name="adj3" fmla="val 118547"/>
-              <a:gd name="adj4" fmla="val -23335"/>
+              <a:gd name="adj3" fmla="val 87949"/>
+              <a:gd name="adj4" fmla="val -27687"/>
             </a:avLst>
           </a:prstGeom>
           <a:ln>
@@ -17339,21 +17399,21 @@
       </p:sp>
       <p:sp>
         <p:nvSpPr>
-          <p:cNvPr id="10" name="線吹き出し 1 (枠付き) 9"/>
+          <p:cNvPr id="17" name="線吹き出し 1 (枠付き) 16"/>
           <p:cNvSpPr/>
           <p:nvPr/>
         </p:nvSpPr>
         <p:spPr bwMode="auto">
           <a:xfrm>
-            <a:off x="2702672" y="5713176"/>
+            <a:off x="3348809" y="6034171"/>
             <a:ext cx="2445408" cy="347239"/>
           </a:xfrm>
           <a:prstGeom prst="borderCallout1">
             <a:avLst>
               <a:gd name="adj1" fmla="val 42937"/>
               <a:gd name="adj2" fmla="val 289"/>
-              <a:gd name="adj3" fmla="val 3122"/>
-              <a:gd name="adj4" fmla="val -7803"/>
+              <a:gd name="adj3" fmla="val -31778"/>
+              <a:gd name="adj4" fmla="val -12308"/>
             </a:avLst>
           </a:prstGeom>
           <a:ln>
@@ -17432,14 +17492,14 @@
       </p:sp>
       <p:sp>
         <p:nvSpPr>
-          <p:cNvPr id="11" name="正方形/長方形 10"/>
+          <p:cNvPr id="18" name="正方形/長方形 17"/>
           <p:cNvSpPr/>
           <p:nvPr/>
         </p:nvSpPr>
         <p:spPr bwMode="auto">
           <a:xfrm>
-            <a:off x="1432591" y="3092144"/>
-            <a:ext cx="1243844" cy="480876"/>
+            <a:off x="1677230" y="2780910"/>
+            <a:ext cx="1526580" cy="624896"/>
           </a:xfrm>
           <a:prstGeom prst="rect">
             <a:avLst/>
@@ -17565,21 +17625,21 @@
       </p:sp>
       <p:sp>
         <p:nvSpPr>
-          <p:cNvPr id="12" name="線吹き出し 1 (枠付き) 11"/>
+          <p:cNvPr id="19" name="線吹き出し 1 (枠付き) 18"/>
           <p:cNvSpPr/>
           <p:nvPr/>
         </p:nvSpPr>
         <p:spPr bwMode="auto">
           <a:xfrm>
-            <a:off x="2892465" y="2852920"/>
+            <a:off x="3563860" y="2915246"/>
             <a:ext cx="2736380" cy="347239"/>
           </a:xfrm>
           <a:prstGeom prst="borderCallout1">
             <a:avLst>
               <a:gd name="adj1" fmla="val 42937"/>
               <a:gd name="adj2" fmla="val 289"/>
-              <a:gd name="adj3" fmla="val 77733"/>
-              <a:gd name="adj4" fmla="val -12195"/>
+              <a:gd name="adj3" fmla="val 84078"/>
+              <a:gd name="adj4" fmla="val -14611"/>
             </a:avLst>
           </a:prstGeom>
           <a:ln>
@@ -17612,7 +17672,7 @@
           <a:lstStyle/>
           <a:p>
             <a:r>
-              <a:rPr lang="en-US" altLang="ja-JP" sz="1100" smtClean="0">
+              <a:rPr lang="en-US" altLang="ja-JP" sz="1100" dirty="0" err="1" smtClean="0">
                 <a:solidFill>
                   <a:schemeClr val="tx1"/>
                 </a:solidFill>
@@ -17621,7 +17681,7 @@
               <a:t>kym</a:t>
             </a:r>
             <a:r>
-              <a:rPr lang="ja-JP" altLang="en-US" sz="1100" smtClean="0">
+              <a:rPr lang="ja-JP" altLang="en-US" sz="1100" dirty="0" smtClean="0">
                 <a:solidFill>
                   <a:schemeClr val="tx1"/>
                 </a:solidFill>
@@ -17629,7 +17689,7 @@
               </a:rPr>
               <a:t>ファイルをアップロードできます。</a:t>
             </a:r>
-            <a:endParaRPr lang="en-US" altLang="ja-JP" sz="1100">
+            <a:endParaRPr lang="en-US" altLang="ja-JP" sz="1100" dirty="0">
               <a:solidFill>
                 <a:schemeClr val="tx1"/>
               </a:solidFill>
@@ -17691,22 +17751,22 @@
           <a:lstStyle/>
           <a:p>
             <a:r>
-              <a:rPr lang="en-US" altLang="ja-JP" smtClean="0"/>
+              <a:rPr lang="en-US" altLang="ja-JP" dirty="0" smtClean="0"/>
               <a:t>2.7 </a:t>
             </a:r>
             <a:r>
-              <a:rPr lang="ja-JP" altLang="en-US"/>
+              <a:rPr lang="ja-JP" altLang="en-US" dirty="0"/>
               <a:t>各メニューの説明</a:t>
             </a:r>
             <a:r>
-              <a:rPr lang="en-US" altLang="ja-JP" smtClean="0"/>
+              <a:rPr lang="en-US" altLang="ja-JP" dirty="0" smtClean="0"/>
               <a:t>(6/6</a:t>
             </a:r>
             <a:r>
-              <a:rPr lang="en-US" altLang="ja-JP"/>
+              <a:rPr lang="en-US" altLang="ja-JP" dirty="0"/>
               <a:t>)</a:t>
             </a:r>
-            <a:endParaRPr kumimoji="1" lang="ja-JP" altLang="en-US"/>
+            <a:endParaRPr kumimoji="1" lang="ja-JP" altLang="en-US" dirty="0"/>
           </a:p>
         </p:txBody>
       </p:sp>
@@ -17726,59 +17786,59 @@
           <a:lstStyle/>
           <a:p>
             <a:r>
-              <a:rPr lang="en-US" altLang="ja-JP" b="1" smtClean="0"/>
+              <a:rPr lang="en-US" altLang="ja-JP" b="1" dirty="0" smtClean="0"/>
               <a:t>Symphony</a:t>
             </a:r>
             <a:r>
-              <a:rPr lang="en-US" altLang="ja-JP" b="1"/>
+              <a:rPr lang="en-US" altLang="ja-JP" b="1" dirty="0"/>
               <a:t>/</a:t>
             </a:r>
             <a:r>
-              <a:rPr lang="ja-JP" altLang="en-US" b="1" smtClean="0"/>
+              <a:rPr lang="ja-JP" altLang="en-US" b="1" dirty="0" smtClean="0"/>
               <a:t>オペレーション　エクスポート</a:t>
             </a:r>
             <a:r>
-              <a:rPr lang="en-US" altLang="ja-JP" b="1" smtClean="0"/>
+              <a:rPr lang="en-US" altLang="ja-JP" b="1" dirty="0" smtClean="0"/>
               <a:t>/</a:t>
             </a:r>
             <a:r>
-              <a:rPr lang="ja-JP" altLang="en-US" b="1" smtClean="0"/>
+              <a:rPr lang="ja-JP" altLang="en-US" b="1" dirty="0" smtClean="0"/>
               <a:t>インポート管理</a:t>
             </a:r>
-            <a:endParaRPr lang="en-US" altLang="ja-JP" b="1" smtClean="0"/>
+            <a:endParaRPr lang="en-US" altLang="ja-JP" b="1" dirty="0" smtClean="0"/>
           </a:p>
           <a:p>
             <a:pPr marL="180000" lvl="1" indent="0">
               <a:buNone/>
             </a:pPr>
             <a:r>
-              <a:rPr lang="ja-JP" altLang="en-US"/>
+              <a:rPr lang="ja-JP" altLang="en-US" dirty="0"/>
               <a:t>実行したエクスポート</a:t>
             </a:r>
             <a:r>
-              <a:rPr lang="en-US" altLang="ja-JP"/>
+              <a:rPr lang="en-US" altLang="ja-JP" dirty="0"/>
               <a:t>/</a:t>
             </a:r>
             <a:r>
-              <a:rPr lang="ja-JP" altLang="en-US"/>
+              <a:rPr lang="ja-JP" altLang="en-US" dirty="0"/>
               <a:t>インポートの情報を確認できます。</a:t>
             </a:r>
             <a:r>
-              <a:rPr lang="en-US" altLang="ja-JP"/>
+              <a:rPr lang="en-US" altLang="ja-JP" dirty="0"/>
               <a:t/>
             </a:r>
             <a:br>
-              <a:rPr lang="en-US" altLang="ja-JP"/>
+              <a:rPr lang="en-US" altLang="ja-JP" dirty="0"/>
             </a:br>
             <a:r>
-              <a:rPr lang="ja-JP" altLang="en-US"/>
+              <a:rPr lang="ja-JP" altLang="en-US" dirty="0"/>
               <a:t>作業の進行ステータスの確認や、移行データのダウンロードができます</a:t>
             </a:r>
             <a:r>
-              <a:rPr lang="ja-JP" altLang="en-US" smtClean="0"/>
+              <a:rPr lang="ja-JP" altLang="en-US" dirty="0" smtClean="0"/>
               <a:t>。</a:t>
             </a:r>
-            <a:endParaRPr lang="en-US" altLang="ja-JP" sz="2000" b="1"/>
+            <a:endParaRPr lang="en-US" altLang="ja-JP" sz="2000" b="1" dirty="0"/>
           </a:p>
         </p:txBody>
       </p:sp>
@@ -17808,20 +17868,20 @@
       </p:pic>
       <p:sp>
         <p:nvSpPr>
-          <p:cNvPr id="7" name="正方形/長方形 6"/>
+          <p:cNvPr id="11" name="正方形/長方形 10"/>
           <p:cNvSpPr/>
           <p:nvPr/>
         </p:nvSpPr>
         <p:spPr bwMode="auto">
           <a:xfrm>
-            <a:off x="1998310" y="3680828"/>
-            <a:ext cx="576080" cy="1324771"/>
+            <a:off x="1979639" y="3668224"/>
+            <a:ext cx="612086" cy="1324322"/>
           </a:xfrm>
           <a:prstGeom prst="rect">
             <a:avLst/>
           </a:prstGeom>
           <a:noFill/>
-          <a:ln w="9525">
+          <a:ln w="28575">
             <a:solidFill>
               <a:srgbClr val="FF0000"/>
             </a:solidFill>
@@ -17941,20 +18001,20 @@
       </p:sp>
       <p:sp>
         <p:nvSpPr>
-          <p:cNvPr id="8" name="正方形/長方形 7"/>
+          <p:cNvPr id="12" name="正方形/長方形 11"/>
           <p:cNvSpPr/>
           <p:nvPr/>
         </p:nvSpPr>
         <p:spPr bwMode="auto">
           <a:xfrm>
-            <a:off x="3052170" y="3693879"/>
-            <a:ext cx="1440200" cy="1298667"/>
+            <a:off x="3059790" y="3644950"/>
+            <a:ext cx="1440200" cy="1324322"/>
           </a:xfrm>
           <a:prstGeom prst="rect">
             <a:avLst/>
           </a:prstGeom>
           <a:noFill/>
-          <a:ln w="9525">
+          <a:ln w="28575">
             <a:solidFill>
               <a:srgbClr val="FF0000"/>
             </a:solidFill>
@@ -18074,144 +18134,7 @@
       </p:sp>
       <p:sp>
         <p:nvSpPr>
-          <p:cNvPr id="9" name="線吹き出し 1 (枠付き) 8"/>
-          <p:cNvSpPr/>
-          <p:nvPr/>
-        </p:nvSpPr>
-        <p:spPr bwMode="auto">
-          <a:xfrm>
-            <a:off x="4571513" y="5153266"/>
-            <a:ext cx="2667213" cy="504070"/>
-          </a:xfrm>
-          <a:prstGeom prst="borderCallout1">
-            <a:avLst>
-              <a:gd name="adj1" fmla="val 42937"/>
-              <a:gd name="adj2" fmla="val 289"/>
-              <a:gd name="adj3" fmla="val -47739"/>
-              <a:gd name="adj4" fmla="val -5764"/>
-            </a:avLst>
-          </a:prstGeom>
-          <a:ln>
-            <a:headEnd type="oval" w="med" len="med"/>
-            <a:tailEnd type="oval" w="med" len="med"/>
-          </a:ln>
-          <a:extLst/>
-        </p:spPr>
-        <p:style>
-          <a:lnRef idx="2">
-            <a:schemeClr val="accent6"/>
-          </a:lnRef>
-          <a:fillRef idx="1">
-            <a:schemeClr val="lt1"/>
-          </a:fillRef>
-          <a:effectRef idx="0">
-            <a:schemeClr val="accent6"/>
-          </a:effectRef>
-          <a:fontRef idx="minor">
-            <a:schemeClr val="dk1"/>
-          </a:fontRef>
-        </p:style>
-        <p:txBody>
-          <a:bodyPr rot="0" spcFirstLastPara="0" vertOverflow="overflow" horzOverflow="overflow" vert="horz" wrap="none" lIns="72000" tIns="72000" rIns="72000" bIns="72000" numCol="1" spcCol="0" rtlCol="0" fromWordArt="0" anchor="ctr" anchorCtr="0" forceAA="0" compatLnSpc="1">
-            <a:prstTxWarp prst="textNoShape">
-              <a:avLst/>
-            </a:prstTxWarp>
-            <a:noAutofit/>
-          </a:bodyPr>
-          <a:lstStyle/>
-          <a:p>
-            <a:r>
-              <a:rPr lang="ja-JP" altLang="en-US" sz="1100">
-                <a:solidFill>
-                  <a:schemeClr val="tx1"/>
-                </a:solidFill>
-                <a:latin typeface="+mn-ea"/>
-              </a:rPr>
-              <a:t>エクスポート</a:t>
-            </a:r>
-            <a:r>
-              <a:rPr lang="en-US" altLang="ja-JP" sz="1100">
-                <a:solidFill>
-                  <a:schemeClr val="tx1"/>
-                </a:solidFill>
-                <a:latin typeface="+mn-ea"/>
-              </a:rPr>
-              <a:t>/</a:t>
-            </a:r>
-            <a:r>
-              <a:rPr lang="ja-JP" altLang="en-US" sz="1100">
-                <a:solidFill>
-                  <a:schemeClr val="tx1"/>
-                </a:solidFill>
-                <a:latin typeface="+mn-ea"/>
-              </a:rPr>
-              <a:t>インポートした</a:t>
-            </a:r>
-            <a:r>
-              <a:rPr lang="en-US" altLang="ja-JP" sz="1100">
-                <a:solidFill>
-                  <a:schemeClr val="tx1"/>
-                </a:solidFill>
-                <a:latin typeface="+mn-ea"/>
-              </a:rPr>
-              <a:t/>
-            </a:r>
-            <a:br>
-              <a:rPr lang="en-US" altLang="ja-JP" sz="1100">
-                <a:solidFill>
-                  <a:schemeClr val="tx1"/>
-                </a:solidFill>
-                <a:latin typeface="+mn-ea"/>
-              </a:rPr>
-            </a:br>
-            <a:r>
-              <a:rPr lang="ja-JP" altLang="en-US" sz="1100">
-                <a:solidFill>
-                  <a:schemeClr val="tx1"/>
-                </a:solidFill>
-                <a:latin typeface="+mn-ea"/>
-              </a:rPr>
-              <a:t>ファイルを確認</a:t>
-            </a:r>
-            <a:r>
-              <a:rPr lang="en-US" altLang="ja-JP" sz="1100">
-                <a:solidFill>
-                  <a:schemeClr val="tx1"/>
-                </a:solidFill>
-                <a:latin typeface="+mn-ea"/>
-              </a:rPr>
-              <a:t>/</a:t>
-            </a:r>
-            <a:r>
-              <a:rPr lang="ja-JP" altLang="en-US" sz="1100">
-                <a:solidFill>
-                  <a:schemeClr val="tx1"/>
-                </a:solidFill>
-                <a:latin typeface="+mn-ea"/>
-              </a:rPr>
-              <a:t>ダウンロードできます</a:t>
-            </a:r>
-            <a:r>
-              <a:rPr lang="ja-JP" altLang="en-US" sz="1100" smtClean="0">
-                <a:solidFill>
-                  <a:schemeClr val="tx1"/>
-                </a:solidFill>
-                <a:latin typeface="+mn-ea"/>
-              </a:rPr>
-              <a:t>。</a:t>
-            </a:r>
-            <a:endParaRPr lang="en-US" altLang="ja-JP" sz="1100">
-              <a:solidFill>
-                <a:schemeClr val="tx1"/>
-              </a:solidFill>
-              <a:latin typeface="+mn-ea"/>
-            </a:endParaRPr>
-          </a:p>
-        </p:txBody>
-      </p:sp>
-      <p:sp>
-        <p:nvSpPr>
-          <p:cNvPr id="10" name="線吹き出し 1 (枠付き) 9"/>
+          <p:cNvPr id="14" name="線吹き出し 1 (枠付き) 13"/>
           <p:cNvSpPr/>
           <p:nvPr/>
         </p:nvSpPr>
@@ -18261,7 +18184,7 @@
               <a:defRPr/>
             </a:pPr>
             <a:r>
-              <a:rPr lang="ja-JP" altLang="en-US" sz="1100">
+              <a:rPr lang="ja-JP" altLang="en-US" sz="1100" dirty="0">
                 <a:solidFill>
                   <a:schemeClr val="tx1"/>
                 </a:solidFill>
@@ -18270,7 +18193,7 @@
               <a:t>作業ステータスを確認できます。</a:t>
             </a:r>
             <a:r>
-              <a:rPr lang="en-US" altLang="ja-JP" sz="1100">
+              <a:rPr lang="en-US" altLang="ja-JP" sz="1100" dirty="0">
                 <a:solidFill>
                   <a:schemeClr val="tx1"/>
                 </a:solidFill>
@@ -18279,7 +18202,7 @@
               <a:t/>
             </a:r>
             <a:br>
-              <a:rPr lang="en-US" altLang="ja-JP" sz="1100">
+              <a:rPr lang="en-US" altLang="ja-JP" sz="1100" dirty="0">
                 <a:solidFill>
                   <a:schemeClr val="tx1"/>
                 </a:solidFill>
@@ -18287,13 +18210,150 @@
               </a:rPr>
             </a:br>
             <a:r>
-              <a:rPr lang="ja-JP" altLang="en-US" sz="1100">
+              <a:rPr lang="ja-JP" altLang="en-US" sz="1100" dirty="0">
                 <a:solidFill>
                   <a:schemeClr val="tx1"/>
                 </a:solidFill>
                 <a:latin typeface="+mn-ea"/>
               </a:rPr>
               <a:t>「未実行」「実行中」「完了」の順に遷移します。</a:t>
+            </a:r>
+            <a:endParaRPr lang="en-US" altLang="ja-JP" sz="1100" dirty="0">
+              <a:solidFill>
+                <a:schemeClr val="tx1"/>
+              </a:solidFill>
+              <a:latin typeface="+mn-ea"/>
+            </a:endParaRPr>
+          </a:p>
+        </p:txBody>
+      </p:sp>
+      <p:sp>
+        <p:nvSpPr>
+          <p:cNvPr id="15" name="線吹き出し 1 (枠付き) 14"/>
+          <p:cNvSpPr/>
+          <p:nvPr/>
+        </p:nvSpPr>
+        <p:spPr bwMode="auto">
+          <a:xfrm>
+            <a:off x="4571513" y="5153266"/>
+            <a:ext cx="2667213" cy="504070"/>
+          </a:xfrm>
+          <a:prstGeom prst="borderCallout1">
+            <a:avLst>
+              <a:gd name="adj1" fmla="val 42937"/>
+              <a:gd name="adj2" fmla="val 289"/>
+              <a:gd name="adj3" fmla="val -47739"/>
+              <a:gd name="adj4" fmla="val -5764"/>
+            </a:avLst>
+          </a:prstGeom>
+          <a:ln>
+            <a:headEnd type="oval" w="med" len="med"/>
+            <a:tailEnd type="oval" w="med" len="med"/>
+          </a:ln>
+          <a:extLst/>
+        </p:spPr>
+        <p:style>
+          <a:lnRef idx="2">
+            <a:schemeClr val="accent6"/>
+          </a:lnRef>
+          <a:fillRef idx="1">
+            <a:schemeClr val="lt1"/>
+          </a:fillRef>
+          <a:effectRef idx="0">
+            <a:schemeClr val="accent6"/>
+          </a:effectRef>
+          <a:fontRef idx="minor">
+            <a:schemeClr val="dk1"/>
+          </a:fontRef>
+        </p:style>
+        <p:txBody>
+          <a:bodyPr rot="0" spcFirstLastPara="0" vertOverflow="overflow" horzOverflow="overflow" vert="horz" wrap="none" lIns="72000" tIns="72000" rIns="72000" bIns="72000" numCol="1" spcCol="0" rtlCol="0" fromWordArt="0" anchor="ctr" anchorCtr="0" forceAA="0" compatLnSpc="1">
+            <a:prstTxWarp prst="textNoShape">
+              <a:avLst/>
+            </a:prstTxWarp>
+            <a:noAutofit/>
+          </a:bodyPr>
+          <a:lstStyle/>
+          <a:p>
+            <a:r>
+              <a:rPr lang="ja-JP" altLang="en-US" sz="1100">
+                <a:solidFill>
+                  <a:schemeClr val="tx1"/>
+                </a:solidFill>
+                <a:latin typeface="+mn-ea"/>
+              </a:rPr>
+              <a:t>エクスポート</a:t>
+            </a:r>
+            <a:r>
+              <a:rPr lang="en-US" altLang="ja-JP" sz="1100">
+                <a:solidFill>
+                  <a:schemeClr val="tx1"/>
+                </a:solidFill>
+                <a:latin typeface="+mn-ea"/>
+              </a:rPr>
+              <a:t>/</a:t>
+            </a:r>
+            <a:r>
+              <a:rPr lang="ja-JP" altLang="en-US" sz="1100">
+                <a:solidFill>
+                  <a:schemeClr val="tx1"/>
+                </a:solidFill>
+                <a:latin typeface="+mn-ea"/>
+              </a:rPr>
+              <a:t>インポートした</a:t>
+            </a:r>
+            <a:r>
+              <a:rPr lang="en-US" altLang="ja-JP" sz="1100">
+                <a:solidFill>
+                  <a:schemeClr val="tx1"/>
+                </a:solidFill>
+                <a:latin typeface="+mn-ea"/>
+              </a:rPr>
+              <a:t/>
+            </a:r>
+            <a:br>
+              <a:rPr lang="en-US" altLang="ja-JP" sz="1100">
+                <a:solidFill>
+                  <a:schemeClr val="tx1"/>
+                </a:solidFill>
+                <a:latin typeface="+mn-ea"/>
+              </a:rPr>
+            </a:br>
+            <a:r>
+              <a:rPr lang="ja-JP" altLang="en-US" sz="1100">
+                <a:solidFill>
+                  <a:schemeClr val="tx1"/>
+                </a:solidFill>
+                <a:latin typeface="+mn-ea"/>
+              </a:rPr>
+              <a:t>ファイルを確認</a:t>
+            </a:r>
+            <a:r>
+              <a:rPr lang="en-US" altLang="ja-JP" sz="1100">
+                <a:solidFill>
+                  <a:schemeClr val="tx1"/>
+                </a:solidFill>
+                <a:latin typeface="+mn-ea"/>
+              </a:rPr>
+              <a:t>/</a:t>
+            </a:r>
+            <a:r>
+              <a:rPr lang="ja-JP" altLang="en-US" sz="1100">
+                <a:solidFill>
+                  <a:schemeClr val="tx1"/>
+                </a:solidFill>
+                <a:latin typeface="+mn-ea"/>
+              </a:rPr>
+              <a:t>ダウンロードできます</a:t>
+            </a:r>
+            <a:r>
+              <a:rPr lang="ja-JP" altLang="en-US" sz="1100" smtClean="0">
+                <a:solidFill>
+                  <a:schemeClr val="tx1"/>
+                </a:solidFill>
+                <a:latin typeface="+mn-ea"/>
+              </a:rPr>
+              <a:t>。</a:t>
             </a:r>
             <a:endParaRPr lang="en-US" altLang="ja-JP" sz="1100">
               <a:solidFill>
@@ -18404,42 +18464,42 @@
               <a:buAutoNum type="arabicPeriod"/>
             </a:pPr>
             <a:r>
-              <a:rPr lang="ja-JP" altLang="en-US" smtClean="0"/>
+              <a:rPr lang="ja-JP" altLang="en-US" dirty="0" smtClean="0"/>
               <a:t>はじめに</a:t>
             </a:r>
             <a:r>
-              <a:rPr lang="en-US" altLang="ja-JP"/>
+              <a:rPr lang="en-US" altLang="ja-JP" dirty="0"/>
               <a:t/>
             </a:r>
             <a:br>
-              <a:rPr lang="en-US" altLang="ja-JP"/>
+              <a:rPr lang="en-US" altLang="ja-JP" dirty="0"/>
             </a:br>
             <a:r>
-              <a:rPr lang="en-US" altLang="ja-JP" smtClean="0"/>
+              <a:rPr lang="en-US" altLang="ja-JP" dirty="0" smtClean="0"/>
               <a:t>1.</a:t>
             </a:r>
             <a:r>
-              <a:rPr lang="ja-JP" altLang="en-US" smtClean="0"/>
+              <a:rPr lang="ja-JP" altLang="en-US" dirty="0" smtClean="0"/>
               <a:t> </a:t>
             </a:r>
             <a:r>
-              <a:rPr lang="ja-JP" altLang="en-US" smtClean="0">
+              <a:rPr lang="ja-JP" altLang="en-US" dirty="0" smtClean="0">
                 <a:hlinkClick r:id="rId2" action="ppaction://hlinksldjump"/>
               </a:rPr>
               <a:t>本書について</a:t>
             </a:r>
             <a:r>
-              <a:rPr lang="en-US" altLang="ja-JP" smtClean="0">
+              <a:rPr lang="en-US" altLang="ja-JP" dirty="0" smtClean="0">
                 <a:hlinkClick r:id="rId2" action="ppaction://hlinksldjump"/>
               </a:rPr>
               <a:t/>
             </a:r>
             <a:br>
-              <a:rPr lang="en-US" altLang="ja-JP" smtClean="0">
+              <a:rPr lang="en-US" altLang="ja-JP" dirty="0" smtClean="0">
                 <a:hlinkClick r:id="rId2" action="ppaction://hlinksldjump"/>
               </a:rPr>
             </a:br>
-            <a:endParaRPr lang="en-US" altLang="ja-JP" smtClean="0"/>
+            <a:endParaRPr lang="en-US" altLang="ja-JP" dirty="0" smtClean="0"/>
           </a:p>
           <a:p>
             <a:pPr marL="342900" indent="-342900">
@@ -18447,18 +18507,18 @@
               <a:buAutoNum type="arabicPeriod"/>
             </a:pPr>
             <a:r>
-              <a:rPr lang="ja-JP" altLang="en-US" smtClean="0"/>
+              <a:rPr lang="ja-JP" altLang="en-US" dirty="0" smtClean="0"/>
               <a:t>エクスポート</a:t>
             </a:r>
             <a:r>
-              <a:rPr lang="en-US" altLang="ja-JP" smtClean="0"/>
+              <a:rPr lang="en-US" altLang="ja-JP" dirty="0" smtClean="0"/>
               <a:t>/</a:t>
             </a:r>
             <a:r>
-              <a:rPr lang="ja-JP" altLang="en-US" smtClean="0"/>
+              <a:rPr lang="ja-JP" altLang="en-US" dirty="0" smtClean="0"/>
               <a:t>インポート機能</a:t>
             </a:r>
-            <a:endParaRPr lang="en-US" altLang="ja-JP"/>
+            <a:endParaRPr lang="en-US" altLang="ja-JP" dirty="0"/>
           </a:p>
           <a:p>
             <a:pPr marL="800100" lvl="1" indent="-342900">
@@ -18466,30 +18526,30 @@
               <a:buAutoNum type="arabicPeriod"/>
             </a:pPr>
             <a:r>
-              <a:rPr lang="ja-JP" altLang="en-US" smtClean="0">
+              <a:rPr lang="ja-JP" altLang="en-US" dirty="0" smtClean="0">
                 <a:hlinkClick r:id="rId3" action="ppaction://hlinksldjump"/>
               </a:rPr>
               <a:t>概要</a:t>
             </a:r>
             <a:r>
-              <a:rPr lang="en-US" altLang="ja-JP" smtClean="0">
+              <a:rPr lang="en-US" altLang="ja-JP" dirty="0" smtClean="0">
                 <a:hlinkClick r:id="rId3" action="ppaction://hlinksldjump"/>
               </a:rPr>
               <a:t>(</a:t>
             </a:r>
             <a:r>
-              <a:rPr lang="ja-JP" altLang="en-US" smtClean="0">
+              <a:rPr lang="ja-JP" altLang="en-US" dirty="0" smtClean="0">
                 <a:hlinkClick r:id="rId3" action="ppaction://hlinksldjump"/>
               </a:rPr>
               <a:t>総合</a:t>
             </a:r>
             <a:r>
-              <a:rPr lang="en-US" altLang="ja-JP" smtClean="0">
+              <a:rPr lang="en-US" altLang="ja-JP" dirty="0" smtClean="0">
                 <a:hlinkClick r:id="rId3" action="ppaction://hlinksldjump"/>
               </a:rPr>
               <a:t>)</a:t>
             </a:r>
-            <a:endParaRPr lang="en-US" altLang="ja-JP" smtClean="0"/>
+            <a:endParaRPr lang="en-US" altLang="ja-JP" dirty="0" smtClean="0"/>
           </a:p>
           <a:p>
             <a:pPr marL="800100" lvl="1" indent="-342900">
@@ -18497,30 +18557,30 @@
               <a:buAutoNum type="arabicPeriod"/>
             </a:pPr>
             <a:r>
-              <a:rPr lang="ja-JP" altLang="en-US" smtClean="0">
+              <a:rPr lang="ja-JP" altLang="en-US" dirty="0" smtClean="0">
                 <a:hlinkClick r:id="rId4" action="ppaction://hlinksldjump"/>
               </a:rPr>
               <a:t>概要</a:t>
             </a:r>
             <a:r>
-              <a:rPr lang="en-US" altLang="ja-JP" smtClean="0">
+              <a:rPr lang="en-US" altLang="ja-JP" dirty="0" smtClean="0">
                 <a:hlinkClick r:id="rId4" action="ppaction://hlinksldjump"/>
               </a:rPr>
               <a:t>(</a:t>
             </a:r>
             <a:r>
-              <a:rPr lang="ja-JP" altLang="en-US" smtClean="0">
+              <a:rPr lang="ja-JP" altLang="en-US" dirty="0" smtClean="0">
                 <a:hlinkClick r:id="rId4" action="ppaction://hlinksldjump"/>
               </a:rPr>
               <a:t>メニュー</a:t>
             </a:r>
             <a:r>
-              <a:rPr lang="en-US" altLang="ja-JP" smtClean="0">
+              <a:rPr lang="en-US" altLang="ja-JP" dirty="0" smtClean="0">
                 <a:hlinkClick r:id="rId4" action="ppaction://hlinksldjump"/>
               </a:rPr>
               <a:t>)</a:t>
             </a:r>
-            <a:endParaRPr lang="en-US" altLang="ja-JP" smtClean="0"/>
+            <a:endParaRPr lang="en-US" altLang="ja-JP" dirty="0" smtClean="0"/>
           </a:p>
           <a:p>
             <a:pPr marL="800100" lvl="1" indent="-342900">
@@ -18528,30 +18588,30 @@
               <a:buAutoNum type="arabicPeriod"/>
             </a:pPr>
             <a:r>
-              <a:rPr lang="ja-JP" altLang="en-US" smtClean="0">
+              <a:rPr lang="ja-JP" altLang="en-US" dirty="0" smtClean="0">
                 <a:hlinkClick r:id="rId5" action="ppaction://hlinksldjump"/>
               </a:rPr>
               <a:t>概要</a:t>
             </a:r>
             <a:r>
-              <a:rPr lang="en-US" altLang="ja-JP" smtClean="0">
+              <a:rPr lang="en-US" altLang="ja-JP" dirty="0" smtClean="0">
                 <a:hlinkClick r:id="rId5" action="ppaction://hlinksldjump"/>
               </a:rPr>
               <a:t>(symphony/</a:t>
             </a:r>
             <a:r>
-              <a:rPr lang="ja-JP" altLang="en-US" smtClean="0">
+              <a:rPr lang="ja-JP" altLang="en-US" dirty="0" smtClean="0">
                 <a:hlinkClick r:id="rId5" action="ppaction://hlinksldjump"/>
               </a:rPr>
               <a:t>オペレーション</a:t>
             </a:r>
             <a:r>
-              <a:rPr lang="en-US" altLang="ja-JP" smtClean="0">
+              <a:rPr lang="en-US" altLang="ja-JP" dirty="0" smtClean="0">
                 <a:hlinkClick r:id="rId5" action="ppaction://hlinksldjump"/>
               </a:rPr>
               <a:t>)</a:t>
             </a:r>
-            <a:endParaRPr lang="en-US" altLang="ja-JP" smtClean="0"/>
+            <a:endParaRPr lang="en-US" altLang="ja-JP" dirty="0" smtClean="0"/>
           </a:p>
           <a:p>
             <a:pPr marL="800100" lvl="1" indent="-342900">
@@ -18559,24 +18619,24 @@
               <a:buAutoNum type="arabicPeriod"/>
             </a:pPr>
             <a:r>
-              <a:rPr lang="ja-JP" altLang="en-US" smtClean="0">
+              <a:rPr lang="ja-JP" altLang="en-US" dirty="0" smtClean="0">
                 <a:hlinkClick r:id="rId6" action="ppaction://hlinksldjump"/>
               </a:rPr>
               <a:t>エクスポートで</a:t>
             </a:r>
             <a:r>
-              <a:rPr lang="ja-JP" altLang="en-US">
+              <a:rPr lang="ja-JP" altLang="en-US" dirty="0">
                 <a:hlinkClick r:id="rId6" action="ppaction://hlinksldjump"/>
               </a:rPr>
               <a:t>取得できる</a:t>
             </a:r>
             <a:r>
-              <a:rPr lang="ja-JP" altLang="en-US" smtClean="0">
+              <a:rPr lang="ja-JP" altLang="en-US" dirty="0" smtClean="0">
                 <a:hlinkClick r:id="rId6" action="ppaction://hlinksldjump"/>
               </a:rPr>
               <a:t>データ</a:t>
             </a:r>
-            <a:endParaRPr lang="en-US" altLang="ja-JP"/>
+            <a:endParaRPr lang="en-US" altLang="ja-JP" dirty="0"/>
           </a:p>
           <a:p>
             <a:pPr marL="800100" lvl="1" indent="-342900">
@@ -18584,12 +18644,12 @@
               <a:buAutoNum type="arabicPeriod"/>
             </a:pPr>
             <a:r>
-              <a:rPr lang="ja-JP" altLang="en-US" smtClean="0">
+              <a:rPr lang="ja-JP" altLang="en-US" dirty="0" smtClean="0">
                 <a:hlinkClick r:id="rId7" action="ppaction://hlinksldjump"/>
               </a:rPr>
               <a:t>メニュー概要</a:t>
             </a:r>
-            <a:endParaRPr lang="en-US" altLang="ja-JP"/>
+            <a:endParaRPr lang="en-US" altLang="ja-JP" dirty="0"/>
           </a:p>
           <a:p>
             <a:pPr marL="800100" lvl="1" indent="-342900">
@@ -18597,12 +18657,12 @@
               <a:buAutoNum type="arabicPeriod"/>
             </a:pPr>
             <a:r>
-              <a:rPr lang="ja-JP" altLang="en-US" smtClean="0">
+              <a:rPr lang="ja-JP" altLang="en-US" dirty="0" smtClean="0">
                 <a:hlinkClick r:id="rId8" action="ppaction://hlinksldjump"/>
               </a:rPr>
               <a:t>作業の流れ</a:t>
             </a:r>
-            <a:endParaRPr lang="en-US" altLang="ja-JP"/>
+            <a:endParaRPr lang="en-US" altLang="ja-JP" dirty="0"/>
           </a:p>
           <a:p>
             <a:pPr marL="800100" lvl="1" indent="-342900">
@@ -18610,12 +18670,12 @@
               <a:buAutoNum type="arabicPeriod"/>
             </a:pPr>
             <a:r>
-              <a:rPr lang="ja-JP" altLang="en-US" smtClean="0">
+              <a:rPr lang="ja-JP" altLang="en-US" dirty="0" smtClean="0">
                 <a:hlinkClick r:id="rId8" action="ppaction://hlinksldjump"/>
               </a:rPr>
               <a:t>各メニューの説明</a:t>
             </a:r>
-            <a:endParaRPr lang="en-US" altLang="ja-JP" smtClean="0"/>
+            <a:endParaRPr lang="en-US" altLang="ja-JP" dirty="0" smtClean="0"/>
           </a:p>
         </p:txBody>
       </p:sp>
@@ -18714,19 +18774,19 @@
           <a:lstStyle/>
           <a:p>
             <a:r>
-              <a:rPr lang="en-US" altLang="ja-JP" smtClean="0"/>
+              <a:rPr lang="en-US" altLang="ja-JP" dirty="0" smtClean="0"/>
               <a:t>2.</a:t>
             </a:r>
             <a:r>
-              <a:rPr lang="ja-JP" altLang="en-US" smtClean="0"/>
+              <a:rPr lang="ja-JP" altLang="en-US" dirty="0" smtClean="0"/>
               <a:t> エクスポート</a:t>
             </a:r>
             <a:r>
-              <a:rPr lang="en-US" altLang="ja-JP"/>
+              <a:rPr lang="en-US" altLang="ja-JP" dirty="0"/>
               <a:t>/</a:t>
             </a:r>
             <a:r>
-              <a:rPr lang="ja-JP" altLang="en-US"/>
+              <a:rPr lang="ja-JP" altLang="en-US" dirty="0"/>
               <a:t>インポート機能</a:t>
             </a:r>
             <a:endParaRPr lang="en-US" altLang="ja-JP" dirty="0"/>
@@ -19011,59 +19071,59 @@
           <a:lstStyle/>
           <a:p>
             <a:r>
-              <a:rPr kumimoji="1" lang="ja-JP" altLang="en-US" b="1" smtClean="0"/>
+              <a:rPr kumimoji="1" lang="ja-JP" altLang="en-US" b="1" dirty="0" smtClean="0"/>
               <a:t>本書について</a:t>
             </a:r>
             <a:r>
-              <a:rPr lang="en-US" altLang="ja-JP" b="1"/>
+              <a:rPr lang="en-US" altLang="ja-JP" b="1" dirty="0"/>
               <a:t/>
             </a:r>
             <a:br>
-              <a:rPr lang="en-US" altLang="ja-JP" b="1"/>
+              <a:rPr lang="en-US" altLang="ja-JP" b="1" dirty="0"/>
             </a:br>
             <a:r>
-              <a:rPr lang="ja-JP" altLang="en-US" sz="1600" smtClean="0"/>
+              <a:rPr lang="ja-JP" altLang="en-US" sz="1600" dirty="0" smtClean="0"/>
               <a:t>本書では「エクスポート</a:t>
             </a:r>
             <a:r>
-              <a:rPr lang="en-US" altLang="ja-JP" sz="1600" smtClean="0"/>
+              <a:rPr lang="en-US" altLang="ja-JP" sz="1600" dirty="0" smtClean="0"/>
               <a:t>/</a:t>
             </a:r>
             <a:r>
-              <a:rPr lang="ja-JP" altLang="en-US" sz="1600" smtClean="0"/>
+              <a:rPr lang="ja-JP" altLang="en-US" sz="1600" dirty="0" smtClean="0"/>
               <a:t>インポート」について説明しております。</a:t>
             </a:r>
             <a:r>
-              <a:rPr lang="en-US" altLang="ja-JP" sz="1600" smtClean="0"/>
+              <a:rPr lang="en-US" altLang="ja-JP" sz="1600" dirty="0" smtClean="0"/>
               <a:t/>
             </a:r>
             <a:br>
-              <a:rPr lang="en-US" altLang="ja-JP" sz="1600" smtClean="0"/>
+              <a:rPr lang="en-US" altLang="ja-JP" sz="1600" dirty="0" smtClean="0"/>
             </a:br>
             <a:r>
-              <a:rPr lang="ja-JP" altLang="en-US" sz="1600" smtClean="0">
+              <a:rPr lang="ja-JP" altLang="en-US" sz="1600" dirty="0" smtClean="0">
                 <a:hlinkClick r:id="rId2"/>
               </a:rPr>
               <a:t>利用手順マニュアル</a:t>
             </a:r>
             <a:r>
-              <a:rPr lang="ja-JP" altLang="en-US" sz="1600" smtClean="0"/>
+              <a:rPr lang="ja-JP" altLang="en-US" sz="1600" dirty="0" smtClean="0"/>
               <a:t>により詳細な仕様を掲載しています。必要に合わせてご参照ください。</a:t>
             </a:r>
             <a:r>
-              <a:rPr lang="en-US" altLang="ja-JP" smtClean="0"/>
+              <a:rPr lang="en-US" altLang="ja-JP" dirty="0" smtClean="0"/>
               <a:t/>
             </a:r>
             <a:br>
-              <a:rPr lang="en-US" altLang="ja-JP" smtClean="0"/>
+              <a:rPr lang="en-US" altLang="ja-JP" dirty="0" smtClean="0"/>
             </a:br>
-            <a:endParaRPr kumimoji="1" lang="en-US" altLang="ja-JP" smtClean="0"/>
+            <a:endParaRPr kumimoji="1" lang="en-US" altLang="ja-JP" dirty="0" smtClean="0"/>
           </a:p>
         </p:txBody>
       </p:sp>
       <p:pic>
         <p:nvPicPr>
-          <p:cNvPr id="11" name="図 10"/>
+          <p:cNvPr id="3" name="図 2"/>
           <p:cNvPicPr>
             <a:picLocks noChangeAspect="1"/>
           </p:cNvPicPr>
@@ -19077,8 +19137,8 @@
         </p:blipFill>
         <p:spPr>
           <a:xfrm>
-            <a:off x="215180" y="2667050"/>
-            <a:ext cx="8712666" cy="3354238"/>
+            <a:off x="229776" y="1844780"/>
+            <a:ext cx="8712665" cy="4525549"/>
           </a:xfrm>
           <a:prstGeom prst="rect">
             <a:avLst/>
@@ -19087,14 +19147,14 @@
       </p:pic>
       <p:sp>
         <p:nvSpPr>
-          <p:cNvPr id="12" name="正方形/長方形 11"/>
+          <p:cNvPr id="8" name="正方形/長方形 7"/>
           <p:cNvSpPr/>
           <p:nvPr/>
         </p:nvSpPr>
         <p:spPr bwMode="auto">
           <a:xfrm>
-            <a:off x="3176218" y="3278871"/>
-            <a:ext cx="792110" cy="935809"/>
+            <a:off x="2267680" y="2276840"/>
+            <a:ext cx="648090" cy="935809"/>
           </a:xfrm>
           <a:prstGeom prst="rect">
             <a:avLst/>
@@ -19276,19 +19336,19 @@
           <a:lstStyle/>
           <a:p>
             <a:r>
-              <a:rPr lang="en-US" altLang="ja-JP" smtClean="0"/>
+              <a:rPr lang="en-US" altLang="ja-JP" dirty="0" smtClean="0"/>
               <a:t>2.</a:t>
             </a:r>
             <a:r>
-              <a:rPr lang="ja-JP" altLang="en-US" smtClean="0"/>
+              <a:rPr lang="ja-JP" altLang="en-US" dirty="0" smtClean="0"/>
               <a:t> エクスポート</a:t>
             </a:r>
             <a:r>
-              <a:rPr lang="en-US" altLang="ja-JP"/>
+              <a:rPr lang="en-US" altLang="ja-JP" dirty="0"/>
               <a:t>/</a:t>
             </a:r>
             <a:r>
-              <a:rPr lang="ja-JP" altLang="en-US"/>
+              <a:rPr lang="ja-JP" altLang="en-US" dirty="0"/>
               <a:t>インポート機能</a:t>
             </a:r>
             <a:endParaRPr lang="en-US" altLang="ja-JP" dirty="0"/>
@@ -19581,51 +19641,51 @@
           <a:lstStyle/>
           <a:p>
             <a:r>
-              <a:rPr lang="ja-JP" altLang="en-US" sz="8000" b="1" smtClean="0"/>
+              <a:rPr lang="ja-JP" altLang="en-US" sz="8000" b="1" dirty="0" smtClean="0"/>
               <a:t>エクスポート</a:t>
             </a:r>
             <a:r>
-              <a:rPr lang="en-US" altLang="ja-JP" sz="8000" b="1" smtClean="0"/>
+              <a:rPr lang="en-US" altLang="ja-JP" sz="8000" b="1" dirty="0" smtClean="0"/>
               <a:t>/</a:t>
             </a:r>
             <a:r>
-              <a:rPr lang="ja-JP" altLang="en-US" sz="8000" b="1" smtClean="0"/>
+              <a:rPr lang="ja-JP" altLang="en-US" sz="8000" b="1" dirty="0" smtClean="0"/>
               <a:t>インポート機能の概要</a:t>
             </a:r>
-            <a:endParaRPr lang="en-US" altLang="ja-JP" sz="8000" b="1" smtClean="0"/>
+            <a:endParaRPr lang="en-US" altLang="ja-JP" sz="8000" b="1" dirty="0" smtClean="0"/>
           </a:p>
           <a:p>
             <a:pPr marL="180000" lvl="1" indent="0">
               <a:buNone/>
             </a:pPr>
             <a:r>
-              <a:rPr lang="ja-JP" altLang="en-US" sz="6000" smtClean="0"/>
+              <a:rPr lang="ja-JP" altLang="en-US" sz="6000" dirty="0" smtClean="0"/>
               <a:t>「エクスポート</a:t>
             </a:r>
             <a:r>
-              <a:rPr lang="en-US" altLang="ja-JP" sz="6000" smtClean="0"/>
+              <a:rPr lang="en-US" altLang="ja-JP" sz="6000" dirty="0" smtClean="0"/>
               <a:t>/</a:t>
             </a:r>
             <a:r>
-              <a:rPr lang="ja-JP" altLang="en-US" sz="6000" smtClean="0"/>
+              <a:rPr lang="ja-JP" altLang="en-US" sz="6000" dirty="0" smtClean="0"/>
               <a:t>インポート」機能を使用することで下記のデータを別の</a:t>
             </a:r>
             <a:r>
-              <a:rPr lang="en-US" altLang="ja-JP" sz="6000" smtClean="0"/>
+              <a:rPr lang="en-US" altLang="ja-JP" sz="6000" dirty="0" smtClean="0"/>
               <a:t>ITA</a:t>
             </a:r>
             <a:r>
-              <a:rPr lang="ja-JP" altLang="en-US" sz="6000" smtClean="0"/>
+              <a:rPr lang="ja-JP" altLang="en-US" sz="6000" dirty="0" smtClean="0"/>
               <a:t>サーバへ移行できます。</a:t>
             </a:r>
             <a:r>
-              <a:rPr lang="en-US" altLang="ja-JP" sz="6000" smtClean="0"/>
+              <a:rPr lang="en-US" altLang="ja-JP" sz="6000" dirty="0" smtClean="0"/>
               <a:t/>
             </a:r>
             <a:br>
-              <a:rPr lang="en-US" altLang="ja-JP" sz="6000" smtClean="0"/>
+              <a:rPr lang="en-US" altLang="ja-JP" sz="6000" dirty="0" smtClean="0"/>
             </a:br>
-            <a:endParaRPr lang="en-US" altLang="ja-JP" sz="6000" smtClean="0"/>
+            <a:endParaRPr lang="en-US" altLang="ja-JP" sz="6000" dirty="0" smtClean="0"/>
           </a:p>
           <a:p>
             <a:pPr>
@@ -19633,18 +19693,18 @@
               <a:buChar char="l"/>
             </a:pPr>
             <a:r>
-              <a:rPr lang="ja-JP" altLang="en-US" sz="6400" smtClean="0"/>
+              <a:rPr lang="ja-JP" altLang="en-US" sz="6400" dirty="0" smtClean="0"/>
               <a:t>メニュー</a:t>
             </a:r>
             <a:r>
-              <a:rPr lang="ja-JP" altLang="en-US" sz="6400"/>
+              <a:rPr lang="ja-JP" altLang="en-US" sz="6400" dirty="0"/>
               <a:t>と</a:t>
             </a:r>
             <a:r>
-              <a:rPr lang="ja-JP" altLang="en-US" sz="6400" smtClean="0"/>
+              <a:rPr lang="ja-JP" altLang="en-US" sz="6400" dirty="0" smtClean="0"/>
               <a:t>登録データ</a:t>
             </a:r>
-            <a:endParaRPr lang="en-US" altLang="ja-JP" sz="6400" smtClean="0"/>
+            <a:endParaRPr lang="en-US" altLang="ja-JP" sz="6400" dirty="0" smtClean="0"/>
           </a:p>
           <a:p>
             <a:pPr>
@@ -19652,38 +19712,38 @@
               <a:buChar char="l"/>
             </a:pPr>
             <a:r>
-              <a:rPr lang="ja-JP" altLang="en-US" sz="6400" smtClean="0"/>
+              <a:rPr lang="ja-JP" altLang="en-US" sz="6400" dirty="0" smtClean="0"/>
               <a:t>作成した</a:t>
             </a:r>
             <a:r>
-              <a:rPr lang="en-US" altLang="ja-JP" sz="6400" smtClean="0"/>
+              <a:rPr lang="en-US" altLang="ja-JP" sz="6400" dirty="0" smtClean="0"/>
               <a:t>Symphony</a:t>
             </a:r>
             <a:r>
-              <a:rPr lang="ja-JP" altLang="en-US" sz="6400" smtClean="0"/>
+              <a:rPr lang="ja-JP" altLang="en-US" sz="6400" dirty="0" smtClean="0"/>
               <a:t>やオペレーション</a:t>
             </a:r>
-            <a:endParaRPr lang="en-US" altLang="ja-JP" sz="6400" smtClean="0"/>
+            <a:endParaRPr lang="en-US" altLang="ja-JP" sz="6400" dirty="0" smtClean="0"/>
           </a:p>
           <a:p>
             <a:pPr>
               <a:buFont typeface="Wingdings" panose="05000000000000000000" pitchFamily="2" charset="2"/>
               <a:buChar char="l"/>
             </a:pPr>
-            <a:endParaRPr lang="en-US" altLang="ja-JP" sz="1600" smtClean="0"/>
+            <a:endParaRPr lang="en-US" altLang="ja-JP" sz="1600" dirty="0" smtClean="0"/>
           </a:p>
           <a:p>
             <a:pPr marL="0" indent="0">
               <a:buNone/>
             </a:pPr>
             <a:r>
-              <a:rPr lang="en-US" altLang="ja-JP" smtClean="0"/>
+              <a:rPr lang="en-US" altLang="ja-JP" dirty="0" smtClean="0"/>
               <a:t/>
             </a:r>
             <a:br>
-              <a:rPr lang="en-US" altLang="ja-JP" smtClean="0"/>
+              <a:rPr lang="en-US" altLang="ja-JP" dirty="0" smtClean="0"/>
             </a:br>
-            <a:endParaRPr lang="en-US" altLang="ja-JP" sz="1600" smtClean="0"/>
+            <a:endParaRPr lang="en-US" altLang="ja-JP" sz="1600" dirty="0" smtClean="0"/>
           </a:p>
         </p:txBody>
       </p:sp>
@@ -21265,7 +21325,7 @@
                 <a:defRPr/>
               </a:pPr>
               <a:r>
-                <a:rPr kumimoji="0" lang="en-US" altLang="ja-JP" sz="2000" b="1" i="0" u="none" strike="noStrike" kern="0" cap="none" spc="0" normalizeH="0" baseline="0" noProof="0" smtClean="0">
+                <a:rPr kumimoji="0" lang="en-US" altLang="ja-JP" sz="2000" b="1" i="0" u="none" strike="noStrike" kern="0" cap="none" spc="0" normalizeH="0" baseline="0" noProof="0" dirty="0" err="1" smtClean="0">
                   <a:ln>
                     <a:noFill/>
                   </a:ln>
@@ -21280,6 +21340,19 @@
                 </a:rPr>
                 <a:t>kym</a:t>
               </a:r>
+              <a:endParaRPr kumimoji="0" lang="en-US" altLang="ja-JP" sz="2000" b="1" i="0" u="none" strike="noStrike" kern="0" cap="none" spc="0" normalizeH="0" baseline="0" noProof="0" dirty="0" smtClean="0">
+                <a:ln>
+                  <a:noFill/>
+                </a:ln>
+                <a:solidFill>
+                  <a:srgbClr val="FFFFFF"/>
+                </a:solidFill>
+                <a:effectLst/>
+                <a:uLnTx/>
+                <a:uFillTx/>
+                <a:latin typeface="Verdana" panose="020B0604030504040204" pitchFamily="34" charset="0"/>
+                <a:cs typeface="Verdana" panose="020B0604030504040204" pitchFamily="34" charset="0"/>
+              </a:endParaRPr>
             </a:p>
           </p:txBody>
         </p:sp>
@@ -22532,7 +22605,7 @@
                 <a:defRPr/>
               </a:pPr>
               <a:r>
-                <a:rPr kumimoji="0" lang="en-US" altLang="ja-JP" sz="2000" b="1" i="0" u="none" strike="noStrike" kern="0" cap="none" spc="0" normalizeH="0" baseline="0" noProof="0" smtClean="0">
+                <a:rPr kumimoji="0" lang="en-US" altLang="ja-JP" sz="2000" b="1" i="0" u="none" strike="noStrike" kern="0" cap="none" spc="0" normalizeH="0" baseline="0" noProof="0" dirty="0" err="1" smtClean="0">
                   <a:ln>
                     <a:noFill/>
                   </a:ln>
@@ -22547,6 +22620,19 @@
                 </a:rPr>
                 <a:t>kym</a:t>
               </a:r>
+              <a:endParaRPr kumimoji="0" lang="en-US" altLang="ja-JP" sz="2000" b="1" i="0" u="none" strike="noStrike" kern="0" cap="none" spc="0" normalizeH="0" baseline="0" noProof="0" dirty="0" smtClean="0">
+                <a:ln>
+                  <a:noFill/>
+                </a:ln>
+                <a:solidFill>
+                  <a:srgbClr val="FFFFFF"/>
+                </a:solidFill>
+                <a:effectLst/>
+                <a:uLnTx/>
+                <a:uFillTx/>
+                <a:latin typeface="Verdana" panose="020B0604030504040204" pitchFamily="34" charset="0"/>
+                <a:cs typeface="Verdana" panose="020B0604030504040204" pitchFamily="34" charset="0"/>
+              </a:endParaRPr>
             </a:p>
           </p:txBody>
         </p:sp>
@@ -22674,26 +22760,30 @@
           <a:p>
             <a:pPr algn="ctr"/>
             <a:r>
-              <a:rPr kumimoji="1" lang="ja-JP" altLang="en-US" sz="1000" smtClean="0"/>
+              <a:rPr kumimoji="1" lang="ja-JP" altLang="en-US" sz="1000" dirty="0" smtClean="0"/>
               <a:t>移行データ</a:t>
             </a:r>
-            <a:endParaRPr kumimoji="1" lang="en-US" altLang="ja-JP" sz="1000" smtClean="0"/>
+            <a:endParaRPr kumimoji="1" lang="en-US" altLang="ja-JP" sz="1000" dirty="0" smtClean="0"/>
           </a:p>
           <a:p>
             <a:pPr algn="ctr"/>
             <a:r>
-              <a:rPr kumimoji="1" lang="en-US" altLang="ja-JP" sz="1000" smtClean="0"/>
-              <a:t>(kym</a:t>
-            </a:r>
-            <a:r>
-              <a:rPr kumimoji="1" lang="ja-JP" altLang="en-US" sz="1000" smtClean="0"/>
+              <a:rPr kumimoji="1" lang="en-US" altLang="ja-JP" sz="1000" dirty="0" smtClean="0"/>
+              <a:t>(</a:t>
+            </a:r>
+            <a:r>
+              <a:rPr kumimoji="1" lang="en-US" altLang="ja-JP" sz="1000" dirty="0" err="1" smtClean="0"/>
+              <a:t>kym</a:t>
+            </a:r>
+            <a:r>
+              <a:rPr kumimoji="1" lang="ja-JP" altLang="en-US" sz="1000" dirty="0" smtClean="0"/>
               <a:t>ファイル</a:t>
             </a:r>
             <a:r>
-              <a:rPr kumimoji="1" lang="en-US" altLang="ja-JP" sz="1000" smtClean="0"/>
+              <a:rPr kumimoji="1" lang="en-US" altLang="ja-JP" sz="1000" dirty="0" smtClean="0"/>
               <a:t>)</a:t>
             </a:r>
-            <a:endParaRPr kumimoji="1" lang="ja-JP" altLang="en-US" sz="1000"/>
+            <a:endParaRPr kumimoji="1" lang="ja-JP" altLang="en-US" sz="1000" dirty="0"/>
           </a:p>
         </p:txBody>
       </p:sp>
@@ -23293,26 +23383,30 @@
           <a:p>
             <a:pPr algn="ctr"/>
             <a:r>
-              <a:rPr kumimoji="1" lang="ja-JP" altLang="en-US" sz="1000" smtClean="0"/>
+              <a:rPr kumimoji="1" lang="ja-JP" altLang="en-US" sz="1000" dirty="0" smtClean="0"/>
               <a:t>移行データ</a:t>
             </a:r>
-            <a:endParaRPr kumimoji="1" lang="en-US" altLang="ja-JP" sz="1000" smtClean="0"/>
+            <a:endParaRPr kumimoji="1" lang="en-US" altLang="ja-JP" sz="1000" dirty="0" smtClean="0"/>
           </a:p>
           <a:p>
             <a:pPr algn="ctr"/>
             <a:r>
-              <a:rPr kumimoji="1" lang="en-US" altLang="ja-JP" sz="1000" smtClean="0"/>
-              <a:t>(kym</a:t>
-            </a:r>
-            <a:r>
-              <a:rPr kumimoji="1" lang="ja-JP" altLang="en-US" sz="1000" smtClean="0"/>
+              <a:rPr kumimoji="1" lang="en-US" altLang="ja-JP" sz="1000" dirty="0" smtClean="0"/>
+              <a:t>(</a:t>
+            </a:r>
+            <a:r>
+              <a:rPr kumimoji="1" lang="en-US" altLang="ja-JP" sz="1000" dirty="0" err="1" smtClean="0"/>
+              <a:t>kym</a:t>
+            </a:r>
+            <a:r>
+              <a:rPr kumimoji="1" lang="ja-JP" altLang="en-US" sz="1000" dirty="0" smtClean="0"/>
               <a:t>ファイル</a:t>
             </a:r>
             <a:r>
-              <a:rPr kumimoji="1" lang="en-US" altLang="ja-JP" sz="1000" smtClean="0"/>
+              <a:rPr kumimoji="1" lang="en-US" altLang="ja-JP" sz="1000" dirty="0" smtClean="0"/>
               <a:t>)</a:t>
             </a:r>
-            <a:endParaRPr kumimoji="1" lang="ja-JP" altLang="en-US" sz="1000"/>
+            <a:endParaRPr kumimoji="1" lang="ja-JP" altLang="en-US" sz="1000" dirty="0"/>
           </a:p>
         </p:txBody>
       </p:sp>
@@ -24157,27 +24251,27 @@
           </a:lstStyle>
           <a:p>
             <a:r>
-              <a:rPr lang="en-US" altLang="ja-JP" kern="0" smtClean="0"/>
+              <a:rPr lang="en-US" altLang="ja-JP" kern="0" dirty="0" smtClean="0"/>
               <a:t>2.2 </a:t>
             </a:r>
             <a:r>
-              <a:rPr lang="ja-JP" altLang="en-US" smtClean="0"/>
+              <a:rPr lang="ja-JP" altLang="en-US" dirty="0" smtClean="0"/>
               <a:t>概要</a:t>
             </a:r>
             <a:r>
-              <a:rPr lang="en-US" altLang="ja-JP"/>
+              <a:rPr lang="en-US" altLang="ja-JP" dirty="0"/>
               <a:t>(</a:t>
             </a:r>
             <a:r>
-              <a:rPr lang="ja-JP" altLang="en-US"/>
+              <a:rPr lang="ja-JP" altLang="en-US" dirty="0"/>
               <a:t>メニュー</a:t>
             </a:r>
             <a:r>
-              <a:rPr lang="en-US" altLang="ja-JP"/>
+              <a:rPr lang="en-US" altLang="ja-JP" dirty="0"/>
               <a:t>) </a:t>
             </a:r>
             <a:r>
-              <a:rPr lang="ja-JP" altLang="en-US" kern="0" smtClean="0"/>
+              <a:rPr lang="ja-JP" altLang="en-US" kern="0" dirty="0" smtClean="0"/>
               <a:t>　</a:t>
             </a:r>
             <a:endParaRPr lang="en-US" kern="0" dirty="0"/>
@@ -25562,7 +25656,7 @@
                 <a:defRPr/>
               </a:pPr>
               <a:r>
-                <a:rPr kumimoji="0" lang="en-US" altLang="ja-JP" sz="2000" b="1" i="0" u="none" strike="noStrike" kern="0" cap="none" spc="0" normalizeH="0" baseline="0" noProof="0" smtClean="0">
+                <a:rPr kumimoji="0" lang="en-US" altLang="ja-JP" sz="2000" b="1" i="0" u="none" strike="noStrike" kern="0" cap="none" spc="0" normalizeH="0" baseline="0" noProof="0" dirty="0" err="1" smtClean="0">
                   <a:ln>
                     <a:noFill/>
                   </a:ln>
@@ -25577,6 +25671,19 @@
                 </a:rPr>
                 <a:t>kym</a:t>
               </a:r>
+              <a:endParaRPr kumimoji="0" lang="en-US" altLang="ja-JP" sz="2000" b="1" i="0" u="none" strike="noStrike" kern="0" cap="none" spc="0" normalizeH="0" baseline="0" noProof="0" dirty="0" smtClean="0">
+                <a:ln>
+                  <a:noFill/>
+                </a:ln>
+                <a:solidFill>
+                  <a:srgbClr val="FFFFFF"/>
+                </a:solidFill>
+                <a:effectLst/>
+                <a:uLnTx/>
+                <a:uFillTx/>
+                <a:latin typeface="Verdana" panose="020B0604030504040204" pitchFamily="34" charset="0"/>
+                <a:cs typeface="Verdana" panose="020B0604030504040204" pitchFamily="34" charset="0"/>
+              </a:endParaRPr>
             </a:p>
           </p:txBody>
         </p:sp>
@@ -25644,14 +25751,14 @@
           <a:p>
             <a:pPr algn="ctr"/>
             <a:r>
-              <a:rPr kumimoji="1" lang="en-US" altLang="ja-JP" sz="1050" smtClean="0"/>
+              <a:rPr kumimoji="1" lang="en-US" altLang="ja-JP" sz="1050" dirty="0" err="1" smtClean="0"/>
               <a:t>kym</a:t>
             </a:r>
             <a:r>
-              <a:rPr kumimoji="1" lang="ja-JP" altLang="en-US" sz="1050" smtClean="0"/>
+              <a:rPr kumimoji="1" lang="ja-JP" altLang="en-US" sz="1050" dirty="0" smtClean="0"/>
               <a:t>ファイル</a:t>
             </a:r>
-            <a:endParaRPr kumimoji="1" lang="ja-JP" altLang="en-US" sz="1050"/>
+            <a:endParaRPr kumimoji="1" lang="ja-JP" altLang="en-US" sz="1050" dirty="0"/>
           </a:p>
         </p:txBody>
       </p:sp>
@@ -26336,27 +26443,27 @@
           </a:lstStyle>
           <a:p>
             <a:r>
-              <a:rPr lang="en-US" altLang="ja-JP" kern="0" smtClean="0"/>
+              <a:rPr lang="en-US" altLang="ja-JP" kern="0" dirty="0" smtClean="0"/>
               <a:t>2.3</a:t>
             </a:r>
             <a:r>
-              <a:rPr lang="ja-JP" altLang="en-US" kern="0" smtClean="0"/>
+              <a:rPr lang="ja-JP" altLang="en-US" kern="0" dirty="0" smtClean="0"/>
               <a:t> </a:t>
             </a:r>
             <a:r>
-              <a:rPr lang="ja-JP" altLang="en-US" smtClean="0"/>
+              <a:rPr lang="ja-JP" altLang="en-US" dirty="0" smtClean="0"/>
               <a:t>概要</a:t>
             </a:r>
             <a:r>
-              <a:rPr lang="en-US" altLang="ja-JP" smtClean="0"/>
+              <a:rPr lang="en-US" altLang="ja-JP" dirty="0" smtClean="0"/>
               <a:t>(Symphony/</a:t>
             </a:r>
             <a:r>
-              <a:rPr lang="ja-JP" altLang="en-US" smtClean="0"/>
+              <a:rPr lang="ja-JP" altLang="en-US" dirty="0" smtClean="0"/>
               <a:t>オペレーション</a:t>
             </a:r>
             <a:r>
-              <a:rPr lang="en-US" altLang="ja-JP" smtClean="0"/>
+              <a:rPr lang="en-US" altLang="ja-JP" dirty="0" smtClean="0"/>
               <a:t>) </a:t>
             </a:r>
             <a:endParaRPr lang="en-US" altLang="ja-JP" kern="0" dirty="0"/>
@@ -26384,133 +26491,121 @@
           <a:lstStyle/>
           <a:p>
             <a:r>
-              <a:rPr lang="en-US" altLang="ja-JP" b="1" smtClean="0"/>
+              <a:rPr lang="en-US" altLang="ja-JP" b="1" dirty="0" smtClean="0"/>
               <a:t>Symphony/</a:t>
             </a:r>
             <a:r>
-              <a:rPr lang="ja-JP" altLang="en-US" b="1" smtClean="0"/>
+              <a:rPr lang="ja-JP" altLang="en-US" b="1" dirty="0" smtClean="0"/>
               <a:t>オペレーション エクスポート</a:t>
             </a:r>
             <a:r>
-              <a:rPr lang="en-US" altLang="ja-JP" b="1" smtClean="0"/>
+              <a:rPr lang="en-US" altLang="ja-JP" b="1" dirty="0" smtClean="0"/>
               <a:t>/</a:t>
             </a:r>
             <a:r>
-              <a:rPr lang="ja-JP" altLang="en-US" b="1" smtClean="0"/>
+              <a:rPr lang="ja-JP" altLang="en-US" b="1" dirty="0" smtClean="0"/>
               <a:t>インポート</a:t>
             </a:r>
             <a:r>
-              <a:rPr lang="en-US" altLang="ja-JP" b="1"/>
+              <a:rPr lang="en-US" altLang="ja-JP" b="1" dirty="0"/>
               <a:t/>
             </a:r>
             <a:br>
-              <a:rPr lang="en-US" altLang="ja-JP" b="1"/>
+              <a:rPr lang="en-US" altLang="ja-JP" b="1" dirty="0"/>
             </a:br>
             <a:r>
-              <a:rPr lang="ja-JP" altLang="en-US" sz="1600" smtClean="0"/>
+              <a:rPr lang="ja-JP" altLang="en-US" sz="1600" dirty="0" smtClean="0"/>
               <a:t>選択した</a:t>
             </a:r>
             <a:r>
-              <a:rPr lang="en-US" altLang="ja-JP" sz="1600" smtClean="0"/>
+              <a:rPr lang="en-US" altLang="ja-JP" sz="1600" dirty="0" smtClean="0"/>
               <a:t>Symphony</a:t>
             </a:r>
             <a:r>
-              <a:rPr lang="ja-JP" altLang="en-US" sz="1600" smtClean="0"/>
+              <a:rPr lang="ja-JP" altLang="en-US" sz="1600" dirty="0" smtClean="0"/>
               <a:t>またはオペレーションを別の</a:t>
             </a:r>
             <a:r>
-              <a:rPr lang="en-US" altLang="ja-JP" sz="1600" smtClean="0"/>
+              <a:rPr lang="en-US" altLang="ja-JP" sz="1600" dirty="0" smtClean="0"/>
               <a:t>ITA</a:t>
             </a:r>
             <a:r>
-              <a:rPr lang="ja-JP" altLang="en-US" sz="1600" smtClean="0"/>
+              <a:rPr lang="ja-JP" altLang="en-US" sz="1600" dirty="0" smtClean="0"/>
               <a:t>サーバへ移行できます。</a:t>
             </a:r>
             <a:r>
-              <a:rPr lang="en-US" altLang="ja-JP" sz="1600" smtClean="0"/>
+              <a:rPr lang="en-US" altLang="ja-JP" sz="1600" dirty="0" smtClean="0"/>
               <a:t/>
             </a:r>
             <a:br>
-              <a:rPr lang="en-US" altLang="ja-JP" sz="1600" smtClean="0"/>
+              <a:rPr lang="en-US" altLang="ja-JP" sz="1600" dirty="0" smtClean="0"/>
             </a:br>
             <a:r>
-              <a:rPr lang="ja-JP" altLang="en-US" sz="1600" smtClean="0"/>
+              <a:rPr lang="ja-JP" altLang="en-US" sz="1600" dirty="0" smtClean="0"/>
               <a:t>そこに紐づく</a:t>
             </a:r>
             <a:r>
-              <a:rPr lang="en-US" altLang="ja-JP" sz="1600" smtClean="0"/>
+              <a:rPr lang="en-US" altLang="ja-JP" sz="1600" dirty="0" smtClean="0"/>
               <a:t>Movement</a:t>
             </a:r>
             <a:r>
-              <a:rPr lang="ja-JP" altLang="en-US" sz="1600" smtClean="0"/>
+              <a:rPr lang="ja-JP" altLang="en-US" sz="1600" dirty="0" smtClean="0"/>
               <a:t>の情報なども合わせて移行されます。</a:t>
             </a:r>
             <a:r>
-              <a:rPr lang="en-US" altLang="ja-JP" sz="1600" smtClean="0"/>
+              <a:rPr lang="en-US" altLang="ja-JP" sz="1600" dirty="0" smtClean="0"/>
               <a:t>(</a:t>
             </a:r>
             <a:r>
-              <a:rPr lang="ja-JP" altLang="en-US" sz="1600" smtClean="0"/>
+              <a:rPr lang="ja-JP" altLang="en-US" sz="1600" dirty="0" smtClean="0"/>
               <a:t>詳細次項</a:t>
             </a:r>
             <a:r>
-              <a:rPr lang="en-US" altLang="ja-JP" sz="1600" smtClean="0"/>
+              <a:rPr lang="en-US" altLang="ja-JP" sz="1600" dirty="0" smtClean="0"/>
               <a:t>)</a:t>
             </a:r>
-            <a:r>
-              <a:rPr lang="en-US" altLang="ja-JP" sz="1600"/>
+            <a:br>
+              <a:rPr lang="en-US" altLang="ja-JP" sz="1600" dirty="0" smtClean="0"/>
+            </a:br>
+            <a:r>
+              <a:rPr lang="en-US" altLang="ja-JP" sz="1600" dirty="0" smtClean="0"/>
               <a:t/>
             </a:r>
             <a:br>
-              <a:rPr lang="en-US" altLang="ja-JP" sz="1600"/>
+              <a:rPr lang="en-US" altLang="ja-JP" sz="1600" dirty="0" smtClean="0"/>
             </a:br>
             <a:r>
-              <a:rPr lang="en-US" altLang="ja-JP" sz="1600" smtClean="0"/>
+              <a:rPr lang="ja-JP" altLang="en-US" sz="1600" dirty="0" smtClean="0"/>
+              <a:t>メニューエクスポートと比べて、選択した</a:t>
+            </a:r>
+            <a:r>
+              <a:rPr lang="en-US" altLang="ja-JP" sz="1600" dirty="0" smtClean="0"/>
+              <a:t>Symphony/</a:t>
+            </a:r>
+            <a:r>
+              <a:rPr lang="ja-JP" altLang="en-US" sz="1600" dirty="0" smtClean="0"/>
+              <a:t>オペレーションに</a:t>
+            </a:r>
+            <a:r>
+              <a:rPr lang="en-US" altLang="ja-JP" sz="1600" dirty="0" smtClean="0"/>
               <a:t/>
             </a:r>
             <a:br>
-              <a:rPr lang="en-US" altLang="ja-JP" sz="1600" smtClean="0"/>
+              <a:rPr lang="en-US" altLang="ja-JP" sz="1600" dirty="0" smtClean="0"/>
             </a:br>
             <a:r>
-              <a:rPr lang="ja-JP" altLang="en-US" sz="1600" smtClean="0"/>
-              <a:t>メニューエクスポートと比べて、選択した</a:t>
-            </a:r>
-            <a:r>
-              <a:rPr lang="en-US" altLang="ja-JP" sz="1600"/>
-              <a:t>Symphony/</a:t>
-            </a:r>
-            <a:r>
-              <a:rPr lang="ja-JP" altLang="en-US" sz="1600" smtClean="0"/>
-              <a:t>オペレーションに</a:t>
-            </a:r>
-            <a:r>
-              <a:rPr lang="en-US" altLang="ja-JP" sz="1600" smtClean="0"/>
-              <a:t/>
-            </a:r>
-            <a:br>
-              <a:rPr lang="en-US" altLang="ja-JP" sz="1600" smtClean="0"/>
-            </a:br>
-            <a:r>
-              <a:rPr lang="ja-JP" altLang="en-US" sz="1600" smtClean="0">
+              <a:rPr lang="ja-JP" altLang="en-US" sz="1600" dirty="0" smtClean="0">
                 <a:solidFill>
                   <a:srgbClr val="FF0000"/>
                 </a:solidFill>
               </a:rPr>
-              <a:t>紐づくレコード</a:t>
-            </a:r>
-            <a:r>
-              <a:rPr lang="ja-JP" altLang="en-US" sz="1600" smtClean="0">
-                <a:solidFill>
-                  <a:srgbClr val="FF0000"/>
-                </a:solidFill>
-              </a:rPr>
-              <a:t>のみ取得し、移行先のメニューへ追記する</a:t>
-            </a:r>
-            <a:r>
-              <a:rPr lang="ja-JP" altLang="en-US" sz="1600" smtClean="0"/>
+              <a:t>紐づくレコードのみ取得し、移行先のメニューへ追記する</a:t>
+            </a:r>
+            <a:r>
+              <a:rPr lang="ja-JP" altLang="en-US" sz="1600" dirty="0" smtClean="0"/>
               <a:t>点が異なっています。</a:t>
             </a:r>
-            <a:endParaRPr kumimoji="1" lang="en-US" altLang="ja-JP" b="1" smtClean="0"/>
+            <a:endParaRPr kumimoji="1" lang="en-US" altLang="ja-JP" b="1" dirty="0" smtClean="0"/>
           </a:p>
         </p:txBody>
       </p:sp>
@@ -27644,7 +27739,7 @@
                 <a:defRPr/>
               </a:pPr>
               <a:r>
-                <a:rPr kumimoji="0" lang="en-US" altLang="ja-JP" sz="2000" b="1" i="0" u="none" strike="noStrike" kern="0" cap="none" spc="0" normalizeH="0" baseline="0" noProof="0" smtClean="0">
+                <a:rPr kumimoji="0" lang="en-US" altLang="ja-JP" sz="2000" b="1" i="0" u="none" strike="noStrike" kern="0" cap="none" spc="0" normalizeH="0" baseline="0" noProof="0" dirty="0" err="1" smtClean="0">
                   <a:ln>
                     <a:noFill/>
                   </a:ln>
@@ -27659,6 +27754,19 @@
                 </a:rPr>
                 <a:t>kym</a:t>
               </a:r>
+              <a:endParaRPr kumimoji="0" lang="en-US" altLang="ja-JP" sz="2000" b="1" i="0" u="none" strike="noStrike" kern="0" cap="none" spc="0" normalizeH="0" baseline="0" noProof="0" dirty="0" smtClean="0">
+                <a:ln>
+                  <a:noFill/>
+                </a:ln>
+                <a:solidFill>
+                  <a:srgbClr val="FFFFFF"/>
+                </a:solidFill>
+                <a:effectLst/>
+                <a:uLnTx/>
+                <a:uFillTx/>
+                <a:latin typeface="Verdana" panose="020B0604030504040204" pitchFamily="34" charset="0"/>
+                <a:cs typeface="Verdana" panose="020B0604030504040204" pitchFamily="34" charset="0"/>
+              </a:endParaRPr>
             </a:p>
           </p:txBody>
         </p:sp>
@@ -28590,14 +28698,14 @@
           <a:lstStyle/>
           <a:p>
             <a:r>
-              <a:rPr kumimoji="1" lang="en-US" altLang="ja-JP" u="sng" smtClean="0"/>
+              <a:rPr kumimoji="1" lang="en-US" altLang="ja-JP" u="sng" dirty="0" smtClean="0"/>
               <a:t>Symphony</a:t>
             </a:r>
             <a:r>
-              <a:rPr kumimoji="1" lang="ja-JP" altLang="en-US" u="sng" smtClean="0"/>
+              <a:rPr kumimoji="1" lang="ja-JP" altLang="en-US" u="sng" dirty="0" smtClean="0"/>
               <a:t>エクスポート例</a:t>
             </a:r>
-            <a:endParaRPr kumimoji="1" lang="ja-JP" altLang="en-US" u="sng"/>
+            <a:endParaRPr kumimoji="1" lang="ja-JP" altLang="en-US" u="sng" dirty="0"/>
           </a:p>
         </p:txBody>
       </p:sp>
@@ -30791,7 +30899,7 @@
           <a:lstStyle/>
           <a:p>
             <a:r>
-              <a:rPr lang="en-US" altLang="ja-JP" sz="1050" smtClean="0">
+              <a:rPr lang="en-US" altLang="ja-JP" sz="1050" dirty="0" smtClean="0">
                 <a:solidFill>
                   <a:schemeClr val="tx1"/>
                 </a:solidFill>
@@ -30800,7 +30908,7 @@
               <a:t>ID</a:t>
             </a:r>
             <a:r>
-              <a:rPr lang="ja-JP" altLang="en-US" sz="1050" smtClean="0">
+              <a:rPr lang="ja-JP" altLang="en-US" sz="1050" dirty="0" smtClean="0">
                 <a:solidFill>
                   <a:schemeClr val="tx1"/>
                 </a:solidFill>
@@ -30809,7 +30917,7 @@
               <a:t>が</a:t>
             </a:r>
             <a:r>
-              <a:rPr lang="en-US" altLang="ja-JP" sz="1050" smtClean="0">
+              <a:rPr lang="en-US" altLang="ja-JP" sz="1050" dirty="0" smtClean="0">
                 <a:solidFill>
                   <a:schemeClr val="tx1"/>
                 </a:solidFill>
@@ -30818,7 +30926,7 @@
               <a:t>1</a:t>
             </a:r>
             <a:r>
-              <a:rPr lang="ja-JP" altLang="en-US" sz="1050" smtClean="0">
+              <a:rPr lang="ja-JP" altLang="en-US" sz="1050" dirty="0" smtClean="0">
                 <a:solidFill>
                   <a:schemeClr val="tx1"/>
                 </a:solidFill>
@@ -30827,7 +30935,7 @@
               <a:t>と</a:t>
             </a:r>
             <a:r>
-              <a:rPr lang="en-US" altLang="ja-JP" sz="1050" smtClean="0">
+              <a:rPr lang="en-US" altLang="ja-JP" sz="1050" dirty="0" smtClean="0">
                 <a:solidFill>
                   <a:schemeClr val="tx1"/>
                 </a:solidFill>
@@ -30836,7 +30944,7 @@
               <a:t>3</a:t>
             </a:r>
             <a:r>
-              <a:rPr lang="ja-JP" altLang="en-US" sz="1050" smtClean="0">
+              <a:rPr lang="ja-JP" altLang="en-US" sz="1050" dirty="0" smtClean="0">
                 <a:solidFill>
                   <a:schemeClr val="tx1"/>
                 </a:solidFill>
@@ -30845,7 +30953,7 @@
               <a:t>の</a:t>
             </a:r>
             <a:r>
-              <a:rPr lang="en-US" altLang="ja-JP" sz="1050" smtClean="0">
+              <a:rPr lang="en-US" altLang="ja-JP" sz="1050" dirty="0" smtClean="0">
                 <a:solidFill>
                   <a:schemeClr val="tx1"/>
                 </a:solidFill>
@@ -30854,7 +30962,7 @@
               <a:t>Symphony</a:t>
             </a:r>
             <a:br>
-              <a:rPr lang="en-US" altLang="ja-JP" sz="1050" smtClean="0">
+              <a:rPr lang="en-US" altLang="ja-JP" sz="1050" dirty="0" smtClean="0">
                 <a:solidFill>
                   <a:schemeClr val="tx1"/>
                 </a:solidFill>
@@ -30862,7 +30970,7 @@
               </a:rPr>
             </a:br>
             <a:r>
-              <a:rPr lang="ja-JP" altLang="en-US" sz="1050" smtClean="0">
+              <a:rPr lang="ja-JP" altLang="en-US" sz="1050" dirty="0" smtClean="0">
                 <a:solidFill>
                   <a:schemeClr val="tx1"/>
                 </a:solidFill>
@@ -30870,7 +30978,7 @@
               </a:rPr>
               <a:t>をエクスポートする。</a:t>
             </a:r>
-            <a:endParaRPr lang="en-US" altLang="ja-JP" sz="1050">
+            <a:endParaRPr lang="en-US" altLang="ja-JP" sz="1050" dirty="0">
               <a:solidFill>
                 <a:schemeClr val="tx1"/>
               </a:solidFill>
@@ -30977,7 +31085,7 @@
           <a:lstStyle/>
           <a:p>
             <a:r>
-              <a:rPr lang="en-US" altLang="ja-JP" sz="1050" smtClean="0">
+              <a:rPr lang="en-US" altLang="ja-JP" sz="1050" dirty="0" err="1" smtClean="0">
                 <a:solidFill>
                   <a:schemeClr val="tx1"/>
                 </a:solidFill>
@@ -30986,7 +31094,7 @@
               <a:t>kym</a:t>
             </a:r>
             <a:r>
-              <a:rPr lang="ja-JP" altLang="en-US" sz="1050" smtClean="0">
+              <a:rPr lang="ja-JP" altLang="en-US" sz="1050" dirty="0" smtClean="0">
                 <a:solidFill>
                   <a:schemeClr val="tx1"/>
                 </a:solidFill>
@@ -30994,7 +31102,7 @@
               </a:rPr>
               <a:t>ファイルをインポートする</a:t>
             </a:r>
-            <a:endParaRPr lang="en-US" altLang="ja-JP" sz="1050">
+            <a:endParaRPr lang="en-US" altLang="ja-JP" sz="1050" dirty="0">
               <a:solidFill>
                 <a:schemeClr val="tx1"/>
               </a:solidFill>
@@ -31101,7 +31209,7 @@
           <a:lstStyle/>
           <a:p>
             <a:r>
-              <a:rPr lang="en-US" altLang="ja-JP" sz="1050" smtClean="0">
+              <a:rPr lang="en-US" altLang="ja-JP" sz="1050" dirty="0" smtClean="0">
                 <a:solidFill>
                   <a:schemeClr val="tx1"/>
                 </a:solidFill>
@@ -31110,7 +31218,7 @@
               <a:t>ID1</a:t>
             </a:r>
             <a:r>
-              <a:rPr lang="ja-JP" altLang="en-US" sz="1050" smtClean="0">
+              <a:rPr lang="ja-JP" altLang="en-US" sz="1050" dirty="0" smtClean="0">
                 <a:solidFill>
                   <a:schemeClr val="tx1"/>
                 </a:solidFill>
@@ -31119,7 +31227,7 @@
               <a:t>の</a:t>
             </a:r>
             <a:r>
-              <a:rPr lang="en-US" altLang="ja-JP" sz="1050" smtClean="0">
+              <a:rPr lang="en-US" altLang="ja-JP" sz="1050" dirty="0" smtClean="0">
                 <a:solidFill>
                   <a:schemeClr val="tx1"/>
                 </a:solidFill>
@@ -31128,7 +31236,7 @@
               <a:t>Symphony</a:t>
             </a:r>
             <a:r>
-              <a:rPr lang="ja-JP" altLang="en-US" sz="1050" smtClean="0">
+              <a:rPr lang="ja-JP" altLang="en-US" sz="1050" dirty="0" smtClean="0">
                 <a:solidFill>
                   <a:schemeClr val="tx1"/>
                 </a:solidFill>
@@ -31137,7 +31245,7 @@
               <a:t>が置き換えられ、</a:t>
             </a:r>
             <a:r>
-              <a:rPr lang="en-US" altLang="ja-JP" sz="1050" smtClean="0">
+              <a:rPr lang="en-US" altLang="ja-JP" sz="1050" dirty="0" smtClean="0">
                 <a:solidFill>
                   <a:schemeClr val="tx1"/>
                 </a:solidFill>
@@ -31146,7 +31254,7 @@
               <a:t/>
             </a:r>
             <a:br>
-              <a:rPr lang="en-US" altLang="ja-JP" sz="1050" smtClean="0">
+              <a:rPr lang="en-US" altLang="ja-JP" sz="1050" dirty="0" smtClean="0">
                 <a:solidFill>
                   <a:schemeClr val="tx1"/>
                 </a:solidFill>
@@ -31154,7 +31262,7 @@
               </a:rPr>
             </a:br>
             <a:r>
-              <a:rPr lang="en-US" altLang="ja-JP" sz="1050" smtClean="0">
+              <a:rPr lang="en-US" altLang="ja-JP" sz="1050" dirty="0" smtClean="0">
                 <a:solidFill>
                   <a:schemeClr val="tx1"/>
                 </a:solidFill>
@@ -31163,7 +31271,7 @@
               <a:t>ID3</a:t>
             </a:r>
             <a:r>
-              <a:rPr lang="ja-JP" altLang="en-US" sz="1050" smtClean="0">
+              <a:rPr lang="ja-JP" altLang="en-US" sz="1050" dirty="0" smtClean="0">
                 <a:solidFill>
                   <a:schemeClr val="tx1"/>
                 </a:solidFill>
@@ -31172,7 +31280,7 @@
               <a:t>の</a:t>
             </a:r>
             <a:r>
-              <a:rPr lang="en-US" altLang="ja-JP" sz="1050" smtClean="0">
+              <a:rPr lang="en-US" altLang="ja-JP" sz="1050" dirty="0" smtClean="0">
                 <a:solidFill>
                   <a:schemeClr val="tx1"/>
                 </a:solidFill>
@@ -31181,15 +31289,24 @@
               <a:t>Symphony</a:t>
             </a:r>
             <a:r>
-              <a:rPr lang="ja-JP" altLang="en-US" sz="1050" smtClean="0">
+              <a:rPr lang="ja-JP" altLang="en-US" sz="1050" dirty="0" err="1" smtClean="0">
                 <a:solidFill>
                   <a:schemeClr val="tx1"/>
                 </a:solidFill>
                 <a:latin typeface="+mn-ea"/>
               </a:rPr>
-              <a:t>が追記される。</a:t>
-            </a:r>
-            <a:endParaRPr lang="en-US" altLang="ja-JP" sz="1050">
+              <a:t>が追</a:t>
+            </a:r>
+            <a:r>
+              <a:rPr lang="ja-JP" altLang="en-US" sz="1050" dirty="0" smtClean="0">
+                <a:solidFill>
+                  <a:schemeClr val="tx1"/>
+                </a:solidFill>
+                <a:latin typeface="+mn-ea"/>
+              </a:rPr>
+              <a:t>記される。</a:t>
+            </a:r>
+            <a:endParaRPr lang="en-US" altLang="ja-JP" sz="1050" dirty="0">
               <a:solidFill>
                 <a:schemeClr val="tx1"/>
               </a:solidFill>
@@ -31280,7 +31397,7 @@
           <a:lstStyle/>
           <a:p>
             <a:r>
-              <a:rPr kumimoji="1" lang="en-US" altLang="ja-JP" sz="1050" u="sng" smtClean="0">
+              <a:rPr kumimoji="1" lang="en-US" altLang="ja-JP" sz="1050" u="sng" dirty="0" smtClean="0">
                 <a:solidFill>
                   <a:srgbClr val="002060"/>
                 </a:solidFill>
@@ -31288,14 +31405,14 @@
               <a:t>Symphony</a:t>
             </a:r>
             <a:r>
-              <a:rPr kumimoji="1" lang="ja-JP" altLang="en-US" sz="1050" u="sng" smtClean="0">
+              <a:rPr kumimoji="1" lang="ja-JP" altLang="en-US" sz="1050" u="sng" dirty="0" smtClean="0">
                 <a:solidFill>
                   <a:srgbClr val="002060"/>
                 </a:solidFill>
               </a:rPr>
               <a:t>一覧</a:t>
             </a:r>
-            <a:endParaRPr kumimoji="1" lang="ja-JP" altLang="en-US" sz="1050" u="sng">
+            <a:endParaRPr kumimoji="1" lang="ja-JP" altLang="en-US" sz="1050" u="sng" dirty="0">
               <a:solidFill>
                 <a:srgbClr val="002060"/>
               </a:solidFill>
@@ -33303,90 +33420,98 @@
           <a:lstStyle/>
           <a:p>
             <a:r>
-              <a:rPr kumimoji="1" lang="en-US" altLang="ja-JP" b="1" smtClean="0"/>
+              <a:rPr kumimoji="1" lang="en-US" altLang="ja-JP" b="1" dirty="0" smtClean="0"/>
               <a:t>Symphony</a:t>
             </a:r>
             <a:r>
-              <a:rPr kumimoji="1" lang="ja-JP" altLang="en-US" b="1" smtClean="0"/>
+              <a:rPr kumimoji="1" lang="ja-JP" altLang="en-US" b="1" dirty="0" smtClean="0"/>
               <a:t>エクスポート時に取得されるデータ</a:t>
             </a:r>
             <a:r>
-              <a:rPr kumimoji="1" lang="en-US" altLang="ja-JP" b="1" smtClean="0"/>
-              <a:t>(Anisble-Driver)</a:t>
-            </a:r>
-            <a:r>
-              <a:rPr lang="en-US" altLang="ja-JP" b="1" smtClean="0"/>
+              <a:rPr kumimoji="1" lang="en-US" altLang="ja-JP" b="1" dirty="0" smtClean="0"/>
+              <a:t>(</a:t>
+            </a:r>
+            <a:r>
+              <a:rPr kumimoji="1" lang="en-US" altLang="ja-JP" b="1" dirty="0" err="1" smtClean="0"/>
+              <a:t>Anisble</a:t>
+            </a:r>
+            <a:r>
+              <a:rPr kumimoji="1" lang="en-US" altLang="ja-JP" b="1" dirty="0" smtClean="0"/>
+              <a:t>-Driver)</a:t>
+            </a:r>
+            <a:r>
+              <a:rPr lang="en-US" altLang="ja-JP" b="1" dirty="0" smtClean="0"/>
               <a:t/>
             </a:r>
             <a:br>
-              <a:rPr lang="en-US" altLang="ja-JP" b="1" smtClean="0"/>
+              <a:rPr lang="en-US" altLang="ja-JP" b="1" dirty="0" smtClean="0"/>
             </a:br>
             <a:r>
-              <a:rPr lang="en-US" altLang="ja-JP" sz="1600" smtClean="0"/>
+              <a:rPr lang="en-US" altLang="ja-JP" sz="1600" dirty="0" smtClean="0"/>
               <a:t>Symphony</a:t>
             </a:r>
             <a:r>
-              <a:rPr lang="ja-JP" altLang="en-US" sz="1600" smtClean="0"/>
+              <a:rPr lang="ja-JP" altLang="en-US" sz="1600" dirty="0" smtClean="0"/>
               <a:t>をエクスポートする際、関連メニューを辿り必要な情報がすべて取得されます。</a:t>
             </a:r>
             <a:r>
-              <a:rPr lang="en-US" altLang="ja-JP" sz="1600" smtClean="0"/>
+              <a:rPr lang="en-US" altLang="ja-JP" sz="1600" dirty="0" smtClean="0"/>
               <a:t/>
             </a:r>
             <a:br>
-              <a:rPr lang="en-US" altLang="ja-JP" sz="1600" smtClean="0"/>
+              <a:rPr lang="en-US" altLang="ja-JP" sz="1600" dirty="0" smtClean="0"/>
             </a:br>
             <a:r>
-              <a:rPr lang="ja-JP" altLang="en-US" sz="1600" smtClean="0"/>
+              <a:rPr lang="ja-JP" altLang="en-US" sz="1600" dirty="0" smtClean="0"/>
               <a:t>・</a:t>
             </a:r>
             <a:r>
-              <a:rPr lang="ja-JP" altLang="en-US" sz="1600" u="sng" smtClean="0"/>
+              <a:rPr lang="ja-JP" altLang="en-US" sz="1600" u="sng" dirty="0" smtClean="0"/>
               <a:t>オーケストレータに応じて</a:t>
             </a:r>
             <a:r>
-              <a:rPr lang="ja-JP" altLang="en-US" sz="1600" smtClean="0"/>
+              <a:rPr lang="ja-JP" altLang="en-US" sz="1600" dirty="0" smtClean="0"/>
               <a:t>必要なデータが取得されます。</a:t>
             </a:r>
             <a:r>
-              <a:rPr lang="en-US" altLang="ja-JP" sz="1600" smtClean="0"/>
+              <a:rPr lang="en-US" altLang="ja-JP" sz="1600" dirty="0" smtClean="0"/>
               <a:t/>
             </a:r>
             <a:br>
-              <a:rPr lang="en-US" altLang="ja-JP" sz="1600" smtClean="0"/>
+              <a:rPr lang="en-US" altLang="ja-JP" sz="1600" dirty="0" smtClean="0"/>
             </a:br>
             <a:r>
-              <a:rPr lang="ja-JP" altLang="en-US" sz="1600" smtClean="0"/>
+              <a:rPr lang="ja-JP" altLang="en-US" sz="1600" dirty="0" smtClean="0"/>
               <a:t>・各レコードの</a:t>
             </a:r>
             <a:r>
-              <a:rPr lang="ja-JP" altLang="en-US" sz="1600" u="sng" smtClean="0"/>
+              <a:rPr lang="ja-JP" altLang="en-US" sz="1600" u="sng" dirty="0" smtClean="0"/>
               <a:t>変更履歴</a:t>
             </a:r>
             <a:r>
-              <a:rPr lang="ja-JP" altLang="en-US" sz="1600" smtClean="0"/>
+              <a:rPr lang="ja-JP" altLang="en-US" sz="1600" dirty="0" smtClean="0"/>
               <a:t>も取得されます。</a:t>
             </a:r>
             <a:r>
-              <a:rPr lang="en-US" altLang="ja-JP" sz="1600"/>
+              <a:rPr lang="en-US" altLang="ja-JP" sz="1600" dirty="0"/>
               <a:t/>
             </a:r>
             <a:br>
-              <a:rPr lang="en-US" altLang="ja-JP" sz="1600"/>
+              <a:rPr lang="en-US" altLang="ja-JP" sz="1600" dirty="0"/>
             </a:br>
             <a:r>
-              <a:rPr lang="ja-JP" altLang="en-US" sz="1600" smtClean="0"/>
+              <a:rPr lang="ja-JP" altLang="en-US" sz="1600" dirty="0" smtClean="0"/>
               <a:t>・同じ</a:t>
             </a:r>
             <a:r>
-              <a:rPr lang="en-US" altLang="ja-JP" sz="1600" smtClean="0"/>
+              <a:rPr lang="en-US" altLang="ja-JP" sz="1600" dirty="0" smtClean="0"/>
               <a:t>ID</a:t>
             </a:r>
             <a:r>
-              <a:rPr lang="ja-JP" altLang="en-US" sz="1600" smtClean="0"/>
+              <a:rPr lang="ja-JP" altLang="en-US" sz="1600" dirty="0" smtClean="0"/>
               <a:t>のレコードが存在する場合、移行データで上書きされます。</a:t>
             </a:r>
-            <a:endParaRPr lang="en-US" altLang="ja-JP" b="1" smtClean="0"/>
+            <a:endParaRPr lang="en-US" altLang="ja-JP" b="1" dirty="0" smtClean="0"/>
           </a:p>
         </p:txBody>
       </p:sp>
@@ -33936,7 +34061,7 @@
           <a:p>
             <a:pPr algn="ctr"/>
             <a:r>
-              <a:rPr kumimoji="1" lang="en-US" altLang="ja-JP" sz="1400" b="1" smtClean="0">
+              <a:rPr kumimoji="1" lang="en-US" altLang="ja-JP" sz="1400" b="1" dirty="0" smtClean="0">
                 <a:solidFill>
                   <a:schemeClr val="bg1"/>
                 </a:solidFill>
@@ -33945,7 +34070,7 @@
               <a:t>Movement</a:t>
             </a:r>
             <a:r>
-              <a:rPr kumimoji="1" lang="ja-JP" altLang="en-US" sz="1400" b="1" smtClean="0">
+              <a:rPr kumimoji="1" lang="ja-JP" altLang="en-US" sz="1400" b="1" dirty="0" smtClean="0">
                 <a:solidFill>
                   <a:schemeClr val="bg1"/>
                 </a:solidFill>
@@ -33953,12 +34078,6 @@
               </a:rPr>
               <a:t>一覧</a:t>
             </a:r>
-            <a:endParaRPr kumimoji="1" lang="ja-JP" altLang="en-US" sz="1400" b="1" dirty="0" smtClean="0">
-              <a:solidFill>
-                <a:schemeClr val="bg1"/>
-              </a:solidFill>
-              <a:latin typeface="+mn-ea"/>
-            </a:endParaRPr>
           </a:p>
         </p:txBody>
       </p:sp>
@@ -34140,7 +34259,7 @@
           <a:p>
             <a:pPr algn="ctr"/>
             <a:r>
-              <a:rPr kumimoji="1" lang="en-US" altLang="ja-JP" sz="1400" b="1" smtClean="0">
+              <a:rPr kumimoji="1" lang="en-US" altLang="ja-JP" sz="1400" b="1" dirty="0" smtClean="0">
                 <a:solidFill>
                   <a:schemeClr val="bg1"/>
                 </a:solidFill>
@@ -34149,7 +34268,7 @@
               <a:t>Movement</a:t>
             </a:r>
             <a:r>
-              <a:rPr kumimoji="1" lang="ja-JP" altLang="en-US" sz="1400" b="1" smtClean="0">
+              <a:rPr kumimoji="1" lang="ja-JP" altLang="en-US" sz="1400" b="1" dirty="0" smtClean="0">
                 <a:solidFill>
                   <a:schemeClr val="bg1"/>
                 </a:solidFill>
@@ -34157,12 +34276,6 @@
               </a:rPr>
               <a:t>詳細</a:t>
             </a:r>
-            <a:endParaRPr kumimoji="1" lang="ja-JP" altLang="en-US" sz="1400" b="1" dirty="0" smtClean="0">
-              <a:solidFill>
-                <a:schemeClr val="bg1"/>
-              </a:solidFill>
-              <a:latin typeface="+mn-ea"/>
-            </a:endParaRPr>
           </a:p>
         </p:txBody>
       </p:sp>
@@ -36394,14 +36507,22 @@
           <a:lstStyle/>
           <a:p>
             <a:r>
-              <a:rPr lang="en-US" altLang="ja-JP" sz="1400" u="sng" smtClean="0">
+              <a:rPr lang="en-US" altLang="ja-JP" sz="1400" u="sng" dirty="0" err="1" smtClean="0">
                 <a:solidFill>
                   <a:srgbClr val="002060"/>
                 </a:solidFill>
               </a:rPr>
-              <a:t>Ansible-legacy</a:t>
-            </a:r>
-            <a:endParaRPr kumimoji="1" lang="ja-JP" altLang="en-US" sz="1400" u="sng">
+              <a:t>Ansible</a:t>
+            </a:r>
+            <a:r>
+              <a:rPr lang="en-US" altLang="ja-JP" sz="1400" u="sng" dirty="0" smtClean="0">
+                <a:solidFill>
+                  <a:srgbClr val="002060"/>
+                </a:solidFill>
+              </a:rPr>
+              <a:t>-legacy</a:t>
+            </a:r>
+            <a:endParaRPr kumimoji="1" lang="ja-JP" altLang="en-US" sz="1400" u="sng" dirty="0">
               <a:solidFill>
                 <a:srgbClr val="002060"/>
               </a:solidFill>
@@ -36434,14 +36555,14 @@
           <a:lstStyle/>
           <a:p>
             <a:r>
-              <a:rPr lang="en-US" altLang="ja-JP" sz="1400" u="sng" smtClean="0">
+              <a:rPr lang="en-US" altLang="ja-JP" sz="1400" u="sng" dirty="0" err="1" smtClean="0">
                 <a:solidFill>
                   <a:srgbClr val="002060"/>
                 </a:solidFill>
               </a:rPr>
               <a:t>Ansible-Pioner</a:t>
             </a:r>
-            <a:endParaRPr kumimoji="1" lang="ja-JP" altLang="en-US" sz="1400" u="sng">
+            <a:endParaRPr kumimoji="1" lang="ja-JP" altLang="en-US" sz="1400" u="sng" dirty="0">
               <a:solidFill>
                 <a:srgbClr val="002060"/>
               </a:solidFill>
@@ -36474,14 +36595,14 @@
           <a:lstStyle/>
           <a:p>
             <a:r>
-              <a:rPr lang="en-US" altLang="ja-JP" sz="1400" u="sng" smtClean="0">
+              <a:rPr lang="en-US" altLang="ja-JP" sz="1400" u="sng" dirty="0" err="1" smtClean="0">
                 <a:solidFill>
                   <a:srgbClr val="002060"/>
                 </a:solidFill>
               </a:rPr>
               <a:t>Ansible-LegacyRole</a:t>
             </a:r>
-            <a:endParaRPr kumimoji="1" lang="ja-JP" altLang="en-US" sz="1400" u="sng">
+            <a:endParaRPr kumimoji="1" lang="ja-JP" altLang="en-US" sz="1400" u="sng" dirty="0">
               <a:solidFill>
                 <a:srgbClr val="002060"/>
               </a:solidFill>

--- a/asset/Learn_ja/ITA-export-import_classroom_lecture.pptx
+++ b/asset/Learn_ja/ITA-export-import_classroom_lecture.pptx
@@ -316,7 +316,7 @@
               <a:rPr kumimoji="1" lang="ja-JP" altLang="en-US" smtClean="0">
                 <a:ea typeface="メイリオ" panose="020B0604030504040204" pitchFamily="50" charset="-128"/>
               </a:rPr>
-              <a:t>2021/7/29</a:t>
+              <a:t>2022/1/20</a:t>
             </a:fld>
             <a:endParaRPr kumimoji="1" lang="ja-JP" altLang="en-US" dirty="0">
               <a:ea typeface="メイリオ" panose="020B0604030504040204" pitchFamily="50" charset="-128"/>
@@ -462,7 +462,7 @@
             <a:fld id="{4B26993D-C081-44EB-B0F5-A9F467792B62}" type="datetimeFigureOut">
               <a:rPr lang="ja-JP" altLang="en-US" smtClean="0"/>
               <a:pPr/>
-              <a:t>2021/7/29</a:t>
+              <a:t>2022/1/20</a:t>
             </a:fld>
             <a:endParaRPr lang="ja-JP" altLang="en-US" dirty="0"/>
           </a:p>
@@ -701,12 +701,7 @@
             <p:ph type="sldImg"/>
           </p:nvPr>
         </p:nvSpPr>
-        <p:spPr>
-          <a:xfrm>
-            <a:off x="920750" y="431800"/>
-            <a:ext cx="4965700" cy="3725863"/>
-          </a:xfrm>
-        </p:spPr>
+        <p:spPr/>
       </p:sp>
       <p:sp>
         <p:nvSpPr>
@@ -723,11 +718,7 @@
           <a:bodyPr/>
           <a:lstStyle/>
           <a:p>
-            <a:r>
-              <a:rPr kumimoji="1" lang="ja-JP" altLang="en-US" smtClean="0"/>
-              <a:t>ｖ</a:t>
-            </a:r>
-            <a:endParaRPr kumimoji="1" lang="ja-JP" altLang="en-US"/>
+            <a:endParaRPr kumimoji="1" lang="ja-JP" altLang="en-US" dirty="0"/>
           </a:p>
         </p:txBody>
       </p:sp>
@@ -749,7 +740,7 @@
             <a:fld id="{CFBBA293-708C-4261-9FD1-AE04041D5F79}" type="slidenum">
               <a:rPr lang="ja-JP" altLang="en-US" smtClean="0"/>
               <a:pPr/>
-              <a:t>6</a:t>
+              <a:t>1</a:t>
             </a:fld>
             <a:endParaRPr lang="ja-JP" altLang="en-US" dirty="0"/>
           </a:p>
@@ -758,7 +749,7 @@
     </p:spTree>
     <p:extLst>
       <p:ext uri="{BB962C8B-B14F-4D97-AF65-F5344CB8AC3E}">
-        <p14:creationId xmlns:p14="http://schemas.microsoft.com/office/powerpoint/2010/main" val="400854001"/>
+        <p14:creationId xmlns:p14="http://schemas.microsoft.com/office/powerpoint/2010/main" val="4239577428"/>
       </p:ext>
     </p:extLst>
   </p:cSld>
@@ -817,6 +808,10 @@
           <a:bodyPr/>
           <a:lstStyle/>
           <a:p>
+            <a:r>
+              <a:rPr kumimoji="1" lang="ja-JP" altLang="en-US" smtClean="0"/>
+              <a:t>ｖ</a:t>
+            </a:r>
             <a:endParaRPr kumimoji="1" lang="ja-JP" altLang="en-US"/>
           </a:p>
         </p:txBody>
@@ -839,7 +834,7 @@
             <a:fld id="{CFBBA293-708C-4261-9FD1-AE04041D5F79}" type="slidenum">
               <a:rPr lang="ja-JP" altLang="en-US" smtClean="0"/>
               <a:pPr/>
-              <a:t>7</a:t>
+              <a:t>6</a:t>
             </a:fld>
             <a:endParaRPr lang="ja-JP" altLang="en-US" dirty="0"/>
           </a:p>
@@ -848,7 +843,7 @@
     </p:spTree>
     <p:extLst>
       <p:ext uri="{BB962C8B-B14F-4D97-AF65-F5344CB8AC3E}">
-        <p14:creationId xmlns:p14="http://schemas.microsoft.com/office/powerpoint/2010/main" val="842470682"/>
+        <p14:creationId xmlns:p14="http://schemas.microsoft.com/office/powerpoint/2010/main" val="400854001"/>
       </p:ext>
     </p:extLst>
   </p:cSld>
@@ -907,7 +902,7 @@
           <a:bodyPr/>
           <a:lstStyle/>
           <a:p>
-            <a:endParaRPr kumimoji="1" lang="ja-JP" altLang="en-US" dirty="0"/>
+            <a:endParaRPr kumimoji="1" lang="ja-JP" altLang="en-US"/>
           </a:p>
         </p:txBody>
       </p:sp>
@@ -929,7 +924,7 @@
             <a:fld id="{CFBBA293-708C-4261-9FD1-AE04041D5F79}" type="slidenum">
               <a:rPr lang="ja-JP" altLang="en-US" smtClean="0"/>
               <a:pPr/>
-              <a:t>9</a:t>
+              <a:t>7</a:t>
             </a:fld>
             <a:endParaRPr lang="ja-JP" altLang="en-US" dirty="0"/>
           </a:p>
@@ -938,7 +933,7 @@
     </p:spTree>
     <p:extLst>
       <p:ext uri="{BB962C8B-B14F-4D97-AF65-F5344CB8AC3E}">
-        <p14:creationId xmlns:p14="http://schemas.microsoft.com/office/powerpoint/2010/main" val="3336823042"/>
+        <p14:creationId xmlns:p14="http://schemas.microsoft.com/office/powerpoint/2010/main" val="842470682"/>
       </p:ext>
     </p:extLst>
   </p:cSld>
@@ -997,7 +992,7 @@
           <a:bodyPr/>
           <a:lstStyle/>
           <a:p>
-            <a:endParaRPr kumimoji="1" lang="ja-JP" altLang="en-US"/>
+            <a:endParaRPr kumimoji="1" lang="ja-JP" altLang="en-US" dirty="0"/>
           </a:p>
         </p:txBody>
       </p:sp>
@@ -1019,7 +1014,7 @@
             <a:fld id="{CFBBA293-708C-4261-9FD1-AE04041D5F79}" type="slidenum">
               <a:rPr lang="ja-JP" altLang="en-US" smtClean="0"/>
               <a:pPr/>
-              <a:t>10</a:t>
+              <a:t>9</a:t>
             </a:fld>
             <a:endParaRPr lang="ja-JP" altLang="en-US" dirty="0"/>
           </a:p>
@@ -1028,7 +1023,7 @@
     </p:spTree>
     <p:extLst>
       <p:ext uri="{BB962C8B-B14F-4D97-AF65-F5344CB8AC3E}">
-        <p14:creationId xmlns:p14="http://schemas.microsoft.com/office/powerpoint/2010/main" val="1231075579"/>
+        <p14:creationId xmlns:p14="http://schemas.microsoft.com/office/powerpoint/2010/main" val="3336823042"/>
       </p:ext>
     </p:extLst>
   </p:cSld>
@@ -1109,7 +1104,7 @@
             <a:fld id="{CFBBA293-708C-4261-9FD1-AE04041D5F79}" type="slidenum">
               <a:rPr lang="ja-JP" altLang="en-US" smtClean="0"/>
               <a:pPr/>
-              <a:t>11</a:t>
+              <a:t>10</a:t>
             </a:fld>
             <a:endParaRPr lang="ja-JP" altLang="en-US" dirty="0"/>
           </a:p>
@@ -1118,7 +1113,7 @@
     </p:spTree>
     <p:extLst>
       <p:ext uri="{BB962C8B-B14F-4D97-AF65-F5344CB8AC3E}">
-        <p14:creationId xmlns:p14="http://schemas.microsoft.com/office/powerpoint/2010/main" val="2388806429"/>
+        <p14:creationId xmlns:p14="http://schemas.microsoft.com/office/powerpoint/2010/main" val="1231075579"/>
       </p:ext>
     </p:extLst>
   </p:cSld>
@@ -1177,11 +1172,7 @@
           <a:bodyPr/>
           <a:lstStyle/>
           <a:p>
-            <a:r>
-              <a:rPr kumimoji="1" lang="ja-JP" altLang="en-US" dirty="0" smtClean="0"/>
-              <a:t>説明文追加</a:t>
-            </a:r>
-            <a:endParaRPr kumimoji="1" lang="ja-JP" altLang="en-US" dirty="0"/>
+            <a:endParaRPr kumimoji="1" lang="ja-JP" altLang="en-US"/>
           </a:p>
         </p:txBody>
       </p:sp>
@@ -1203,6 +1194,100 @@
             <a:fld id="{CFBBA293-708C-4261-9FD1-AE04041D5F79}" type="slidenum">
               <a:rPr lang="ja-JP" altLang="en-US" smtClean="0"/>
               <a:pPr/>
+              <a:t>11</a:t>
+            </a:fld>
+            <a:endParaRPr lang="ja-JP" altLang="en-US" dirty="0"/>
+          </a:p>
+        </p:txBody>
+      </p:sp>
+    </p:spTree>
+    <p:extLst>
+      <p:ext uri="{BB962C8B-B14F-4D97-AF65-F5344CB8AC3E}">
+        <p14:creationId xmlns:p14="http://schemas.microsoft.com/office/powerpoint/2010/main" val="2388806429"/>
+      </p:ext>
+    </p:extLst>
+  </p:cSld>
+  <p:clrMapOvr>
+    <a:masterClrMapping/>
+  </p:clrMapOvr>
+</p:notes>
+</file>
+
+<file path=ppt/notesSlides/notesSlide7.xml><?xml version="1.0" encoding="utf-8"?>
+<p:notes xmlns:a="http://schemas.openxmlformats.org/drawingml/2006/main" xmlns:r="http://schemas.openxmlformats.org/officeDocument/2006/relationships" xmlns:p="http://schemas.openxmlformats.org/presentationml/2006/main">
+  <p:cSld>
+    <p:spTree>
+      <p:nvGrpSpPr>
+        <p:cNvPr id="1" name=""/>
+        <p:cNvGrpSpPr/>
+        <p:nvPr/>
+      </p:nvGrpSpPr>
+      <p:grpSpPr>
+        <a:xfrm>
+          <a:off x="0" y="0"/>
+          <a:ext cx="0" cy="0"/>
+          <a:chOff x="0" y="0"/>
+          <a:chExt cx="0" cy="0"/>
+        </a:xfrm>
+      </p:grpSpPr>
+      <p:sp>
+        <p:nvSpPr>
+          <p:cNvPr id="2" name="スライド イメージ プレースホルダー 1"/>
+          <p:cNvSpPr>
+            <a:spLocks noGrp="1" noRot="1" noChangeAspect="1"/>
+          </p:cNvSpPr>
+          <p:nvPr>
+            <p:ph type="sldImg"/>
+          </p:nvPr>
+        </p:nvSpPr>
+        <p:spPr>
+          <a:xfrm>
+            <a:off x="920750" y="431800"/>
+            <a:ext cx="4965700" cy="3725863"/>
+          </a:xfrm>
+        </p:spPr>
+      </p:sp>
+      <p:sp>
+        <p:nvSpPr>
+          <p:cNvPr id="3" name="ノート プレースホルダー 2"/>
+          <p:cNvSpPr>
+            <a:spLocks noGrp="1"/>
+          </p:cNvSpPr>
+          <p:nvPr>
+            <p:ph type="body" idx="1"/>
+          </p:nvPr>
+        </p:nvSpPr>
+        <p:spPr/>
+        <p:txBody>
+          <a:bodyPr/>
+          <a:lstStyle/>
+          <a:p>
+            <a:r>
+              <a:rPr kumimoji="1" lang="ja-JP" altLang="en-US" dirty="0" smtClean="0"/>
+              <a:t>説明文追加</a:t>
+            </a:r>
+            <a:endParaRPr kumimoji="1" lang="ja-JP" altLang="en-US" dirty="0"/>
+          </a:p>
+        </p:txBody>
+      </p:sp>
+      <p:sp>
+        <p:nvSpPr>
+          <p:cNvPr id="4" name="スライド番号プレースホルダー 3"/>
+          <p:cNvSpPr>
+            <a:spLocks noGrp="1"/>
+          </p:cNvSpPr>
+          <p:nvPr>
+            <p:ph type="sldNum" sz="quarter" idx="10"/>
+          </p:nvPr>
+        </p:nvSpPr>
+        <p:spPr/>
+        <p:txBody>
+          <a:bodyPr/>
+          <a:lstStyle/>
+          <a:p>
+            <a:fld id="{CFBBA293-708C-4261-9FD1-AE04041D5F79}" type="slidenum">
+              <a:rPr lang="ja-JP" altLang="en-US" smtClean="0"/>
+              <a:pPr/>
               <a:t>14</a:t>
             </a:fld>
             <a:endParaRPr lang="ja-JP" altLang="en-US" dirty="0"/>
@@ -1222,7 +1307,7 @@
 </p:notes>
 </file>
 
-<file path=ppt/notesSlides/notesSlide7.xml><?xml version="1.0" encoding="utf-8"?>
+<file path=ppt/notesSlides/notesSlide8.xml><?xml version="1.0" encoding="utf-8"?>
 <p:notes xmlns:a="http://schemas.openxmlformats.org/drawingml/2006/main" xmlns:r="http://schemas.openxmlformats.org/officeDocument/2006/relationships" xmlns:p="http://schemas.openxmlformats.org/presentationml/2006/main">
   <p:cSld>
     <p:spTree>
@@ -1723,7 +1808,7 @@
           <a:p>
             <a:fld id="{56F9016B-CCA6-43BE-8BEE-59565A35F4F7}" type="datetimeFigureOut">
               <a:rPr kumimoji="1" lang="ja-JP" altLang="en-US" smtClean="0"/>
-              <a:t>2021/7/29</a:t>
+              <a:t>2022/1/20</a:t>
             </a:fld>
             <a:endParaRPr kumimoji="1" lang="ja-JP" altLang="en-US"/>
           </a:p>
@@ -1925,7 +2010,7 @@
           <a:p>
             <a:fld id="{56F9016B-CCA6-43BE-8BEE-59565A35F4F7}" type="datetimeFigureOut">
               <a:rPr kumimoji="1" lang="ja-JP" altLang="en-US" smtClean="0"/>
-              <a:t>2021/7/29</a:t>
+              <a:t>2022/1/20</a:t>
             </a:fld>
             <a:endParaRPr kumimoji="1" lang="ja-JP" altLang="en-US"/>
           </a:p>
@@ -2171,7 +2256,7 @@
           <a:p>
             <a:fld id="{56F9016B-CCA6-43BE-8BEE-59565A35F4F7}" type="datetimeFigureOut">
               <a:rPr kumimoji="1" lang="ja-JP" altLang="en-US" smtClean="0"/>
-              <a:t>2021/7/29</a:t>
+              <a:t>2022/1/20</a:t>
             </a:fld>
             <a:endParaRPr kumimoji="1" lang="ja-JP" altLang="en-US"/>
           </a:p>
@@ -2467,7 +2552,7 @@
           <a:p>
             <a:fld id="{56F9016B-CCA6-43BE-8BEE-59565A35F4F7}" type="datetimeFigureOut">
               <a:rPr kumimoji="1" lang="ja-JP" altLang="en-US" smtClean="0"/>
-              <a:t>2021/7/29</a:t>
+              <a:t>2022/1/20</a:t>
             </a:fld>
             <a:endParaRPr kumimoji="1" lang="ja-JP" altLang="en-US"/>
           </a:p>
@@ -2898,7 +2983,7 @@
           <a:p>
             <a:fld id="{56F9016B-CCA6-43BE-8BEE-59565A35F4F7}" type="datetimeFigureOut">
               <a:rPr kumimoji="1" lang="ja-JP" altLang="en-US" smtClean="0"/>
-              <a:t>2021/7/29</a:t>
+              <a:t>2022/1/20</a:t>
             </a:fld>
             <a:endParaRPr kumimoji="1" lang="ja-JP" altLang="en-US"/>
           </a:p>
@@ -3016,7 +3101,7 @@
           <a:p>
             <a:fld id="{56F9016B-CCA6-43BE-8BEE-59565A35F4F7}" type="datetimeFigureOut">
               <a:rPr kumimoji="1" lang="ja-JP" altLang="en-US" smtClean="0"/>
-              <a:t>2021/7/29</a:t>
+              <a:t>2022/1/20</a:t>
             </a:fld>
             <a:endParaRPr kumimoji="1" lang="ja-JP" altLang="en-US"/>
           </a:p>
@@ -3111,7 +3196,7 @@
           <a:p>
             <a:fld id="{56F9016B-CCA6-43BE-8BEE-59565A35F4F7}" type="datetimeFigureOut">
               <a:rPr kumimoji="1" lang="ja-JP" altLang="en-US" smtClean="0"/>
-              <a:t>2021/7/29</a:t>
+              <a:t>2022/1/20</a:t>
             </a:fld>
             <a:endParaRPr kumimoji="1" lang="ja-JP" altLang="en-US"/>
           </a:p>
@@ -3420,7 +3505,7 @@
           <a:p>
             <a:fld id="{56F9016B-CCA6-43BE-8BEE-59565A35F4F7}" type="datetimeFigureOut">
               <a:rPr kumimoji="1" lang="ja-JP" altLang="en-US" smtClean="0"/>
-              <a:t>2021/7/29</a:t>
+              <a:t>2022/1/20</a:t>
             </a:fld>
             <a:endParaRPr kumimoji="1" lang="ja-JP" altLang="en-US"/>
           </a:p>
@@ -3673,7 +3758,7 @@
           <a:p>
             <a:fld id="{56F9016B-CCA6-43BE-8BEE-59565A35F4F7}" type="datetimeFigureOut">
               <a:rPr kumimoji="1" lang="ja-JP" altLang="en-US" smtClean="0"/>
-              <a:t>2021/7/29</a:t>
+              <a:t>2022/1/20</a:t>
             </a:fld>
             <a:endParaRPr kumimoji="1" lang="ja-JP" altLang="en-US"/>
           </a:p>
@@ -3950,7 +4035,7 @@
           <a:p>
             <a:fld id="{56F9016B-CCA6-43BE-8BEE-59565A35F4F7}" type="datetimeFigureOut">
               <a:rPr kumimoji="1" lang="ja-JP" altLang="en-US" smtClean="0"/>
-              <a:t>2021/7/29</a:t>
+              <a:t>2022/1/20</a:t>
             </a:fld>
             <a:endParaRPr kumimoji="1" lang="ja-JP" altLang="en-US"/>
           </a:p>
@@ -4162,7 +4247,7 @@
           <a:p>
             <a:fld id="{56F9016B-CCA6-43BE-8BEE-59565A35F4F7}" type="datetimeFigureOut">
               <a:rPr kumimoji="1" lang="ja-JP" altLang="en-US" smtClean="0"/>
-              <a:t>2021/7/29</a:t>
+              <a:t>2022/1/20</a:t>
             </a:fld>
             <a:endParaRPr kumimoji="1" lang="ja-JP" altLang="en-US"/>
           </a:p>
@@ -7221,7 +7306,7 @@
           <a:p>
             <a:fld id="{56F9016B-CCA6-43BE-8BEE-59565A35F4F7}" type="datetimeFigureOut">
               <a:rPr kumimoji="1" lang="ja-JP" altLang="en-US" smtClean="0"/>
-              <a:t>2021/7/29</a:t>
+              <a:t>2022/1/20</a:t>
             </a:fld>
             <a:endParaRPr kumimoji="1" lang="ja-JP" altLang="en-US"/>
           </a:p>
@@ -7654,22 +7739,22 @@
           <a:lstStyle/>
           <a:p>
             <a:r>
-              <a:rPr lang="ja-JP" altLang="en-US" dirty="0" smtClean="0"/>
-              <a:t>第</a:t>
+              <a:rPr lang="en-US" altLang="ja-JP" dirty="0" err="1"/>
+              <a:t>Exastro</a:t>
+            </a:r>
+            <a:r>
+              <a:rPr lang="en-US" altLang="ja-JP" dirty="0"/>
+              <a:t> IT Automation Version </a:t>
             </a:r>
             <a:r>
               <a:rPr lang="en-US" altLang="ja-JP" dirty="0" smtClean="0"/>
-              <a:t>1.8.0</a:t>
-            </a:r>
-            <a:r>
-              <a:rPr lang="ja-JP" altLang="en-US" dirty="0" smtClean="0"/>
-              <a:t>版</a:t>
-            </a:r>
-            <a:endParaRPr lang="en-US" altLang="ja-JP" dirty="0" smtClean="0"/>
-          </a:p>
-          <a:p>
-            <a:r>
-              <a:rPr lang="en-US" altLang="ja-JP" dirty="0" smtClean="0"/>
+              <a:t>1.9</a:t>
+            </a:r>
+            <a:endParaRPr lang="en-US" altLang="ja-JP" dirty="0"/>
+          </a:p>
+          <a:p>
+            <a:r>
+              <a:rPr lang="en-US" altLang="ja-JP" dirty="0" err="1" smtClean="0"/>
               <a:t>Exastro</a:t>
             </a:r>
             <a:r>
@@ -8157,7 +8242,7 @@
           <p:nvPr/>
         </p:nvPicPr>
         <p:blipFill>
-          <a:blip r:embed="rId2">
+          <a:blip r:embed="rId3">
             <a:extLst>
               <a:ext uri="{28A0092B-C50C-407E-A947-70E740481C1C}">
                 <a14:useLocalDpi xmlns:a14="http://schemas.microsoft.com/office/drawing/2010/main" val="0"/>
@@ -8187,7 +8272,7 @@
           <p:nvPr/>
         </p:nvPicPr>
         <p:blipFill>
-          <a:blip r:embed="rId3">
+          <a:blip r:embed="rId4">
             <a:extLst>
               <a:ext uri="{28A0092B-C50C-407E-A947-70E740481C1C}">
                 <a14:useLocalDpi xmlns:a14="http://schemas.microsoft.com/office/drawing/2010/main" val="0"/>
@@ -8247,7 +8332,7 @@
       </p:grpSpPr>
       <p:pic>
         <p:nvPicPr>
-          <p:cNvPr id="6" name="図 5"/>
+          <p:cNvPr id="7" name="図 6"/>
           <p:cNvPicPr>
             <a:picLocks noChangeAspect="1"/>
           </p:cNvPicPr>
@@ -8255,13 +8340,13 @@
         </p:nvPicPr>
         <p:blipFill rotWithShape="1">
           <a:blip r:embed="rId3"/>
-          <a:srcRect t="9134" r="971" b="5442"/>
+          <a:srcRect b="28673"/>
           <a:stretch/>
         </p:blipFill>
         <p:spPr>
           <a:xfrm>
-            <a:off x="469284" y="1731554"/>
-            <a:ext cx="7343166" cy="2777596"/>
+            <a:off x="529860" y="5110906"/>
+            <a:ext cx="7496766" cy="807650"/>
           </a:xfrm>
           <a:prstGeom prst="rect">
             <a:avLst/>
@@ -8270,22 +8355,21 @@
       </p:pic>
       <p:pic>
         <p:nvPicPr>
-          <p:cNvPr id="5" name="図 4"/>
+          <p:cNvPr id="4" name="図 3"/>
           <p:cNvPicPr>
             <a:picLocks noChangeAspect="1"/>
           </p:cNvPicPr>
           <p:nvPr/>
         </p:nvPicPr>
-        <p:blipFill>
+        <p:blipFill rotWithShape="1">
           <a:blip r:embed="rId4"/>
-          <a:stretch>
-            <a:fillRect/>
-          </a:stretch>
+          <a:srcRect t="8851" b="14888"/>
+          <a:stretch/>
         </p:blipFill>
         <p:spPr>
           <a:xfrm>
-            <a:off x="469284" y="4931150"/>
-            <a:ext cx="7358272" cy="915276"/>
+            <a:off x="539440" y="1916790"/>
+            <a:ext cx="7487186" cy="2777595"/>
           </a:xfrm>
           <a:prstGeom prst="rect">
             <a:avLst/>
@@ -8394,7 +8478,7 @@
         </p:nvSpPr>
         <p:spPr bwMode="auto">
           <a:xfrm>
-            <a:off x="5305779" y="3610937"/>
+            <a:off x="5269675" y="3849236"/>
             <a:ext cx="2278281" cy="504070"/>
           </a:xfrm>
           <a:prstGeom prst="borderCallout1">
@@ -8486,8 +8570,8 @@
         </p:nvSpPr>
         <p:spPr bwMode="auto">
           <a:xfrm>
-            <a:off x="1414423" y="2132529"/>
-            <a:ext cx="1080150" cy="441503"/>
+            <a:off x="1353289" y="2352913"/>
+            <a:ext cx="944610" cy="441503"/>
           </a:xfrm>
           <a:prstGeom prst="rect">
             <a:avLst/>
@@ -8619,7 +8703,7 @@
         </p:nvSpPr>
         <p:spPr bwMode="auto">
           <a:xfrm>
-            <a:off x="2915770" y="2440135"/>
+            <a:off x="2719096" y="2660519"/>
             <a:ext cx="2736380" cy="347239"/>
           </a:xfrm>
           <a:prstGeom prst="borderCallout1">
@@ -8694,8 +8778,8 @@
         </p:nvSpPr>
         <p:spPr bwMode="auto">
           <a:xfrm>
-            <a:off x="1414423" y="5476643"/>
-            <a:ext cx="997277" cy="184667"/>
+            <a:off x="1365077" y="5645003"/>
+            <a:ext cx="853257" cy="184667"/>
           </a:xfrm>
           <a:prstGeom prst="rect">
             <a:avLst/>
@@ -8827,7 +8911,7 @@
         </p:nvSpPr>
         <p:spPr bwMode="auto">
           <a:xfrm>
-            <a:off x="2869799" y="5619004"/>
+            <a:off x="2676433" y="5787364"/>
             <a:ext cx="2422301" cy="504070"/>
           </a:xfrm>
           <a:prstGeom prst="borderCallout1">
@@ -8922,7 +9006,7 @@
         </p:blipFill>
         <p:spPr bwMode="auto">
           <a:xfrm>
-            <a:off x="1" y="4564865"/>
+            <a:off x="70157" y="4750101"/>
             <a:ext cx="8963512" cy="341672"/>
           </a:xfrm>
           <a:prstGeom prst="rect">
@@ -16467,49 +16551,6 @@
       </p:grpSpPr>
       <p:sp>
         <p:nvSpPr>
-          <p:cNvPr id="2" name="タイトル 1"/>
-          <p:cNvSpPr>
-            <a:spLocks noGrp="1"/>
-          </p:cNvSpPr>
-          <p:nvPr>
-            <p:ph type="title"/>
-          </p:nvPr>
-        </p:nvSpPr>
-        <p:spPr/>
-        <p:txBody>
-          <a:bodyPr/>
-          <a:lstStyle/>
-          <a:p>
-            <a:r>
-              <a:rPr lang="en-US" altLang="ja-JP" dirty="0" smtClean="0"/>
-              <a:t>3</a:t>
-            </a:r>
-            <a:r>
-              <a:rPr kumimoji="1" lang="en-US" altLang="ja-JP" dirty="0" smtClean="0"/>
-              <a:t>.4 </a:t>
-            </a:r>
-            <a:r>
-              <a:rPr kumimoji="1" lang="ja-JP" altLang="en-US" dirty="0" smtClean="0"/>
-              <a:t>各メニューの説明</a:t>
-            </a:r>
-            <a:r>
-              <a:rPr kumimoji="1" lang="en-US" altLang="ja-JP" dirty="0" smtClean="0"/>
-              <a:t>(</a:t>
-            </a:r>
-            <a:r>
-              <a:rPr lang="en-US" altLang="ja-JP" dirty="0" smtClean="0"/>
-              <a:t>1/4</a:t>
-            </a:r>
-            <a:r>
-              <a:rPr kumimoji="1" lang="en-US" altLang="ja-JP" dirty="0" smtClean="0"/>
-              <a:t>)</a:t>
-            </a:r>
-            <a:endParaRPr kumimoji="1" lang="ja-JP" altLang="en-US" dirty="0"/>
-          </a:p>
-        </p:txBody>
-      </p:sp>
-      <p:sp>
-        <p:nvSpPr>
           <p:cNvPr id="3" name="コンテンツ プレースホルダー 2"/>
           <p:cNvSpPr>
             <a:spLocks noGrp="1"/>
@@ -16614,7 +16655,7 @@
       </p:sp>
       <p:pic>
         <p:nvPicPr>
-          <p:cNvPr id="7" name="図 6"/>
+          <p:cNvPr id="4" name="図 3"/>
           <p:cNvPicPr>
             <a:picLocks noChangeAspect="1"/>
           </p:cNvPicPr>
@@ -16628,8 +16669,8 @@
         </p:blipFill>
         <p:spPr>
           <a:xfrm>
-            <a:off x="683460" y="1988800"/>
-            <a:ext cx="7433290" cy="4176580"/>
+            <a:off x="395420" y="2132820"/>
+            <a:ext cx="8461662" cy="4129467"/>
           </a:xfrm>
           <a:prstGeom prst="rect">
             <a:avLst/>
@@ -16638,7 +16679,7 @@
       </p:pic>
       <p:pic>
         <p:nvPicPr>
-          <p:cNvPr id="8" name="図 7"/>
+          <p:cNvPr id="10" name="図 9"/>
           <p:cNvPicPr>
             <a:picLocks noChangeAspect="1"/>
           </p:cNvPicPr>
@@ -16652,8 +16693,8 @@
         </p:blipFill>
         <p:spPr>
           <a:xfrm>
-            <a:off x="5436120" y="5254484"/>
-            <a:ext cx="2583947" cy="1054800"/>
+            <a:off x="4932050" y="5301260"/>
+            <a:ext cx="2583947" cy="1052719"/>
           </a:xfrm>
           <a:prstGeom prst="rect">
             <a:avLst/>
@@ -16662,13 +16703,56 @@
       </p:pic>
       <p:sp>
         <p:nvSpPr>
+          <p:cNvPr id="2" name="タイトル 1"/>
+          <p:cNvSpPr>
+            <a:spLocks noGrp="1"/>
+          </p:cNvSpPr>
+          <p:nvPr>
+            <p:ph type="title"/>
+          </p:nvPr>
+        </p:nvSpPr>
+        <p:spPr/>
+        <p:txBody>
+          <a:bodyPr/>
+          <a:lstStyle/>
+          <a:p>
+            <a:r>
+              <a:rPr lang="en-US" altLang="ja-JP" dirty="0" smtClean="0"/>
+              <a:t>3</a:t>
+            </a:r>
+            <a:r>
+              <a:rPr kumimoji="1" lang="en-US" altLang="ja-JP" dirty="0" smtClean="0"/>
+              <a:t>.4 </a:t>
+            </a:r>
+            <a:r>
+              <a:rPr kumimoji="1" lang="ja-JP" altLang="en-US" dirty="0" smtClean="0"/>
+              <a:t>各メニューの説明</a:t>
+            </a:r>
+            <a:r>
+              <a:rPr kumimoji="1" lang="en-US" altLang="ja-JP" dirty="0" smtClean="0"/>
+              <a:t>(</a:t>
+            </a:r>
+            <a:r>
+              <a:rPr lang="en-US" altLang="ja-JP" dirty="0" smtClean="0"/>
+              <a:t>1/4</a:t>
+            </a:r>
+            <a:r>
+              <a:rPr kumimoji="1" lang="en-US" altLang="ja-JP" dirty="0" smtClean="0"/>
+              <a:t>)</a:t>
+            </a:r>
+            <a:endParaRPr kumimoji="1" lang="ja-JP" altLang="en-US" dirty="0"/>
+          </a:p>
+        </p:txBody>
+      </p:sp>
+      <p:sp>
+        <p:nvSpPr>
           <p:cNvPr id="6" name="線吹き出し 1 (枠付き) 5"/>
           <p:cNvSpPr/>
           <p:nvPr/>
         </p:nvSpPr>
         <p:spPr bwMode="auto">
           <a:xfrm>
-            <a:off x="5436120" y="4174070"/>
+            <a:off x="5564579" y="3907418"/>
             <a:ext cx="2278281" cy="504070"/>
           </a:xfrm>
           <a:prstGeom prst="borderCallout1">
@@ -16754,13 +16838,146 @@
       </p:sp>
       <p:sp>
         <p:nvSpPr>
+          <p:cNvPr id="11" name="正方形/長方形 10"/>
+          <p:cNvSpPr/>
+          <p:nvPr/>
+        </p:nvSpPr>
+        <p:spPr bwMode="auto">
+          <a:xfrm>
+            <a:off x="5148080" y="6036237"/>
+            <a:ext cx="1584220" cy="299697"/>
+          </a:xfrm>
+          <a:prstGeom prst="rect">
+            <a:avLst/>
+          </a:prstGeom>
+          <a:noFill/>
+          <a:ln w="28575">
+            <a:solidFill>
+              <a:srgbClr val="FF0000"/>
+            </a:solidFill>
+          </a:ln>
+          <a:effectLst/>
+          <a:extLst/>
+        </p:spPr>
+        <p:txBody>
+          <a:bodyPr rot="0" spcFirstLastPara="0" vert="horz" wrap="none" lIns="72000" tIns="72000" rIns="72000" bIns="72000" numCol="1" spcCol="0" rtlCol="0" fromWordArt="0" anchor="ctr" anchorCtr="0" forceAA="0" compatLnSpc="1">
+            <a:prstTxWarp prst="textNoShape">
+              <a:avLst/>
+            </a:prstTxWarp>
+            <a:noAutofit/>
+          </a:bodyPr>
+          <a:lstStyle>
+            <a:defPPr>
+              <a:defRPr lang="ja-JP"/>
+            </a:defPPr>
+            <a:lvl1pPr marL="0" algn="l" defTabSz="914400" rtl="0" eaLnBrk="1" latinLnBrk="0" hangingPunct="1">
+              <a:defRPr kumimoji="1" sz="1800" kern="1200">
+                <a:solidFill>
+                  <a:schemeClr val="tx1"/>
+                </a:solidFill>
+                <a:latin typeface="+mn-lt"/>
+                <a:ea typeface="+mn-ea"/>
+                <a:cs typeface="+mn-cs"/>
+              </a:defRPr>
+            </a:lvl1pPr>
+            <a:lvl2pPr marL="457200" algn="l" defTabSz="914400" rtl="0" eaLnBrk="1" latinLnBrk="0" hangingPunct="1">
+              <a:defRPr kumimoji="1" sz="1800" kern="1200">
+                <a:solidFill>
+                  <a:schemeClr val="tx1"/>
+                </a:solidFill>
+                <a:latin typeface="+mn-lt"/>
+                <a:ea typeface="+mn-ea"/>
+                <a:cs typeface="+mn-cs"/>
+              </a:defRPr>
+            </a:lvl2pPr>
+            <a:lvl3pPr marL="914400" algn="l" defTabSz="914400" rtl="0" eaLnBrk="1" latinLnBrk="0" hangingPunct="1">
+              <a:defRPr kumimoji="1" sz="1800" kern="1200">
+                <a:solidFill>
+                  <a:schemeClr val="tx1"/>
+                </a:solidFill>
+                <a:latin typeface="+mn-lt"/>
+                <a:ea typeface="+mn-ea"/>
+                <a:cs typeface="+mn-cs"/>
+              </a:defRPr>
+            </a:lvl3pPr>
+            <a:lvl4pPr marL="1371600" algn="l" defTabSz="914400" rtl="0" eaLnBrk="1" latinLnBrk="0" hangingPunct="1">
+              <a:defRPr kumimoji="1" sz="1800" kern="1200">
+                <a:solidFill>
+                  <a:schemeClr val="tx1"/>
+                </a:solidFill>
+                <a:latin typeface="+mn-lt"/>
+                <a:ea typeface="+mn-ea"/>
+                <a:cs typeface="+mn-cs"/>
+              </a:defRPr>
+            </a:lvl4pPr>
+            <a:lvl5pPr marL="1828800" algn="l" defTabSz="914400" rtl="0" eaLnBrk="1" latinLnBrk="0" hangingPunct="1">
+              <a:defRPr kumimoji="1" sz="1800" kern="1200">
+                <a:solidFill>
+                  <a:schemeClr val="tx1"/>
+                </a:solidFill>
+                <a:latin typeface="+mn-lt"/>
+                <a:ea typeface="+mn-ea"/>
+                <a:cs typeface="+mn-cs"/>
+              </a:defRPr>
+            </a:lvl5pPr>
+            <a:lvl6pPr marL="2286000" algn="l" defTabSz="914400" rtl="0" eaLnBrk="1" latinLnBrk="0" hangingPunct="1">
+              <a:defRPr kumimoji="1" sz="1800" kern="1200">
+                <a:solidFill>
+                  <a:schemeClr val="tx1"/>
+                </a:solidFill>
+                <a:latin typeface="+mn-lt"/>
+                <a:ea typeface="+mn-ea"/>
+                <a:cs typeface="+mn-cs"/>
+              </a:defRPr>
+            </a:lvl6pPr>
+            <a:lvl7pPr marL="2743200" algn="l" defTabSz="914400" rtl="0" eaLnBrk="1" latinLnBrk="0" hangingPunct="1">
+              <a:defRPr kumimoji="1" sz="1800" kern="1200">
+                <a:solidFill>
+                  <a:schemeClr val="tx1"/>
+                </a:solidFill>
+                <a:latin typeface="+mn-lt"/>
+                <a:ea typeface="+mn-ea"/>
+                <a:cs typeface="+mn-cs"/>
+              </a:defRPr>
+            </a:lvl7pPr>
+            <a:lvl8pPr marL="3200400" algn="l" defTabSz="914400" rtl="0" eaLnBrk="1" latinLnBrk="0" hangingPunct="1">
+              <a:defRPr kumimoji="1" sz="1800" kern="1200">
+                <a:solidFill>
+                  <a:schemeClr val="tx1"/>
+                </a:solidFill>
+                <a:latin typeface="+mn-lt"/>
+                <a:ea typeface="+mn-ea"/>
+                <a:cs typeface="+mn-cs"/>
+              </a:defRPr>
+            </a:lvl8pPr>
+            <a:lvl9pPr marL="3657600" algn="l" defTabSz="914400" rtl="0" eaLnBrk="1" latinLnBrk="0" hangingPunct="1">
+              <a:defRPr kumimoji="1" sz="1800" kern="1200">
+                <a:solidFill>
+                  <a:schemeClr val="tx1"/>
+                </a:solidFill>
+                <a:latin typeface="+mn-lt"/>
+                <a:ea typeface="+mn-ea"/>
+                <a:cs typeface="+mn-cs"/>
+              </a:defRPr>
+            </a:lvl9pPr>
+          </a:lstStyle>
+          <a:p>
+            <a:pPr algn="ctr"/>
+            <a:endParaRPr kumimoji="1" lang="ja-JP" altLang="en-US" b="1" dirty="0" smtClean="0">
+              <a:latin typeface="+mn-ea"/>
+            </a:endParaRPr>
+          </a:p>
+        </p:txBody>
+      </p:sp>
+      <p:sp>
+        <p:nvSpPr>
           <p:cNvPr id="9" name="線吹き出し 1 (枠付き) 8"/>
           <p:cNvSpPr/>
           <p:nvPr/>
         </p:nvSpPr>
         <p:spPr bwMode="auto">
           <a:xfrm>
-            <a:off x="6616470" y="5605667"/>
+            <a:off x="6207956" y="5697916"/>
             <a:ext cx="2396360" cy="352433"/>
           </a:xfrm>
           <a:prstGeom prst="borderCallout1">
@@ -16855,6 +17072,53 @@
           <a:chExt cx="0" cy="0"/>
         </a:xfrm>
       </p:grpSpPr>
+      <p:pic>
+        <p:nvPicPr>
+          <p:cNvPr id="13" name="図 12"/>
+          <p:cNvPicPr>
+            <a:picLocks noChangeAspect="1"/>
+          </p:cNvPicPr>
+          <p:nvPr/>
+        </p:nvPicPr>
+        <p:blipFill rotWithShape="1">
+          <a:blip r:embed="rId2"/>
+          <a:srcRect b="24869"/>
+          <a:stretch/>
+        </p:blipFill>
+        <p:spPr>
+          <a:xfrm>
+            <a:off x="531449" y="5027109"/>
+            <a:ext cx="8107249" cy="1069112"/>
+          </a:xfrm>
+          <a:prstGeom prst="rect">
+            <a:avLst/>
+          </a:prstGeom>
+        </p:spPr>
+      </p:pic>
+      <p:pic>
+        <p:nvPicPr>
+          <p:cNvPr id="12" name="図 11"/>
+          <p:cNvPicPr>
+            <a:picLocks noChangeAspect="1"/>
+          </p:cNvPicPr>
+          <p:nvPr/>
+        </p:nvPicPr>
+        <p:blipFill>
+          <a:blip r:embed="rId3"/>
+          <a:stretch>
+            <a:fillRect/>
+          </a:stretch>
+        </p:blipFill>
+        <p:spPr>
+          <a:xfrm>
+            <a:off x="539440" y="1854389"/>
+            <a:ext cx="8099259" cy="2990820"/>
+          </a:xfrm>
+          <a:prstGeom prst="rect">
+            <a:avLst/>
+          </a:prstGeom>
+        </p:spPr>
+      </p:pic>
       <p:sp>
         <p:nvSpPr>
           <p:cNvPr id="2" name="タイトル 1"/>
@@ -16983,7 +17247,7 @@
           <p:nvPr/>
         </p:nvPicPr>
         <p:blipFill rotWithShape="1">
-          <a:blip r:embed="rId2" cstate="print">
+          <a:blip r:embed="rId4" cstate="print">
             <a:extLst>
               <a:ext uri="{28A0092B-C50C-407E-A947-70E740481C1C}">
                 <a14:useLocalDpi xmlns:a14="http://schemas.microsoft.com/office/drawing/2010/main" val="0"/>
@@ -16995,7 +17259,7 @@
         </p:blipFill>
         <p:spPr bwMode="auto">
           <a:xfrm>
-            <a:off x="1" y="4564865"/>
+            <a:off x="90244" y="4685437"/>
             <a:ext cx="8963512" cy="341672"/>
           </a:xfrm>
           <a:prstGeom prst="rect">
@@ -17012,52 +17276,6 @@
           </a:extLst>
         </p:spPr>
       </p:pic>
-      <p:pic>
-        <p:nvPicPr>
-          <p:cNvPr id="5" name="図 4"/>
-          <p:cNvPicPr>
-            <a:picLocks noChangeAspect="1"/>
-          </p:cNvPicPr>
-          <p:nvPr/>
-        </p:nvPicPr>
-        <p:blipFill rotWithShape="1">
-          <a:blip r:embed="rId3"/>
-          <a:srcRect t="8220" b="3768"/>
-          <a:stretch/>
-        </p:blipFill>
-        <p:spPr>
-          <a:xfrm>
-            <a:off x="441207" y="1768490"/>
-            <a:ext cx="8065120" cy="2779200"/>
-          </a:xfrm>
-          <a:prstGeom prst="rect">
-            <a:avLst/>
-          </a:prstGeom>
-        </p:spPr>
-      </p:pic>
-      <p:pic>
-        <p:nvPicPr>
-          <p:cNvPr id="6" name="図 5"/>
-          <p:cNvPicPr>
-            <a:picLocks noChangeAspect="1"/>
-          </p:cNvPicPr>
-          <p:nvPr/>
-        </p:nvPicPr>
-        <p:blipFill rotWithShape="1">
-          <a:blip r:embed="rId4"/>
-          <a:srcRect t="58665"/>
-          <a:stretch/>
-        </p:blipFill>
-        <p:spPr>
-          <a:xfrm>
-            <a:off x="449197" y="4923712"/>
-            <a:ext cx="8123303" cy="1097648"/>
-          </a:xfrm>
-          <a:prstGeom prst="rect">
-            <a:avLst/>
-          </a:prstGeom>
-        </p:spPr>
-      </p:pic>
       <p:sp>
         <p:nvSpPr>
           <p:cNvPr id="7" name="正方形/長方形 6"/>
@@ -17066,8 +17284,8 @@
         </p:nvSpPr>
         <p:spPr bwMode="auto">
           <a:xfrm>
-            <a:off x="1547580" y="2348850"/>
-            <a:ext cx="1008140" cy="216030"/>
+            <a:off x="1421793" y="2573840"/>
+            <a:ext cx="936130" cy="216030"/>
           </a:xfrm>
           <a:prstGeom prst="rect">
             <a:avLst/>
@@ -17199,8 +17417,8 @@
         </p:nvSpPr>
         <p:spPr bwMode="auto">
           <a:xfrm>
-            <a:off x="1584000" y="5537547"/>
-            <a:ext cx="1015790" cy="195773"/>
+            <a:off x="1421792" y="5809642"/>
+            <a:ext cx="920395" cy="195773"/>
           </a:xfrm>
           <a:prstGeom prst="rect">
             <a:avLst/>
@@ -17332,7 +17550,7 @@
         </p:nvSpPr>
         <p:spPr bwMode="auto">
           <a:xfrm>
-            <a:off x="2915770" y="2440135"/>
+            <a:off x="2717973" y="2665125"/>
             <a:ext cx="2736380" cy="347239"/>
           </a:xfrm>
           <a:prstGeom prst="borderCallout1">
@@ -17407,7 +17625,7 @@
         </p:nvSpPr>
         <p:spPr bwMode="auto">
           <a:xfrm>
-            <a:off x="2232567" y="3086170"/>
+            <a:off x="2141893" y="3200642"/>
             <a:ext cx="2278281" cy="504070"/>
           </a:xfrm>
           <a:prstGeom prst="borderCallout1">
@@ -17499,7 +17717,7 @@
         </p:nvSpPr>
         <p:spPr bwMode="auto">
           <a:xfrm>
-            <a:off x="2903565" y="5666713"/>
+            <a:off x="2645963" y="5938808"/>
             <a:ext cx="2422301" cy="504070"/>
           </a:xfrm>
           <a:prstGeom prst="borderCallout1">
@@ -18493,16 +18711,15 @@
           </p:cNvPicPr>
           <p:nvPr/>
         </p:nvPicPr>
-        <p:blipFill>
+        <p:blipFill rotWithShape="1">
           <a:blip r:embed="rId2"/>
-          <a:stretch>
-            <a:fillRect/>
-          </a:stretch>
+          <a:srcRect t="9318"/>
+          <a:stretch/>
         </p:blipFill>
         <p:spPr>
           <a:xfrm>
-            <a:off x="324000" y="1858338"/>
-            <a:ext cx="7993111" cy="4491129"/>
+            <a:off x="539440" y="1988800"/>
+            <a:ext cx="7993111" cy="4072627"/>
           </a:xfrm>
           <a:prstGeom prst="rect">
             <a:avLst/>
@@ -18517,8 +18734,8 @@
         </p:nvSpPr>
         <p:spPr bwMode="auto">
           <a:xfrm>
-            <a:off x="2772000" y="4299667"/>
-            <a:ext cx="372938" cy="419014"/>
+            <a:off x="2987440" y="4026059"/>
+            <a:ext cx="372938" cy="404582"/>
           </a:xfrm>
           <a:prstGeom prst="rect">
             <a:avLst/>
@@ -18650,8 +18867,8 @@
         </p:nvSpPr>
         <p:spPr bwMode="auto">
           <a:xfrm>
-            <a:off x="3640736" y="4320000"/>
-            <a:ext cx="1007218" cy="396000"/>
+            <a:off x="3856176" y="4026059"/>
+            <a:ext cx="1007218" cy="401901"/>
           </a:xfrm>
           <a:prstGeom prst="rect">
             <a:avLst/>
@@ -18783,8 +19000,8 @@
         </p:nvSpPr>
         <p:spPr bwMode="auto">
           <a:xfrm>
-            <a:off x="3168000" y="4306190"/>
-            <a:ext cx="445044" cy="432060"/>
+            <a:off x="3383440" y="4026059"/>
+            <a:ext cx="472736" cy="401901"/>
           </a:xfrm>
           <a:prstGeom prst="rect">
             <a:avLst/>
@@ -18916,8 +19133,8 @@
         </p:nvSpPr>
         <p:spPr bwMode="auto">
           <a:xfrm>
-            <a:off x="1944000" y="4342999"/>
-            <a:ext cx="445044" cy="432060"/>
+            <a:off x="2159440" y="4026058"/>
+            <a:ext cx="445044" cy="411081"/>
           </a:xfrm>
           <a:prstGeom prst="rect">
             <a:avLst/>
@@ -19049,8 +19266,8 @@
         </p:nvSpPr>
         <p:spPr bwMode="auto">
           <a:xfrm>
-            <a:off x="4644000" y="4320000"/>
-            <a:ext cx="612000" cy="396000"/>
+            <a:off x="4859440" y="4026059"/>
+            <a:ext cx="612000" cy="401901"/>
           </a:xfrm>
           <a:prstGeom prst="rect">
             <a:avLst/>
@@ -19182,7 +19399,7 @@
         </p:nvSpPr>
         <p:spPr bwMode="auto">
           <a:xfrm>
-            <a:off x="2483710" y="3639395"/>
+            <a:off x="2699150" y="3351355"/>
             <a:ext cx="3096430" cy="464508"/>
           </a:xfrm>
           <a:prstGeom prst="borderCallout1">
@@ -19277,7 +19494,7 @@
         </p:nvSpPr>
         <p:spPr bwMode="auto">
           <a:xfrm>
-            <a:off x="3354974" y="4926196"/>
+            <a:off x="3570414" y="4638156"/>
             <a:ext cx="2389680" cy="343816"/>
           </a:xfrm>
           <a:prstGeom prst="borderCallout1">
@@ -19393,7 +19610,7 @@
         </p:nvCxnSpPr>
         <p:spPr bwMode="auto">
           <a:xfrm>
-            <a:off x="3346716" y="4733933"/>
+            <a:off x="3562156" y="4445893"/>
             <a:ext cx="36560" cy="344596"/>
           </a:xfrm>
           <a:prstGeom prst="line">
@@ -19428,7 +19645,7 @@
         </p:nvSpPr>
         <p:spPr bwMode="auto">
           <a:xfrm>
-            <a:off x="5233133" y="4024556"/>
+            <a:off x="5448573" y="3736516"/>
             <a:ext cx="2579318" cy="404797"/>
           </a:xfrm>
           <a:prstGeom prst="borderCallout1">
@@ -19565,7 +19782,7 @@
         </p:nvSpPr>
         <p:spPr bwMode="auto">
           <a:xfrm>
-            <a:off x="5645045" y="4522220"/>
+            <a:off x="5860485" y="4234180"/>
             <a:ext cx="2016280" cy="504070"/>
           </a:xfrm>
           <a:prstGeom prst="borderCallout1">
@@ -20108,7 +20325,7 @@
       </p:grpSpPr>
       <p:pic>
         <p:nvPicPr>
-          <p:cNvPr id="5" name="図 4"/>
+          <p:cNvPr id="3" name="図 2"/>
           <p:cNvPicPr>
             <a:picLocks noChangeAspect="1"/>
           </p:cNvPicPr>
@@ -20116,13 +20333,13 @@
         </p:nvPicPr>
         <p:blipFill rotWithShape="1">
           <a:blip r:embed="rId2"/>
-          <a:srcRect r="16235"/>
+          <a:srcRect r="15761"/>
           <a:stretch/>
         </p:blipFill>
         <p:spPr>
           <a:xfrm>
-            <a:off x="827480" y="1845483"/>
-            <a:ext cx="6696930" cy="4497127"/>
+            <a:off x="646722" y="1844780"/>
+            <a:ext cx="7849090" cy="4552050"/>
           </a:xfrm>
           <a:prstGeom prst="rect">
             <a:avLst/>
@@ -20428,8 +20645,8 @@
         </p:nvSpPr>
         <p:spPr bwMode="auto">
           <a:xfrm>
-            <a:off x="2915770" y="2708900"/>
-            <a:ext cx="576080" cy="720100"/>
+            <a:off x="2953870" y="2727950"/>
+            <a:ext cx="648090" cy="773060"/>
           </a:xfrm>
           <a:prstGeom prst="rect">
             <a:avLst/>
@@ -21002,7 +21219,7 @@
             </a:r>
             <a:r>
               <a:rPr lang="en-US" altLang="ja-JP" dirty="0" smtClean="0"/>
-              <a:t>playbook</a:t>
+              <a:t>Playbook</a:t>
             </a:r>
             <a:r>
               <a:rPr lang="ja-JP" altLang="en-US" dirty="0" smtClean="0"/>
@@ -27322,7 +27539,7 @@
       </p:grpSpPr>
       <p:pic>
         <p:nvPicPr>
-          <p:cNvPr id="4" name="図 3"/>
+          <p:cNvPr id="5" name="図 4"/>
           <p:cNvPicPr>
             <a:picLocks noChangeAspect="1"/>
           </p:cNvPicPr>
@@ -27336,8 +27553,8 @@
         </p:blipFill>
         <p:spPr>
           <a:xfrm>
-            <a:off x="411512" y="2241159"/>
-            <a:ext cx="8121037" cy="4212029"/>
+            <a:off x="370162" y="2353998"/>
+            <a:ext cx="8347307" cy="4073660"/>
           </a:xfrm>
           <a:prstGeom prst="rect">
             <a:avLst/>
@@ -27552,7 +27769,7 @@
         </p:nvSpPr>
         <p:spPr bwMode="auto">
           <a:xfrm>
-            <a:off x="5580140" y="4602659"/>
+            <a:off x="5557004" y="4339048"/>
             <a:ext cx="2278281" cy="504070"/>
           </a:xfrm>
           <a:prstGeom prst="borderCallout1">
@@ -27638,7 +27855,7 @@
       </p:sp>
       <p:pic>
         <p:nvPicPr>
-          <p:cNvPr id="6" name="図 5"/>
+          <p:cNvPr id="9" name="図 8"/>
           <p:cNvPicPr>
             <a:picLocks noChangeAspect="1"/>
           </p:cNvPicPr>
@@ -27652,22 +27869,12 @@
         </p:blipFill>
         <p:spPr>
           <a:xfrm>
-            <a:off x="4426737" y="5651639"/>
-            <a:ext cx="3122495" cy="1055061"/>
+            <a:off x="4211950" y="5301260"/>
+            <a:ext cx="2608704" cy="1130438"/>
           </a:xfrm>
           <a:prstGeom prst="rect">
             <a:avLst/>
           </a:prstGeom>
-          <a:ln>
-            <a:noFill/>
-          </a:ln>
-          <a:effectLst>
-            <a:outerShdw blurRad="292100" dist="139700" dir="2700000" algn="tl" rotWithShape="0">
-              <a:srgbClr val="333333">
-                <a:alpha val="65000"/>
-              </a:srgbClr>
-            </a:outerShdw>
-          </a:effectLst>
         </p:spPr>
       </p:pic>
       <p:sp>
@@ -27678,7 +27885,7 @@
         </p:nvSpPr>
         <p:spPr bwMode="auto">
           <a:xfrm>
-            <a:off x="4543816" y="6237389"/>
+            <a:off x="4545059" y="6101973"/>
             <a:ext cx="1249902" cy="299697"/>
           </a:xfrm>
           <a:prstGeom prst="rect">
@@ -27811,7 +28018,7 @@
         </p:nvSpPr>
         <p:spPr bwMode="auto">
           <a:xfrm>
-            <a:off x="6084210" y="5960660"/>
+            <a:off x="6085453" y="5774258"/>
             <a:ext cx="2396360" cy="352433"/>
           </a:xfrm>
           <a:prstGeom prst="borderCallout1">
